--- a/객체0510.pptx
+++ b/객체0510.pptx
@@ -1,15 +1,30 @@
 
 <file path=ppt/presentation.xml><?xml version="1.0" encoding="utf-8"?>
-<p:presentation xmlns:a="http://schemas.openxmlformats.org/drawingml/2006/main" xmlns:r="http://schemas.openxmlformats.org/officeDocument/2006/relationships" xmlns:p="http://schemas.openxmlformats.org/presentationml/2006/main" saveSubsetFonts="1">
+<p:presentation xmlns:r="http://schemas.openxmlformats.org/officeDocument/2006/relationships" xmlns:c="http://schemas.openxmlformats.org/drawingml/2006/chart" xmlns:a="http://schemas.openxmlformats.org/drawingml/2006/main" xmlns:dgm="http://schemas.openxmlformats.org/drawingml/2006/diagram" xmlns:dsp="http://schemas.microsoft.com/office/drawing/2008/diagram" xmlns:p="http://schemas.openxmlformats.org/presentationml/2006/main" saveSubsetFonts="1">
   <p:sldMasterIdLst>
-    <p:sldMasterId id="2147483648" r:id="rId1"/>
+    <p:sldMasterId id="2147483686" r:id="rId1"/>
   </p:sldMasterIdLst>
   <p:sldIdLst>
-    <p:sldId id="257" r:id="rId2"/>
-    <p:sldId id="258" r:id="rId3"/>
-    <p:sldId id="259" r:id="rId4"/>
-    <p:sldId id="261" r:id="rId5"/>
+    <p:sldId id="256" r:id="rId2"/>
+    <p:sldId id="257" r:id="rId3"/>
+    <p:sldId id="258" r:id="rId4"/>
+    <p:sldId id="259" r:id="rId5"/>
     <p:sldId id="260" r:id="rId6"/>
+    <p:sldId id="261" r:id="rId7"/>
+    <p:sldId id="262" r:id="rId8"/>
+    <p:sldId id="263" r:id="rId9"/>
+    <p:sldId id="264" r:id="rId10"/>
+    <p:sldId id="265" r:id="rId11"/>
+    <p:sldId id="266" r:id="rId12"/>
+    <p:sldId id="267" r:id="rId13"/>
+    <p:sldId id="268" r:id="rId14"/>
+    <p:sldId id="269" r:id="rId15"/>
+    <p:sldId id="270" r:id="rId16"/>
+    <p:sldId id="271" r:id="rId17"/>
+    <p:sldId id="272" r:id="rId18"/>
+    <p:sldId id="273" r:id="rId19"/>
+    <p:sldId id="274" r:id="rId20"/>
+    <p:sldId id="275" r:id="rId21"/>
   </p:sldIdLst>
   <p:sldSz cx="12192000" cy="6858000"/>
   <p:notesSz cx="6858000" cy="9144000"/>
@@ -108,11 +123,6 @@
       </a:defRPr>
     </a:lvl9pPr>
   </p:defaultTextStyle>
-  <p:extLst>
-    <p:ext uri="{EFAFB233-063F-42B5-8137-9DF3F51BA10A}">
-      <p15:sldGuideLst xmlns:p15="http://schemas.microsoft.com/office/powerpoint/2012/main"/>
-    </p:ext>
-  </p:extLst>
 </p:presentation>
 </file>
 
@@ -4239,6 +4249,3986 @@
 </p:sld>
 </file>
 
+<file path=ppt/slides/slide10.xml><?xml version="1.0" encoding="utf-8"?>
+<p:sld xmlns:r="http://schemas.openxmlformats.org/officeDocument/2006/relationships" xmlns:c="http://schemas.openxmlformats.org/drawingml/2006/chart" xmlns:a="http://schemas.openxmlformats.org/drawingml/2006/main" xmlns:dgm="http://schemas.openxmlformats.org/drawingml/2006/diagram" xmlns:dsp="http://schemas.microsoft.com/office/drawing/2008/diagram" xmlns:p="http://schemas.openxmlformats.org/presentationml/2006/main">
+  <p:cSld>
+    <p:spTree>
+      <p:nvGrpSpPr>
+        <p:cNvPr id="1" name=""/>
+        <p:cNvGrpSpPr/>
+        <p:nvPr/>
+      </p:nvGrpSpPr>
+      <p:grpSpPr>
+        <a:xfrm>
+          <a:off x="0" y="0"/>
+          <a:ext cx="0" cy="0"/>
+          <a:chOff x="0" y="0"/>
+          <a:chExt cx="0" cy="0"/>
+        </a:xfrm>
+      </p:grpSpPr>
+      <p:pic>
+        <p:nvPicPr>
+          <p:cNvPr id="2" name=""/>
+          <p:cNvPicPr>
+            <a:picLocks noChangeAspect="1"/>
+          </p:cNvPicPr>
+          <p:nvPr/>
+        </p:nvPicPr>
+        <p:blipFill rotWithShape="1">
+          <a:blip r:embed="rId2"/>
+          <a:stretch>
+            <a:fillRect/>
+          </a:stretch>
+        </p:blipFill>
+        <p:spPr>
+          <a:xfrm>
+            <a:off x="985617" y="451662"/>
+            <a:ext cx="4088609" cy="2678808"/>
+          </a:xfrm>
+          <a:prstGeom prst="rect">
+            <a:avLst/>
+          </a:prstGeom>
+        </p:spPr>
+      </p:pic>
+      <p:sp>
+        <p:nvSpPr>
+          <p:cNvPr id="3" name=""/>
+          <p:cNvSpPr txBox="1"/>
+          <p:nvPr/>
+        </p:nvSpPr>
+        <p:spPr>
+          <a:xfrm>
+            <a:off x="5573422" y="129885"/>
+            <a:ext cx="6257926" cy="6345208"/>
+          </a:xfrm>
+          <a:prstGeom prst="rect">
+            <a:avLst/>
+          </a:prstGeom>
+        </p:spPr>
+        <p:txBody>
+          <a:bodyPr wrap="square">
+            <a:spAutoFit/>
+          </a:bodyPr>
+          <a:p>
+            <a:pPr>
+              <a:defRPr lang="ko-KR" altLang="en-US"/>
+            </a:pPr>
+            <a:r>
+              <a:rPr lang="ko-KR" altLang="en-US" sz="1000"/>
+              <a:t>using System;</a:t>
+            </a:r>
+            <a:endParaRPr lang="ko-KR" altLang="en-US" sz="1000"/>
+          </a:p>
+          <a:p>
+            <a:pPr>
+              <a:defRPr lang="ko-KR" altLang="en-US"/>
+            </a:pPr>
+            <a:r>
+              <a:rPr lang="ko-KR" altLang="en-US" sz="1000"/>
+              <a:t>using System.Collections.Generic;</a:t>
+            </a:r>
+            <a:endParaRPr lang="ko-KR" altLang="en-US" sz="1000"/>
+          </a:p>
+          <a:p>
+            <a:pPr>
+              <a:defRPr lang="ko-KR" altLang="en-US"/>
+            </a:pPr>
+            <a:r>
+              <a:rPr lang="ko-KR" altLang="en-US" sz="1000"/>
+              <a:t>using System.ComponentModel;</a:t>
+            </a:r>
+            <a:endParaRPr lang="ko-KR" altLang="en-US" sz="1000"/>
+          </a:p>
+          <a:p>
+            <a:pPr>
+              <a:defRPr lang="ko-KR" altLang="en-US"/>
+            </a:pPr>
+            <a:r>
+              <a:rPr lang="ko-KR" altLang="en-US" sz="1000"/>
+              <a:t>using System.Data;</a:t>
+            </a:r>
+            <a:endParaRPr lang="ko-KR" altLang="en-US" sz="1000"/>
+          </a:p>
+          <a:p>
+            <a:pPr>
+              <a:defRPr lang="ko-KR" altLang="en-US"/>
+            </a:pPr>
+            <a:r>
+              <a:rPr lang="ko-KR" altLang="en-US" sz="1000"/>
+              <a:t>using System.Drawing;</a:t>
+            </a:r>
+            <a:endParaRPr lang="ko-KR" altLang="en-US" sz="1000"/>
+          </a:p>
+          <a:p>
+            <a:pPr>
+              <a:defRPr lang="ko-KR" altLang="en-US"/>
+            </a:pPr>
+            <a:r>
+              <a:rPr lang="ko-KR" altLang="en-US" sz="1000"/>
+              <a:t>using System.Linq;</a:t>
+            </a:r>
+            <a:endParaRPr lang="ko-KR" altLang="en-US" sz="1000"/>
+          </a:p>
+          <a:p>
+            <a:pPr>
+              <a:defRPr lang="ko-KR" altLang="en-US"/>
+            </a:pPr>
+            <a:r>
+              <a:rPr lang="ko-KR" altLang="en-US" sz="1000"/>
+              <a:t>using System.Text;</a:t>
+            </a:r>
+            <a:endParaRPr lang="ko-KR" altLang="en-US" sz="1000"/>
+          </a:p>
+          <a:p>
+            <a:pPr>
+              <a:defRPr lang="ko-KR" altLang="en-US"/>
+            </a:pPr>
+            <a:r>
+              <a:rPr lang="ko-KR" altLang="en-US" sz="1000"/>
+              <a:t>using System.Threading.Tasks;</a:t>
+            </a:r>
+            <a:endParaRPr lang="ko-KR" altLang="en-US" sz="1000"/>
+          </a:p>
+          <a:p>
+            <a:pPr>
+              <a:defRPr lang="ko-KR" altLang="en-US"/>
+            </a:pPr>
+            <a:r>
+              <a:rPr lang="ko-KR" altLang="en-US" sz="1000"/>
+              <a:t>using System.Windows.Forms;</a:t>
+            </a:r>
+            <a:endParaRPr lang="ko-KR" altLang="en-US" sz="1000"/>
+          </a:p>
+          <a:p>
+            <a:pPr>
+              <a:defRPr lang="ko-KR" altLang="en-US"/>
+            </a:pPr>
+            <a:r>
+              <a:rPr lang="ko-KR" altLang="en-US" sz="1000"/>
+              <a:t>using System.Diagnostics;</a:t>
+            </a:r>
+            <a:endParaRPr lang="ko-KR" altLang="en-US" sz="1000"/>
+          </a:p>
+          <a:p>
+            <a:pPr>
+              <a:defRPr lang="ko-KR" altLang="en-US"/>
+            </a:pPr>
+            <a:endParaRPr lang="ko-KR" altLang="en-US" sz="1000"/>
+          </a:p>
+          <a:p>
+            <a:pPr>
+              <a:defRPr lang="ko-KR" altLang="en-US"/>
+            </a:pPr>
+            <a:endParaRPr lang="ko-KR" altLang="en-US" sz="1000"/>
+          </a:p>
+          <a:p>
+            <a:pPr>
+              <a:defRPr lang="ko-KR" altLang="en-US"/>
+            </a:pPr>
+            <a:r>
+              <a:rPr lang="ko-KR" altLang="en-US" sz="1000"/>
+              <a:t>namespace HelloForm</a:t>
+            </a:r>
+            <a:endParaRPr lang="ko-KR" altLang="en-US" sz="1000"/>
+          </a:p>
+          <a:p>
+            <a:pPr>
+              <a:defRPr lang="ko-KR" altLang="en-US"/>
+            </a:pPr>
+            <a:r>
+              <a:rPr lang="ko-KR" altLang="en-US" sz="1000"/>
+              <a:t>{</a:t>
+            </a:r>
+            <a:endParaRPr lang="ko-KR" altLang="en-US" sz="1000"/>
+          </a:p>
+          <a:p>
+            <a:pPr>
+              <a:defRPr lang="ko-KR" altLang="en-US"/>
+            </a:pPr>
+            <a:r>
+              <a:rPr lang="ko-KR" altLang="en-US" sz="1000"/>
+              <a:t>    public partial class Form1 : Form</a:t>
+            </a:r>
+            <a:endParaRPr lang="ko-KR" altLang="en-US" sz="1000"/>
+          </a:p>
+          <a:p>
+            <a:pPr>
+              <a:defRPr lang="ko-KR" altLang="en-US"/>
+            </a:pPr>
+            <a:r>
+              <a:rPr lang="ko-KR" altLang="en-US" sz="1000"/>
+              <a:t>    {</a:t>
+            </a:r>
+            <a:endParaRPr lang="ko-KR" altLang="en-US" sz="1000"/>
+          </a:p>
+          <a:p>
+            <a:pPr>
+              <a:defRPr lang="ko-KR" altLang="en-US"/>
+            </a:pPr>
+            <a:r>
+              <a:rPr lang="ko-KR" altLang="en-US" sz="1000"/>
+              <a:t>        public Form1()</a:t>
+            </a:r>
+            <a:endParaRPr lang="ko-KR" altLang="en-US" sz="1000"/>
+          </a:p>
+          <a:p>
+            <a:pPr>
+              <a:defRPr lang="ko-KR" altLang="en-US"/>
+            </a:pPr>
+            <a:r>
+              <a:rPr lang="ko-KR" altLang="en-US" sz="1000"/>
+              <a:t>        {</a:t>
+            </a:r>
+            <a:endParaRPr lang="ko-KR" altLang="en-US" sz="1000"/>
+          </a:p>
+          <a:p>
+            <a:pPr>
+              <a:defRPr lang="ko-KR" altLang="en-US"/>
+            </a:pPr>
+            <a:r>
+              <a:rPr lang="ko-KR" altLang="en-US" sz="1000"/>
+              <a:t>            InitializeComponent();</a:t>
+            </a:r>
+            <a:endParaRPr lang="ko-KR" altLang="en-US" sz="1000"/>
+          </a:p>
+          <a:p>
+            <a:pPr>
+              <a:defRPr lang="ko-KR" altLang="en-US"/>
+            </a:pPr>
+            <a:endParaRPr lang="ko-KR" altLang="en-US" sz="1000"/>
+          </a:p>
+          <a:p>
+            <a:pPr>
+              <a:defRPr lang="ko-KR" altLang="en-US"/>
+            </a:pPr>
+            <a:r>
+              <a:rPr lang="ko-KR" altLang="en-US" sz="1000"/>
+              <a:t>        }</a:t>
+            </a:r>
+            <a:endParaRPr lang="ko-KR" altLang="en-US" sz="1000"/>
+          </a:p>
+          <a:p>
+            <a:pPr>
+              <a:defRPr lang="ko-KR" altLang="en-US"/>
+            </a:pPr>
+            <a:endParaRPr lang="ko-KR" altLang="en-US" sz="1000"/>
+          </a:p>
+          <a:p>
+            <a:pPr>
+              <a:defRPr lang="ko-KR" altLang="en-US"/>
+            </a:pPr>
+            <a:r>
+              <a:rPr lang="ko-KR" altLang="en-US" sz="1000"/>
+              <a:t>        private void button1_Click(object sender, EventArgs e)</a:t>
+            </a:r>
+            <a:endParaRPr lang="ko-KR" altLang="en-US" sz="1000"/>
+          </a:p>
+          <a:p>
+            <a:pPr>
+              <a:defRPr lang="ko-KR" altLang="en-US"/>
+            </a:pPr>
+            <a:r>
+              <a:rPr lang="ko-KR" altLang="en-US" sz="1000"/>
+              <a:t>        {</a:t>
+            </a:r>
+            <a:endParaRPr lang="ko-KR" altLang="en-US" sz="1000"/>
+          </a:p>
+          <a:p>
+            <a:pPr>
+              <a:defRPr lang="ko-KR" altLang="en-US"/>
+            </a:pPr>
+            <a:r>
+              <a:rPr lang="ko-KR" altLang="en-US" sz="1000"/>
+              <a:t>            if (textBox1.Text != "")</a:t>
+            </a:r>
+            <a:endParaRPr lang="ko-KR" altLang="en-US" sz="1000"/>
+          </a:p>
+          <a:p>
+            <a:pPr>
+              <a:defRPr lang="ko-KR" altLang="en-US"/>
+            </a:pPr>
+            <a:r>
+              <a:rPr lang="ko-KR" altLang="en-US" sz="1000"/>
+              <a:t>            { //리스트 상자 추가</a:t>
+            </a:r>
+            <a:endParaRPr lang="ko-KR" altLang="en-US" sz="1000"/>
+          </a:p>
+          <a:p>
+            <a:pPr>
+              <a:defRPr lang="ko-KR" altLang="en-US"/>
+            </a:pPr>
+            <a:r>
+              <a:rPr lang="ko-KR" altLang="en-US" sz="1000"/>
+              <a:t>                listBox1.Items.Add(textBox1.Text);</a:t>
+            </a:r>
+            <a:endParaRPr lang="ko-KR" altLang="en-US" sz="1000"/>
+          </a:p>
+          <a:p>
+            <a:pPr>
+              <a:defRPr lang="ko-KR" altLang="en-US"/>
+            </a:pPr>
+            <a:r>
+              <a:rPr lang="ko-KR" altLang="en-US" sz="1000"/>
+              <a:t>                textBox1.Text = "";</a:t>
+            </a:r>
+            <a:endParaRPr lang="ko-KR" altLang="en-US" sz="1000"/>
+          </a:p>
+          <a:p>
+            <a:pPr>
+              <a:defRPr lang="ko-KR" altLang="en-US"/>
+            </a:pPr>
+            <a:r>
+              <a:rPr lang="ko-KR" altLang="en-US" sz="1000"/>
+              <a:t>            }</a:t>
+            </a:r>
+            <a:endParaRPr lang="ko-KR" altLang="en-US" sz="1000"/>
+          </a:p>
+          <a:p>
+            <a:pPr>
+              <a:defRPr lang="ko-KR" altLang="en-US"/>
+            </a:pPr>
+            <a:endParaRPr lang="ko-KR" altLang="en-US" sz="1000"/>
+          </a:p>
+          <a:p>
+            <a:pPr>
+              <a:defRPr lang="ko-KR" altLang="en-US"/>
+            </a:pPr>
+            <a:r>
+              <a:rPr lang="ko-KR" altLang="en-US" sz="1000"/>
+              <a:t>        }</a:t>
+            </a:r>
+            <a:endParaRPr lang="ko-KR" altLang="en-US" sz="1000"/>
+          </a:p>
+          <a:p>
+            <a:pPr>
+              <a:defRPr lang="ko-KR" altLang="en-US"/>
+            </a:pPr>
+            <a:endParaRPr lang="ko-KR" altLang="en-US" sz="1000"/>
+          </a:p>
+          <a:p>
+            <a:pPr>
+              <a:defRPr lang="ko-KR" altLang="en-US"/>
+            </a:pPr>
+            <a:r>
+              <a:rPr lang="ko-KR" altLang="en-US" sz="1000"/>
+              <a:t>        private void button2_Click(object sender, EventArgs e)</a:t>
+            </a:r>
+            <a:endParaRPr lang="ko-KR" altLang="en-US" sz="1000"/>
+          </a:p>
+          <a:p>
+            <a:pPr>
+              <a:defRPr lang="ko-KR" altLang="en-US"/>
+            </a:pPr>
+            <a:r>
+              <a:rPr lang="ko-KR" altLang="en-US" sz="1000"/>
+              <a:t>        {</a:t>
+            </a:r>
+            <a:endParaRPr lang="ko-KR" altLang="en-US" sz="1000"/>
+          </a:p>
+          <a:p>
+            <a:pPr>
+              <a:defRPr lang="ko-KR" altLang="en-US"/>
+            </a:pPr>
+            <a:r>
+              <a:rPr lang="ko-KR" altLang="en-US" sz="1000"/>
+              <a:t>            if (listBox1.SelectedIndex &gt; -1)</a:t>
+            </a:r>
+            <a:endParaRPr lang="ko-KR" altLang="en-US" sz="1000"/>
+          </a:p>
+          <a:p>
+            <a:pPr>
+              <a:defRPr lang="ko-KR" altLang="en-US"/>
+            </a:pPr>
+            <a:r>
+              <a:rPr lang="ko-KR" altLang="en-US" sz="1000"/>
+              <a:t>                listBox1.Items.RemoveAt(listBox1.SelectedIndex);</a:t>
+            </a:r>
+            <a:endParaRPr lang="ko-KR" altLang="en-US" sz="1000"/>
+          </a:p>
+          <a:p>
+            <a:pPr>
+              <a:defRPr lang="ko-KR" altLang="en-US"/>
+            </a:pPr>
+            <a:r>
+              <a:rPr lang="ko-KR" altLang="en-US" sz="1000"/>
+              <a:t>            //리스트 상자의 선택된 항목을 제거</a:t>
+            </a:r>
+            <a:endParaRPr lang="ko-KR" altLang="en-US" sz="1000"/>
+          </a:p>
+          <a:p>
+            <a:pPr>
+              <a:defRPr lang="ko-KR" altLang="en-US"/>
+            </a:pPr>
+            <a:r>
+              <a:rPr lang="ko-KR" altLang="en-US" sz="1000"/>
+              <a:t>        }</a:t>
+            </a:r>
+            <a:endParaRPr lang="ko-KR" altLang="en-US" sz="1000"/>
+          </a:p>
+          <a:p>
+            <a:pPr>
+              <a:defRPr lang="ko-KR" altLang="en-US"/>
+            </a:pPr>
+            <a:r>
+              <a:rPr lang="ko-KR" altLang="en-US" sz="1000"/>
+              <a:t>    }</a:t>
+            </a:r>
+            <a:endParaRPr lang="ko-KR" altLang="en-US" sz="1000"/>
+          </a:p>
+          <a:p>
+            <a:pPr>
+              <a:defRPr lang="ko-KR" altLang="en-US"/>
+            </a:pPr>
+            <a:r>
+              <a:rPr lang="ko-KR" altLang="en-US" sz="1000"/>
+              <a:t>}</a:t>
+            </a:r>
+            <a:endParaRPr lang="ko-KR" altLang="en-US" sz="1000"/>
+          </a:p>
+          <a:p>
+            <a:pPr>
+              <a:defRPr lang="ko-KR" altLang="en-US"/>
+            </a:pPr>
+            <a:endParaRPr lang="ko-KR" altLang="en-US" sz="1000"/>
+          </a:p>
+        </p:txBody>
+      </p:sp>
+    </p:spTree>
+  </p:cSld>
+  <p:clrMapOvr>
+    <a:masterClrMapping/>
+  </p:clrMapOvr>
+  <mc:AlternateContent xmlns:mc="http://schemas.openxmlformats.org/markup-compatibility/2006">
+    <mc:Choice xmlns:p14="http://schemas.microsoft.com/office/powerpoint/2010/main" Requires="p14">
+      <p:transition xmlns:mc="http://schemas.openxmlformats.org/markup-compatibility/2006" xmlns:p14="http://schemas.microsoft.com/office/powerpoint/2010/main" mc:Ignorable="p14" p14:dur="500"/>
+    </mc:Choice>
+    <mc:Fallback>
+      <p:transition/>
+    </mc:Fallback>
+  </mc:AlternateContent>
+</p:sld>
+</file>
+
+<file path=ppt/slides/slide11.xml><?xml version="1.0" encoding="utf-8"?>
+<p:sld xmlns:r="http://schemas.openxmlformats.org/officeDocument/2006/relationships" xmlns:c="http://schemas.openxmlformats.org/drawingml/2006/chart" xmlns:a="http://schemas.openxmlformats.org/drawingml/2006/main" xmlns:dgm="http://schemas.openxmlformats.org/drawingml/2006/diagram" xmlns:dsp="http://schemas.microsoft.com/office/drawing/2008/diagram" xmlns:p="http://schemas.openxmlformats.org/presentationml/2006/main">
+  <p:cSld>
+    <p:spTree>
+      <p:nvGrpSpPr>
+        <p:cNvPr id="1" name=""/>
+        <p:cNvGrpSpPr/>
+        <p:nvPr/>
+      </p:nvGrpSpPr>
+      <p:grpSpPr>
+        <a:xfrm>
+          <a:off x="0" y="0"/>
+          <a:ext cx="0" cy="0"/>
+          <a:chOff x="0" y="0"/>
+          <a:chExt cx="0" cy="0"/>
+        </a:xfrm>
+      </p:grpSpPr>
+      <p:pic>
+        <p:nvPicPr>
+          <p:cNvPr id="2" name=""/>
+          <p:cNvPicPr>
+            <a:picLocks noChangeAspect="1"/>
+          </p:cNvPicPr>
+          <p:nvPr/>
+        </p:nvPicPr>
+        <p:blipFill rotWithShape="1">
+          <a:blip r:embed="rId2"/>
+          <a:stretch>
+            <a:fillRect/>
+          </a:stretch>
+        </p:blipFill>
+        <p:spPr>
+          <a:xfrm>
+            <a:off x="746618" y="443842"/>
+            <a:ext cx="3944671" cy="2661844"/>
+          </a:xfrm>
+          <a:prstGeom prst="rect">
+            <a:avLst/>
+          </a:prstGeom>
+        </p:spPr>
+      </p:pic>
+      <p:sp>
+        <p:nvSpPr>
+          <p:cNvPr id="3" name=""/>
+          <p:cNvSpPr txBox="1"/>
+          <p:nvPr/>
+        </p:nvSpPr>
+        <p:spPr>
+          <a:xfrm>
+            <a:off x="4925723" y="130838"/>
+            <a:ext cx="6791325" cy="6345122"/>
+          </a:xfrm>
+          <a:prstGeom prst="rect">
+            <a:avLst/>
+          </a:prstGeom>
+        </p:spPr>
+        <p:txBody>
+          <a:bodyPr wrap="square">
+            <a:spAutoFit/>
+          </a:bodyPr>
+          <a:p>
+            <a:pPr>
+              <a:defRPr lang="ko-KR" altLang="en-US"/>
+            </a:pPr>
+            <a:r>
+              <a:rPr lang="ko-KR" altLang="en-US" sz="1000"/>
+              <a:t>using System;</a:t>
+            </a:r>
+            <a:endParaRPr lang="ko-KR" altLang="en-US" sz="1000"/>
+          </a:p>
+          <a:p>
+            <a:pPr>
+              <a:defRPr lang="ko-KR" altLang="en-US"/>
+            </a:pPr>
+            <a:r>
+              <a:rPr lang="ko-KR" altLang="en-US" sz="1000"/>
+              <a:t>using System.Windows.Forms;</a:t>
+            </a:r>
+            <a:endParaRPr lang="ko-KR" altLang="en-US" sz="1000"/>
+          </a:p>
+          <a:p>
+            <a:pPr>
+              <a:defRPr lang="ko-KR" altLang="en-US"/>
+            </a:pPr>
+            <a:endParaRPr lang="ko-KR" altLang="en-US" sz="1000"/>
+          </a:p>
+          <a:p>
+            <a:pPr>
+              <a:defRPr lang="ko-KR" altLang="en-US"/>
+            </a:pPr>
+            <a:endParaRPr lang="ko-KR" altLang="en-US" sz="1000"/>
+          </a:p>
+          <a:p>
+            <a:pPr>
+              <a:defRPr lang="ko-KR" altLang="en-US"/>
+            </a:pPr>
+            <a:r>
+              <a:rPr lang="ko-KR" altLang="en-US" sz="1000"/>
+              <a:t>namespace HelloForm</a:t>
+            </a:r>
+            <a:endParaRPr lang="ko-KR" altLang="en-US" sz="1000"/>
+          </a:p>
+          <a:p>
+            <a:pPr>
+              <a:defRPr lang="ko-KR" altLang="en-US"/>
+            </a:pPr>
+            <a:r>
+              <a:rPr lang="ko-KR" altLang="en-US" sz="1000"/>
+              <a:t>{</a:t>
+            </a:r>
+            <a:endParaRPr lang="ko-KR" altLang="en-US" sz="1000"/>
+          </a:p>
+          <a:p>
+            <a:pPr>
+              <a:defRPr lang="ko-KR" altLang="en-US"/>
+            </a:pPr>
+            <a:r>
+              <a:rPr lang="ko-KR" altLang="en-US" sz="1000"/>
+              <a:t>    public partial class Form1 : Form</a:t>
+            </a:r>
+            <a:endParaRPr lang="ko-KR" altLang="en-US" sz="1000"/>
+          </a:p>
+          <a:p>
+            <a:pPr>
+              <a:defRPr lang="ko-KR" altLang="en-US"/>
+            </a:pPr>
+            <a:r>
+              <a:rPr lang="ko-KR" altLang="en-US" sz="1000"/>
+              <a:t>    {</a:t>
+            </a:r>
+            <a:endParaRPr lang="ko-KR" altLang="en-US" sz="1000"/>
+          </a:p>
+          <a:p>
+            <a:pPr>
+              <a:defRPr lang="ko-KR" altLang="en-US"/>
+            </a:pPr>
+            <a:r>
+              <a:rPr lang="ko-KR" altLang="en-US" sz="1000"/>
+              <a:t>        public Form1()</a:t>
+            </a:r>
+            <a:endParaRPr lang="ko-KR" altLang="en-US" sz="1000"/>
+          </a:p>
+          <a:p>
+            <a:pPr>
+              <a:defRPr lang="ko-KR" altLang="en-US"/>
+            </a:pPr>
+            <a:r>
+              <a:rPr lang="ko-KR" altLang="en-US" sz="1000"/>
+              <a:t>        {</a:t>
+            </a:r>
+            <a:endParaRPr lang="ko-KR" altLang="en-US" sz="1000"/>
+          </a:p>
+          <a:p>
+            <a:pPr>
+              <a:defRPr lang="ko-KR" altLang="en-US"/>
+            </a:pPr>
+            <a:r>
+              <a:rPr lang="ko-KR" altLang="en-US" sz="1000"/>
+              <a:t>            InitializeComponent();</a:t>
+            </a:r>
+            <a:endParaRPr lang="ko-KR" altLang="en-US" sz="1000"/>
+          </a:p>
+          <a:p>
+            <a:pPr>
+              <a:defRPr lang="ko-KR" altLang="en-US"/>
+            </a:pPr>
+            <a:endParaRPr lang="ko-KR" altLang="en-US" sz="1000"/>
+          </a:p>
+          <a:p>
+            <a:pPr>
+              <a:defRPr lang="ko-KR" altLang="en-US"/>
+            </a:pPr>
+            <a:r>
+              <a:rPr lang="ko-KR" altLang="en-US" sz="1000"/>
+              <a:t>        }</a:t>
+            </a:r>
+            <a:endParaRPr lang="ko-KR" altLang="en-US" sz="1000"/>
+          </a:p>
+          <a:p>
+            <a:pPr>
+              <a:defRPr lang="ko-KR" altLang="en-US"/>
+            </a:pPr>
+            <a:endParaRPr lang="ko-KR" altLang="en-US" sz="1000"/>
+          </a:p>
+          <a:p>
+            <a:pPr>
+              <a:defRPr lang="ko-KR" altLang="en-US"/>
+            </a:pPr>
+            <a:r>
+              <a:rPr lang="ko-KR" altLang="en-US" sz="1000"/>
+              <a:t>        private void button1_Click(object sender, EventArgs e)</a:t>
+            </a:r>
+            <a:endParaRPr lang="ko-KR" altLang="en-US" sz="1000"/>
+          </a:p>
+          <a:p>
+            <a:pPr>
+              <a:defRPr lang="ko-KR" altLang="en-US"/>
+            </a:pPr>
+            <a:r>
+              <a:rPr lang="ko-KR" altLang="en-US" sz="1000"/>
+              <a:t>        {</a:t>
+            </a:r>
+            <a:endParaRPr lang="ko-KR" altLang="en-US" sz="1000"/>
+          </a:p>
+          <a:p>
+            <a:pPr>
+              <a:defRPr lang="ko-KR" altLang="en-US"/>
+            </a:pPr>
+            <a:r>
+              <a:rPr lang="ko-KR" altLang="en-US" sz="1000"/>
+              <a:t>            if (listBox1.SelectedItem != null)</a:t>
+            </a:r>
+            <a:endParaRPr lang="ko-KR" altLang="en-US" sz="1000"/>
+          </a:p>
+          <a:p>
+            <a:pPr>
+              <a:defRPr lang="ko-KR" altLang="en-US"/>
+            </a:pPr>
+            <a:r>
+              <a:rPr lang="ko-KR" altLang="en-US" sz="1000"/>
+              <a:t>            {</a:t>
+            </a:r>
+            <a:endParaRPr lang="ko-KR" altLang="en-US" sz="1000"/>
+          </a:p>
+          <a:p>
+            <a:pPr>
+              <a:defRPr lang="ko-KR" altLang="en-US"/>
+            </a:pPr>
+            <a:r>
+              <a:rPr lang="ko-KR" altLang="en-US" sz="1000"/>
+              <a:t>                //리스트 상자의 선택 항목을 콤보 상자에 추가</a:t>
+            </a:r>
+            <a:endParaRPr lang="ko-KR" altLang="en-US" sz="1000"/>
+          </a:p>
+          <a:p>
+            <a:pPr>
+              <a:defRPr lang="ko-KR" altLang="en-US"/>
+            </a:pPr>
+            <a:r>
+              <a:rPr lang="ko-KR" altLang="en-US" sz="1000"/>
+              <a:t>                comboBox1.Items.Add(listBox1.SelectedItem);</a:t>
+            </a:r>
+            <a:endParaRPr lang="ko-KR" altLang="en-US" sz="1000"/>
+          </a:p>
+          <a:p>
+            <a:pPr>
+              <a:defRPr lang="ko-KR" altLang="en-US"/>
+            </a:pPr>
+            <a:r>
+              <a:rPr lang="ko-KR" altLang="en-US" sz="1000"/>
+              <a:t>                //리스트 상자에서 선택 항목을 삭제</a:t>
+            </a:r>
+            <a:endParaRPr lang="ko-KR" altLang="en-US" sz="1000"/>
+          </a:p>
+          <a:p>
+            <a:pPr>
+              <a:defRPr lang="ko-KR" altLang="en-US"/>
+            </a:pPr>
+            <a:r>
+              <a:rPr lang="ko-KR" altLang="en-US" sz="1000"/>
+              <a:t>                listBox1.Items.Remove(listBox1.SelectedItem);</a:t>
+            </a:r>
+            <a:endParaRPr lang="ko-KR" altLang="en-US" sz="1000"/>
+          </a:p>
+          <a:p>
+            <a:pPr>
+              <a:defRPr lang="ko-KR" altLang="en-US"/>
+            </a:pPr>
+            <a:r>
+              <a:rPr lang="ko-KR" altLang="en-US" sz="1000"/>
+              <a:t>            }</a:t>
+            </a:r>
+            <a:endParaRPr lang="ko-KR" altLang="en-US" sz="1000"/>
+          </a:p>
+          <a:p>
+            <a:pPr>
+              <a:defRPr lang="ko-KR" altLang="en-US"/>
+            </a:pPr>
+            <a:endParaRPr lang="ko-KR" altLang="en-US" sz="1000"/>
+          </a:p>
+          <a:p>
+            <a:pPr>
+              <a:defRPr lang="ko-KR" altLang="en-US"/>
+            </a:pPr>
+            <a:endParaRPr lang="ko-KR" altLang="en-US" sz="1000"/>
+          </a:p>
+          <a:p>
+            <a:pPr>
+              <a:defRPr lang="ko-KR" altLang="en-US"/>
+            </a:pPr>
+            <a:r>
+              <a:rPr lang="ko-KR" altLang="en-US" sz="1000"/>
+              <a:t>        }</a:t>
+            </a:r>
+            <a:endParaRPr lang="ko-KR" altLang="en-US" sz="1000"/>
+          </a:p>
+          <a:p>
+            <a:pPr>
+              <a:defRPr lang="ko-KR" altLang="en-US"/>
+            </a:pPr>
+            <a:endParaRPr lang="ko-KR" altLang="en-US" sz="1000"/>
+          </a:p>
+          <a:p>
+            <a:pPr>
+              <a:defRPr lang="ko-KR" altLang="en-US"/>
+            </a:pPr>
+            <a:r>
+              <a:rPr lang="ko-KR" altLang="en-US" sz="1000"/>
+              <a:t>        private void button2_Click(object sender, EventArgs e)</a:t>
+            </a:r>
+            <a:endParaRPr lang="ko-KR" altLang="en-US" sz="1000"/>
+          </a:p>
+          <a:p>
+            <a:pPr>
+              <a:defRPr lang="ko-KR" altLang="en-US"/>
+            </a:pPr>
+            <a:r>
+              <a:rPr lang="ko-KR" altLang="en-US" sz="1000"/>
+              <a:t>        {</a:t>
+            </a:r>
+            <a:endParaRPr lang="ko-KR" altLang="en-US" sz="1000"/>
+          </a:p>
+          <a:p>
+            <a:pPr>
+              <a:defRPr lang="ko-KR" altLang="en-US"/>
+            </a:pPr>
+            <a:r>
+              <a:rPr lang="ko-KR" altLang="en-US" sz="1000"/>
+              <a:t>            if (comboBox1.SelectedItem != null)</a:t>
+            </a:r>
+            <a:endParaRPr lang="ko-KR" altLang="en-US" sz="1000"/>
+          </a:p>
+          <a:p>
+            <a:pPr>
+              <a:defRPr lang="ko-KR" altLang="en-US"/>
+            </a:pPr>
+            <a:r>
+              <a:rPr lang="ko-KR" altLang="en-US" sz="1000"/>
+              <a:t>            {</a:t>
+            </a:r>
+            <a:endParaRPr lang="ko-KR" altLang="en-US" sz="1000"/>
+          </a:p>
+          <a:p>
+            <a:pPr>
+              <a:defRPr lang="ko-KR" altLang="en-US"/>
+            </a:pPr>
+            <a:r>
+              <a:rPr lang="ko-KR" altLang="en-US" sz="1000"/>
+              <a:t>                //리스트 상자의 선택 항목을 콤보 상자에 추가</a:t>
+            </a:r>
+            <a:endParaRPr lang="ko-KR" altLang="en-US" sz="1000"/>
+          </a:p>
+          <a:p>
+            <a:pPr>
+              <a:defRPr lang="ko-KR" altLang="en-US"/>
+            </a:pPr>
+            <a:r>
+              <a:rPr lang="ko-KR" altLang="en-US" sz="1000"/>
+              <a:t>                listBox1.Items.Add(comboBox1.SelectedItem);</a:t>
+            </a:r>
+            <a:endParaRPr lang="ko-KR" altLang="en-US" sz="1000"/>
+          </a:p>
+          <a:p>
+            <a:pPr>
+              <a:defRPr lang="ko-KR" altLang="en-US"/>
+            </a:pPr>
+            <a:r>
+              <a:rPr lang="ko-KR" altLang="en-US" sz="1000"/>
+              <a:t>                //리스트 상자의 선택 항목을 삭제</a:t>
+            </a:r>
+            <a:endParaRPr lang="ko-KR" altLang="en-US" sz="1000"/>
+          </a:p>
+          <a:p>
+            <a:pPr>
+              <a:defRPr lang="ko-KR" altLang="en-US"/>
+            </a:pPr>
+            <a:r>
+              <a:rPr lang="ko-KR" altLang="en-US" sz="1000"/>
+              <a:t>                comboBox1.Items.Remove(comboBox1.SelectedItem);</a:t>
+            </a:r>
+            <a:endParaRPr lang="ko-KR" altLang="en-US" sz="1000"/>
+          </a:p>
+          <a:p>
+            <a:pPr>
+              <a:defRPr lang="ko-KR" altLang="en-US"/>
+            </a:pPr>
+            <a:endParaRPr lang="ko-KR" altLang="en-US" sz="1000"/>
+          </a:p>
+          <a:p>
+            <a:pPr>
+              <a:defRPr lang="ko-KR" altLang="en-US"/>
+            </a:pPr>
+            <a:r>
+              <a:rPr lang="ko-KR" altLang="en-US" sz="1000"/>
+              <a:t>            }</a:t>
+            </a:r>
+            <a:endParaRPr lang="ko-KR" altLang="en-US" sz="1000"/>
+          </a:p>
+          <a:p>
+            <a:pPr>
+              <a:defRPr lang="ko-KR" altLang="en-US"/>
+            </a:pPr>
+            <a:r>
+              <a:rPr lang="ko-KR" altLang="en-US" sz="1000"/>
+              <a:t>        }</a:t>
+            </a:r>
+            <a:endParaRPr lang="ko-KR" altLang="en-US" sz="1000"/>
+          </a:p>
+          <a:p>
+            <a:pPr>
+              <a:defRPr lang="ko-KR" altLang="en-US"/>
+            </a:pPr>
+            <a:r>
+              <a:rPr lang="ko-KR" altLang="en-US" sz="1000"/>
+              <a:t>    }</a:t>
+            </a:r>
+            <a:endParaRPr lang="ko-KR" altLang="en-US" sz="1000"/>
+          </a:p>
+          <a:p>
+            <a:pPr>
+              <a:defRPr lang="ko-KR" altLang="en-US"/>
+            </a:pPr>
+            <a:r>
+              <a:rPr lang="ko-KR" altLang="en-US" sz="1000"/>
+              <a:t>}</a:t>
+            </a:r>
+            <a:endParaRPr lang="ko-KR" altLang="en-US" sz="1000"/>
+          </a:p>
+          <a:p>
+            <a:pPr>
+              <a:defRPr lang="ko-KR" altLang="en-US"/>
+            </a:pPr>
+            <a:endParaRPr lang="ko-KR" altLang="en-US" sz="1000"/>
+          </a:p>
+        </p:txBody>
+      </p:sp>
+    </p:spTree>
+  </p:cSld>
+  <p:clrMapOvr>
+    <a:masterClrMapping/>
+  </p:clrMapOvr>
+  <mc:AlternateContent xmlns:mc="http://schemas.openxmlformats.org/markup-compatibility/2006">
+    <mc:Choice xmlns:p14="http://schemas.microsoft.com/office/powerpoint/2010/main" Requires="p14">
+      <p:transition xmlns:mc="http://schemas.openxmlformats.org/markup-compatibility/2006" xmlns:p14="http://schemas.microsoft.com/office/powerpoint/2010/main" mc:Ignorable="p14" p14:dur="500"/>
+    </mc:Choice>
+    <mc:Fallback>
+      <p:transition/>
+    </mc:Fallback>
+  </mc:AlternateContent>
+</p:sld>
+</file>
+
+<file path=ppt/slides/slide12.xml><?xml version="1.0" encoding="utf-8"?>
+<p:sld xmlns:r="http://schemas.openxmlformats.org/officeDocument/2006/relationships" xmlns:c="http://schemas.openxmlformats.org/drawingml/2006/chart" xmlns:a="http://schemas.openxmlformats.org/drawingml/2006/main" xmlns:dgm="http://schemas.openxmlformats.org/drawingml/2006/diagram" xmlns:dsp="http://schemas.microsoft.com/office/drawing/2008/diagram" xmlns:p="http://schemas.openxmlformats.org/presentationml/2006/main">
+  <p:cSld>
+    <p:spTree>
+      <p:nvGrpSpPr>
+        <p:cNvPr id="1" name=""/>
+        <p:cNvGrpSpPr/>
+        <p:nvPr/>
+      </p:nvGrpSpPr>
+      <p:grpSpPr>
+        <a:xfrm>
+          <a:off x="0" y="0"/>
+          <a:ext cx="0" cy="0"/>
+          <a:chOff x="0" y="0"/>
+          <a:chExt cx="0" cy="0"/>
+        </a:xfrm>
+      </p:grpSpPr>
+      <p:pic>
+        <p:nvPicPr>
+          <p:cNvPr id="2" name=""/>
+          <p:cNvPicPr>
+            <a:picLocks noChangeAspect="1"/>
+          </p:cNvPicPr>
+          <p:nvPr/>
+        </p:nvPicPr>
+        <p:blipFill rotWithShape="1">
+          <a:blip r:embed="rId2"/>
+          <a:stretch>
+            <a:fillRect/>
+          </a:stretch>
+        </p:blipFill>
+        <p:spPr>
+          <a:xfrm>
+            <a:off x="727781" y="556864"/>
+            <a:ext cx="3844218" cy="2770968"/>
+          </a:xfrm>
+          <a:prstGeom prst="rect">
+            <a:avLst/>
+          </a:prstGeom>
+        </p:spPr>
+      </p:pic>
+      <p:sp>
+        <p:nvSpPr>
+          <p:cNvPr id="3" name=""/>
+          <p:cNvSpPr txBox="1"/>
+          <p:nvPr/>
+        </p:nvSpPr>
+        <p:spPr>
+          <a:xfrm>
+            <a:off x="5805921" y="600594"/>
+            <a:ext cx="5247408" cy="4350501"/>
+          </a:xfrm>
+          <a:prstGeom prst="rect">
+            <a:avLst/>
+          </a:prstGeom>
+        </p:spPr>
+        <p:txBody>
+          <a:bodyPr wrap="square">
+            <a:spAutoFit/>
+          </a:bodyPr>
+          <a:p>
+            <a:pPr>
+              <a:defRPr lang="ko-KR" altLang="en-US"/>
+            </a:pPr>
+            <a:r>
+              <a:rPr lang="ko-KR" altLang="en-US" sz="1000"/>
+              <a:t>using System;</a:t>
+            </a:r>
+            <a:endParaRPr lang="ko-KR" altLang="en-US" sz="1000"/>
+          </a:p>
+          <a:p>
+            <a:pPr>
+              <a:defRPr lang="ko-KR" altLang="en-US"/>
+            </a:pPr>
+            <a:r>
+              <a:rPr lang="ko-KR" altLang="en-US" sz="1000"/>
+              <a:t>using System.Windows.Forms;</a:t>
+            </a:r>
+            <a:endParaRPr lang="ko-KR" altLang="en-US" sz="1000"/>
+          </a:p>
+          <a:p>
+            <a:pPr>
+              <a:defRPr lang="ko-KR" altLang="en-US"/>
+            </a:pPr>
+            <a:endParaRPr lang="ko-KR" altLang="en-US" sz="1000"/>
+          </a:p>
+          <a:p>
+            <a:pPr>
+              <a:defRPr lang="ko-KR" altLang="en-US"/>
+            </a:pPr>
+            <a:endParaRPr lang="ko-KR" altLang="en-US" sz="1000"/>
+          </a:p>
+          <a:p>
+            <a:pPr>
+              <a:defRPr lang="ko-KR" altLang="en-US"/>
+            </a:pPr>
+            <a:r>
+              <a:rPr lang="ko-KR" altLang="en-US" sz="1000"/>
+              <a:t>namespace HelloForm</a:t>
+            </a:r>
+            <a:endParaRPr lang="ko-KR" altLang="en-US" sz="1000"/>
+          </a:p>
+          <a:p>
+            <a:pPr>
+              <a:defRPr lang="ko-KR" altLang="en-US"/>
+            </a:pPr>
+            <a:r>
+              <a:rPr lang="ko-KR" altLang="en-US" sz="1000"/>
+              <a:t>{</a:t>
+            </a:r>
+            <a:endParaRPr lang="ko-KR" altLang="en-US" sz="1000"/>
+          </a:p>
+          <a:p>
+            <a:pPr>
+              <a:defRPr lang="ko-KR" altLang="en-US"/>
+            </a:pPr>
+            <a:r>
+              <a:rPr lang="ko-KR" altLang="en-US" sz="1000"/>
+              <a:t>    public partial class Form1 : Form</a:t>
+            </a:r>
+            <a:endParaRPr lang="ko-KR" altLang="en-US" sz="1000"/>
+          </a:p>
+          <a:p>
+            <a:pPr>
+              <a:defRPr lang="ko-KR" altLang="en-US"/>
+            </a:pPr>
+            <a:r>
+              <a:rPr lang="ko-KR" altLang="en-US" sz="1000"/>
+              <a:t>    {</a:t>
+            </a:r>
+            <a:endParaRPr lang="ko-KR" altLang="en-US" sz="1000"/>
+          </a:p>
+          <a:p>
+            <a:pPr>
+              <a:defRPr lang="ko-KR" altLang="en-US"/>
+            </a:pPr>
+            <a:r>
+              <a:rPr lang="ko-KR" altLang="en-US" sz="1000"/>
+              <a:t>        public Form1()</a:t>
+            </a:r>
+            <a:endParaRPr lang="ko-KR" altLang="en-US" sz="1000"/>
+          </a:p>
+          <a:p>
+            <a:pPr>
+              <a:defRPr lang="ko-KR" altLang="en-US"/>
+            </a:pPr>
+            <a:r>
+              <a:rPr lang="ko-KR" altLang="en-US" sz="1000"/>
+              <a:t>        {</a:t>
+            </a:r>
+            <a:endParaRPr lang="ko-KR" altLang="en-US" sz="1000"/>
+          </a:p>
+          <a:p>
+            <a:pPr>
+              <a:defRPr lang="ko-KR" altLang="en-US"/>
+            </a:pPr>
+            <a:r>
+              <a:rPr lang="ko-KR" altLang="en-US" sz="1000"/>
+              <a:t>            InitializeComponent();</a:t>
+            </a:r>
+            <a:endParaRPr lang="ko-KR" altLang="en-US" sz="1000"/>
+          </a:p>
+          <a:p>
+            <a:pPr>
+              <a:defRPr lang="ko-KR" altLang="en-US"/>
+            </a:pPr>
+            <a:endParaRPr lang="ko-KR" altLang="en-US" sz="1000"/>
+          </a:p>
+          <a:p>
+            <a:pPr>
+              <a:defRPr lang="ko-KR" altLang="en-US"/>
+            </a:pPr>
+            <a:r>
+              <a:rPr lang="ko-KR" altLang="en-US" sz="1000"/>
+              <a:t>        }</a:t>
+            </a:r>
+            <a:endParaRPr lang="ko-KR" altLang="en-US" sz="1000"/>
+          </a:p>
+          <a:p>
+            <a:pPr>
+              <a:defRPr lang="ko-KR" altLang="en-US"/>
+            </a:pPr>
+            <a:endParaRPr lang="ko-KR" altLang="en-US" sz="1000"/>
+          </a:p>
+          <a:p>
+            <a:pPr>
+              <a:defRPr lang="ko-KR" altLang="en-US"/>
+            </a:pPr>
+            <a:r>
+              <a:rPr lang="ko-KR" altLang="en-US" sz="1000"/>
+              <a:t>        private void button1_Click(object sender, EventArgs e)</a:t>
+            </a:r>
+            <a:endParaRPr lang="ko-KR" altLang="en-US" sz="1000"/>
+          </a:p>
+          <a:p>
+            <a:pPr>
+              <a:defRPr lang="ko-KR" altLang="en-US"/>
+            </a:pPr>
+            <a:r>
+              <a:rPr lang="ko-KR" altLang="en-US" sz="1000"/>
+              <a:t>        {</a:t>
+            </a:r>
+            <a:endParaRPr lang="ko-KR" altLang="en-US" sz="1000"/>
+          </a:p>
+          <a:p>
+            <a:pPr>
+              <a:defRPr lang="ko-KR" altLang="en-US"/>
+            </a:pPr>
+            <a:r>
+              <a:rPr lang="ko-KR" altLang="en-US" sz="1000"/>
+              <a:t>            string strTemp = "";</a:t>
+            </a:r>
+            <a:endParaRPr lang="ko-KR" altLang="en-US" sz="1000"/>
+          </a:p>
+          <a:p>
+            <a:pPr>
+              <a:defRPr lang="ko-KR" altLang="en-US"/>
+            </a:pPr>
+            <a:r>
+              <a:rPr lang="ko-KR" altLang="en-US" sz="1000"/>
+              <a:t>            foreach (object obj in checkedListBox1.CheckedItems)</a:t>
+            </a:r>
+            <a:endParaRPr lang="ko-KR" altLang="en-US" sz="1000"/>
+          </a:p>
+          <a:p>
+            <a:pPr>
+              <a:defRPr lang="ko-KR" altLang="en-US"/>
+            </a:pPr>
+            <a:r>
+              <a:rPr lang="ko-KR" altLang="en-US" sz="1000"/>
+              <a:t>            {</a:t>
+            </a:r>
+            <a:endParaRPr lang="ko-KR" altLang="en-US" sz="1000"/>
+          </a:p>
+          <a:p>
+            <a:pPr>
+              <a:defRPr lang="ko-KR" altLang="en-US"/>
+            </a:pPr>
+            <a:r>
+              <a:rPr lang="ko-KR" altLang="en-US" sz="1000"/>
+              <a:t>                strTemp += obj.ToString();</a:t>
+            </a:r>
+            <a:endParaRPr lang="ko-KR" altLang="en-US" sz="1000"/>
+          </a:p>
+          <a:p>
+            <a:pPr>
+              <a:defRPr lang="ko-KR" altLang="en-US"/>
+            </a:pPr>
+            <a:r>
+              <a:rPr lang="ko-KR" altLang="en-US" sz="1000"/>
+              <a:t>                strTemp += " ";</a:t>
+            </a:r>
+            <a:endParaRPr lang="ko-KR" altLang="en-US" sz="1000"/>
+          </a:p>
+          <a:p>
+            <a:pPr>
+              <a:defRPr lang="ko-KR" altLang="en-US"/>
+            </a:pPr>
+            <a:r>
+              <a:rPr lang="ko-KR" altLang="en-US" sz="1000"/>
+              <a:t>            }</a:t>
+            </a:r>
+            <a:endParaRPr lang="ko-KR" altLang="en-US" sz="1000"/>
+          </a:p>
+          <a:p>
+            <a:pPr>
+              <a:defRPr lang="ko-KR" altLang="en-US"/>
+            </a:pPr>
+            <a:r>
+              <a:rPr lang="ko-KR" altLang="en-US" sz="1000"/>
+              <a:t>            MessageBox.Show("당신의 취미는 " + strTemp + "입니다.");</a:t>
+            </a:r>
+            <a:endParaRPr lang="ko-KR" altLang="en-US" sz="1000"/>
+          </a:p>
+          <a:p>
+            <a:pPr>
+              <a:defRPr lang="ko-KR" altLang="en-US"/>
+            </a:pPr>
+            <a:endParaRPr lang="ko-KR" altLang="en-US" sz="1000"/>
+          </a:p>
+          <a:p>
+            <a:pPr>
+              <a:defRPr lang="ko-KR" altLang="en-US"/>
+            </a:pPr>
+            <a:r>
+              <a:rPr lang="ko-KR" altLang="en-US" sz="1000"/>
+              <a:t>        }</a:t>
+            </a:r>
+            <a:endParaRPr lang="ko-KR" altLang="en-US" sz="1000"/>
+          </a:p>
+          <a:p>
+            <a:pPr>
+              <a:defRPr lang="ko-KR" altLang="en-US"/>
+            </a:pPr>
+            <a:r>
+              <a:rPr lang="ko-KR" altLang="en-US" sz="1000"/>
+              <a:t>    }</a:t>
+            </a:r>
+            <a:endParaRPr lang="ko-KR" altLang="en-US" sz="1000"/>
+          </a:p>
+          <a:p>
+            <a:pPr>
+              <a:defRPr lang="ko-KR" altLang="en-US"/>
+            </a:pPr>
+            <a:r>
+              <a:rPr lang="ko-KR" altLang="en-US" sz="1000"/>
+              <a:t>}</a:t>
+            </a:r>
+            <a:endParaRPr lang="ko-KR" altLang="en-US" sz="1000"/>
+          </a:p>
+          <a:p>
+            <a:pPr>
+              <a:defRPr lang="ko-KR" altLang="en-US"/>
+            </a:pPr>
+            <a:endParaRPr lang="ko-KR" altLang="en-US" sz="1000"/>
+          </a:p>
+        </p:txBody>
+      </p:sp>
+    </p:spTree>
+  </p:cSld>
+  <p:clrMapOvr>
+    <a:masterClrMapping/>
+  </p:clrMapOvr>
+  <mc:AlternateContent xmlns:mc="http://schemas.openxmlformats.org/markup-compatibility/2006">
+    <mc:Choice xmlns:p14="http://schemas.microsoft.com/office/powerpoint/2010/main" Requires="p14">
+      <p:transition xmlns:mc="http://schemas.openxmlformats.org/markup-compatibility/2006" xmlns:p14="http://schemas.microsoft.com/office/powerpoint/2010/main" mc:Ignorable="p14" p14:dur="500"/>
+    </mc:Choice>
+    <mc:Fallback>
+      <p:transition/>
+    </mc:Fallback>
+  </mc:AlternateContent>
+</p:sld>
+</file>
+
+<file path=ppt/slides/slide13.xml><?xml version="1.0" encoding="utf-8"?>
+<p:sld xmlns:r="http://schemas.openxmlformats.org/officeDocument/2006/relationships" xmlns:c="http://schemas.openxmlformats.org/drawingml/2006/chart" xmlns:a="http://schemas.openxmlformats.org/drawingml/2006/main" xmlns:dgm="http://schemas.openxmlformats.org/drawingml/2006/diagram" xmlns:dsp="http://schemas.microsoft.com/office/drawing/2008/diagram" xmlns:p="http://schemas.openxmlformats.org/presentationml/2006/main">
+  <p:cSld>
+    <p:spTree>
+      <p:nvGrpSpPr>
+        <p:cNvPr id="1" name=""/>
+        <p:cNvGrpSpPr/>
+        <p:nvPr/>
+      </p:nvGrpSpPr>
+      <p:grpSpPr>
+        <a:xfrm>
+          <a:off x="0" y="0"/>
+          <a:ext cx="0" cy="0"/>
+          <a:chOff x="0" y="0"/>
+          <a:chExt cx="0" cy="0"/>
+        </a:xfrm>
+      </p:grpSpPr>
+      <p:pic>
+        <p:nvPicPr>
+          <p:cNvPr id="2" name=""/>
+          <p:cNvPicPr>
+            <a:picLocks noChangeAspect="1"/>
+          </p:cNvPicPr>
+          <p:nvPr/>
+        </p:nvPicPr>
+        <p:blipFill rotWithShape="1">
+          <a:blip r:embed="rId2"/>
+          <a:stretch>
+            <a:fillRect/>
+          </a:stretch>
+        </p:blipFill>
+        <p:spPr>
+          <a:xfrm>
+            <a:off x="406976" y="177876"/>
+            <a:ext cx="3472296" cy="2484861"/>
+          </a:xfrm>
+          <a:prstGeom prst="rect">
+            <a:avLst/>
+          </a:prstGeom>
+        </p:spPr>
+      </p:pic>
+      <p:sp>
+        <p:nvSpPr>
+          <p:cNvPr id="3" name=""/>
+          <p:cNvSpPr txBox="1"/>
+          <p:nvPr/>
+        </p:nvSpPr>
+        <p:spPr>
+          <a:xfrm>
+            <a:off x="1011814" y="2792643"/>
+            <a:ext cx="3933826" cy="3443462"/>
+          </a:xfrm>
+          <a:prstGeom prst="rect">
+            <a:avLst/>
+          </a:prstGeom>
+        </p:spPr>
+        <p:txBody>
+          <a:bodyPr wrap="square">
+            <a:spAutoFit/>
+          </a:bodyPr>
+          <a:p>
+            <a:pPr>
+              <a:defRPr lang="ko-KR" altLang="en-US"/>
+            </a:pPr>
+            <a:r>
+              <a:rPr lang="ko-KR" altLang="en-US" sz="1000"/>
+              <a:t>using System;</a:t>
+            </a:r>
+            <a:endParaRPr lang="ko-KR" altLang="en-US" sz="1000"/>
+          </a:p>
+          <a:p>
+            <a:pPr>
+              <a:defRPr lang="ko-KR" altLang="en-US"/>
+            </a:pPr>
+            <a:r>
+              <a:rPr lang="ko-KR" altLang="en-US" sz="1000"/>
+              <a:t>using System.Windows.Forms;</a:t>
+            </a:r>
+            <a:endParaRPr lang="ko-KR" altLang="en-US" sz="1000"/>
+          </a:p>
+          <a:p>
+            <a:pPr>
+              <a:defRPr lang="ko-KR" altLang="en-US"/>
+            </a:pPr>
+            <a:endParaRPr lang="ko-KR" altLang="en-US" sz="1000"/>
+          </a:p>
+          <a:p>
+            <a:pPr>
+              <a:defRPr lang="ko-KR" altLang="en-US"/>
+            </a:pPr>
+            <a:endParaRPr lang="ko-KR" altLang="en-US" sz="1000"/>
+          </a:p>
+          <a:p>
+            <a:pPr>
+              <a:defRPr lang="ko-KR" altLang="en-US"/>
+            </a:pPr>
+            <a:r>
+              <a:rPr lang="ko-KR" altLang="en-US" sz="1000"/>
+              <a:t>namespace HelloForm</a:t>
+            </a:r>
+            <a:endParaRPr lang="ko-KR" altLang="en-US" sz="1000"/>
+          </a:p>
+          <a:p>
+            <a:pPr>
+              <a:defRPr lang="ko-KR" altLang="en-US"/>
+            </a:pPr>
+            <a:r>
+              <a:rPr lang="ko-KR" altLang="en-US" sz="1000"/>
+              <a:t>{</a:t>
+            </a:r>
+            <a:endParaRPr lang="ko-KR" altLang="en-US" sz="1000"/>
+          </a:p>
+          <a:p>
+            <a:pPr>
+              <a:defRPr lang="ko-KR" altLang="en-US"/>
+            </a:pPr>
+            <a:r>
+              <a:rPr lang="ko-KR" altLang="en-US" sz="1000"/>
+              <a:t>    public partial class Form1 : Form</a:t>
+            </a:r>
+            <a:endParaRPr lang="ko-KR" altLang="en-US" sz="1000"/>
+          </a:p>
+          <a:p>
+            <a:pPr>
+              <a:defRPr lang="ko-KR" altLang="en-US"/>
+            </a:pPr>
+            <a:r>
+              <a:rPr lang="ko-KR" altLang="en-US" sz="1000"/>
+              <a:t>    {</a:t>
+            </a:r>
+            <a:endParaRPr lang="ko-KR" altLang="en-US" sz="1000"/>
+          </a:p>
+          <a:p>
+            <a:pPr>
+              <a:defRPr lang="ko-KR" altLang="en-US"/>
+            </a:pPr>
+            <a:r>
+              <a:rPr lang="ko-KR" altLang="en-US" sz="1000"/>
+              <a:t>        public Form1()</a:t>
+            </a:r>
+            <a:endParaRPr lang="ko-KR" altLang="en-US" sz="1000"/>
+          </a:p>
+          <a:p>
+            <a:pPr>
+              <a:defRPr lang="ko-KR" altLang="en-US"/>
+            </a:pPr>
+            <a:r>
+              <a:rPr lang="ko-KR" altLang="en-US" sz="1000"/>
+              <a:t>        {</a:t>
+            </a:r>
+            <a:endParaRPr lang="ko-KR" altLang="en-US" sz="1000"/>
+          </a:p>
+          <a:p>
+            <a:pPr>
+              <a:defRPr lang="ko-KR" altLang="en-US"/>
+            </a:pPr>
+            <a:r>
+              <a:rPr lang="ko-KR" altLang="en-US" sz="1000"/>
+              <a:t>            InitializeComponent();</a:t>
+            </a:r>
+            <a:endParaRPr lang="ko-KR" altLang="en-US" sz="1000"/>
+          </a:p>
+          <a:p>
+            <a:pPr>
+              <a:defRPr lang="ko-KR" altLang="en-US"/>
+            </a:pPr>
+            <a:endParaRPr lang="ko-KR" altLang="en-US" sz="1000"/>
+          </a:p>
+          <a:p>
+            <a:pPr>
+              <a:defRPr lang="ko-KR" altLang="en-US"/>
+            </a:pPr>
+            <a:r>
+              <a:rPr lang="ko-KR" altLang="en-US" sz="1000"/>
+              <a:t>        }</a:t>
+            </a:r>
+            <a:endParaRPr lang="ko-KR" altLang="en-US" sz="1000"/>
+          </a:p>
+          <a:p>
+            <a:pPr>
+              <a:defRPr lang="ko-KR" altLang="en-US"/>
+            </a:pPr>
+            <a:endParaRPr lang="ko-KR" altLang="en-US" sz="1000"/>
+          </a:p>
+          <a:p>
+            <a:pPr>
+              <a:defRPr lang="ko-KR" altLang="en-US"/>
+            </a:pPr>
+            <a:r>
+              <a:rPr lang="ko-KR" altLang="en-US" sz="1000"/>
+              <a:t>        private void button1_Click(object sender, EventArgs e)</a:t>
+            </a:r>
+            <a:endParaRPr lang="ko-KR" altLang="en-US" sz="1000"/>
+          </a:p>
+          <a:p>
+            <a:pPr>
+              <a:defRPr lang="ko-KR" altLang="en-US"/>
+            </a:pPr>
+            <a:r>
+              <a:rPr lang="ko-KR" altLang="en-US" sz="1000"/>
+              <a:t>        {</a:t>
+            </a:r>
+            <a:endParaRPr lang="ko-KR" altLang="en-US" sz="1000"/>
+          </a:p>
+          <a:p>
+            <a:pPr>
+              <a:defRPr lang="ko-KR" altLang="en-US"/>
+            </a:pPr>
+            <a:r>
+              <a:rPr lang="ko-KR" altLang="en-US" sz="1000"/>
+              <a:t>            Form2 form2 = new Form2();</a:t>
+            </a:r>
+            <a:endParaRPr lang="ko-KR" altLang="en-US" sz="1000"/>
+          </a:p>
+          <a:p>
+            <a:pPr>
+              <a:defRPr lang="ko-KR" altLang="en-US"/>
+            </a:pPr>
+            <a:r>
+              <a:rPr lang="ko-KR" altLang="en-US" sz="1000"/>
+              <a:t>            form2.ShowDialog(); // form2를 모달 방식으로 띄운다.</a:t>
+            </a:r>
+            <a:endParaRPr lang="ko-KR" altLang="en-US" sz="1000"/>
+          </a:p>
+          <a:p>
+            <a:pPr>
+              <a:defRPr lang="ko-KR" altLang="en-US"/>
+            </a:pPr>
+            <a:r>
+              <a:rPr lang="ko-KR" altLang="en-US" sz="1000"/>
+              <a:t>        }</a:t>
+            </a:r>
+            <a:endParaRPr lang="ko-KR" altLang="en-US" sz="1000"/>
+          </a:p>
+          <a:p>
+            <a:pPr>
+              <a:defRPr lang="ko-KR" altLang="en-US"/>
+            </a:pPr>
+            <a:r>
+              <a:rPr lang="ko-KR" altLang="en-US" sz="1000"/>
+              <a:t>    }</a:t>
+            </a:r>
+            <a:endParaRPr lang="ko-KR" altLang="en-US" sz="1000"/>
+          </a:p>
+          <a:p>
+            <a:pPr>
+              <a:defRPr lang="ko-KR" altLang="en-US"/>
+            </a:pPr>
+            <a:r>
+              <a:rPr lang="ko-KR" altLang="en-US" sz="1000"/>
+              <a:t>}</a:t>
+            </a:r>
+            <a:endParaRPr lang="ko-KR" altLang="en-US" sz="1000"/>
+          </a:p>
+          <a:p>
+            <a:pPr>
+              <a:defRPr lang="ko-KR" altLang="en-US"/>
+            </a:pPr>
+            <a:endParaRPr lang="ko-KR" altLang="en-US" sz="1000"/>
+          </a:p>
+        </p:txBody>
+      </p:sp>
+      <p:sp>
+        <p:nvSpPr>
+          <p:cNvPr id="4" name=""/>
+          <p:cNvSpPr txBox="1"/>
+          <p:nvPr/>
+        </p:nvSpPr>
+        <p:spPr>
+          <a:xfrm>
+            <a:off x="5323174" y="1041341"/>
+            <a:ext cx="4862082" cy="4059555"/>
+          </a:xfrm>
+          <a:prstGeom prst="rect">
+            <a:avLst/>
+          </a:prstGeom>
+        </p:spPr>
+        <p:txBody>
+          <a:bodyPr wrap="square">
+            <a:spAutoFit/>
+          </a:bodyPr>
+          <a:p>
+            <a:pPr>
+              <a:defRPr lang="ko-KR" altLang="en-US"/>
+            </a:pPr>
+            <a:r>
+              <a:rPr lang="ko-KR" altLang="en-US" sz="1000"/>
+              <a:t>using System;</a:t>
+            </a:r>
+            <a:endParaRPr lang="ko-KR" altLang="en-US" sz="1000"/>
+          </a:p>
+          <a:p>
+            <a:pPr>
+              <a:defRPr lang="ko-KR" altLang="en-US"/>
+            </a:pPr>
+            <a:r>
+              <a:rPr lang="ko-KR" altLang="en-US" sz="1000"/>
+              <a:t>using System.Collections.Generic;</a:t>
+            </a:r>
+            <a:endParaRPr lang="ko-KR" altLang="en-US" sz="1000"/>
+          </a:p>
+          <a:p>
+            <a:pPr>
+              <a:defRPr lang="ko-KR" altLang="en-US"/>
+            </a:pPr>
+            <a:r>
+              <a:rPr lang="ko-KR" altLang="en-US" sz="1000"/>
+              <a:t>using System.ComponentModel;</a:t>
+            </a:r>
+            <a:endParaRPr lang="ko-KR" altLang="en-US" sz="1000"/>
+          </a:p>
+          <a:p>
+            <a:pPr>
+              <a:defRPr lang="ko-KR" altLang="en-US"/>
+            </a:pPr>
+            <a:r>
+              <a:rPr lang="ko-KR" altLang="en-US" sz="1000"/>
+              <a:t>using System.Data;</a:t>
+            </a:r>
+            <a:endParaRPr lang="ko-KR" altLang="en-US" sz="1000"/>
+          </a:p>
+          <a:p>
+            <a:pPr>
+              <a:defRPr lang="ko-KR" altLang="en-US"/>
+            </a:pPr>
+            <a:r>
+              <a:rPr lang="ko-KR" altLang="en-US" sz="1000"/>
+              <a:t>using System.Drawing;</a:t>
+            </a:r>
+            <a:endParaRPr lang="ko-KR" altLang="en-US" sz="1000"/>
+          </a:p>
+          <a:p>
+            <a:pPr>
+              <a:defRPr lang="ko-KR" altLang="en-US"/>
+            </a:pPr>
+            <a:r>
+              <a:rPr lang="ko-KR" altLang="en-US" sz="1000"/>
+              <a:t>using System.Linq;</a:t>
+            </a:r>
+            <a:endParaRPr lang="ko-KR" altLang="en-US" sz="1000"/>
+          </a:p>
+          <a:p>
+            <a:pPr>
+              <a:defRPr lang="ko-KR" altLang="en-US"/>
+            </a:pPr>
+            <a:r>
+              <a:rPr lang="ko-KR" altLang="en-US" sz="1000"/>
+              <a:t>using System.Text;</a:t>
+            </a:r>
+            <a:endParaRPr lang="ko-KR" altLang="en-US" sz="1000"/>
+          </a:p>
+          <a:p>
+            <a:pPr>
+              <a:defRPr lang="ko-KR" altLang="en-US"/>
+            </a:pPr>
+            <a:r>
+              <a:rPr lang="ko-KR" altLang="en-US" sz="1000"/>
+              <a:t>using System.Threading.Tasks;</a:t>
+            </a:r>
+            <a:endParaRPr lang="ko-KR" altLang="en-US" sz="1000"/>
+          </a:p>
+          <a:p>
+            <a:pPr>
+              <a:defRPr lang="ko-KR" altLang="en-US"/>
+            </a:pPr>
+            <a:r>
+              <a:rPr lang="ko-KR" altLang="en-US" sz="1000"/>
+              <a:t>using System.Windows.Forms;</a:t>
+            </a:r>
+            <a:endParaRPr lang="ko-KR" altLang="en-US" sz="1000"/>
+          </a:p>
+          <a:p>
+            <a:pPr>
+              <a:defRPr lang="ko-KR" altLang="en-US"/>
+            </a:pPr>
+            <a:endParaRPr lang="ko-KR" altLang="en-US" sz="1000"/>
+          </a:p>
+          <a:p>
+            <a:pPr>
+              <a:defRPr lang="ko-KR" altLang="en-US"/>
+            </a:pPr>
+            <a:r>
+              <a:rPr lang="ko-KR" altLang="en-US" sz="1000"/>
+              <a:t>namespace HelloForm</a:t>
+            </a:r>
+            <a:endParaRPr lang="ko-KR" altLang="en-US" sz="1000"/>
+          </a:p>
+          <a:p>
+            <a:pPr>
+              <a:defRPr lang="ko-KR" altLang="en-US"/>
+            </a:pPr>
+            <a:r>
+              <a:rPr lang="ko-KR" altLang="en-US" sz="1000"/>
+              <a:t>{</a:t>
+            </a:r>
+            <a:endParaRPr lang="ko-KR" altLang="en-US" sz="1000"/>
+          </a:p>
+          <a:p>
+            <a:pPr>
+              <a:defRPr lang="ko-KR" altLang="en-US"/>
+            </a:pPr>
+            <a:r>
+              <a:rPr lang="ko-KR" altLang="en-US" sz="1000"/>
+              <a:t>    public partial class Form2 : Form</a:t>
+            </a:r>
+            <a:endParaRPr lang="ko-KR" altLang="en-US" sz="1000"/>
+          </a:p>
+          <a:p>
+            <a:pPr>
+              <a:defRPr lang="ko-KR" altLang="en-US"/>
+            </a:pPr>
+            <a:r>
+              <a:rPr lang="ko-KR" altLang="en-US" sz="1000"/>
+              <a:t>    {</a:t>
+            </a:r>
+            <a:endParaRPr lang="ko-KR" altLang="en-US" sz="1000"/>
+          </a:p>
+          <a:p>
+            <a:pPr>
+              <a:defRPr lang="ko-KR" altLang="en-US"/>
+            </a:pPr>
+            <a:r>
+              <a:rPr lang="ko-KR" altLang="en-US" sz="1000"/>
+              <a:t>        public Form2()</a:t>
+            </a:r>
+            <a:endParaRPr lang="ko-KR" altLang="en-US" sz="1000"/>
+          </a:p>
+          <a:p>
+            <a:pPr>
+              <a:defRPr lang="ko-KR" altLang="en-US"/>
+            </a:pPr>
+            <a:r>
+              <a:rPr lang="ko-KR" altLang="en-US" sz="1000"/>
+              <a:t>        {</a:t>
+            </a:r>
+            <a:endParaRPr lang="ko-KR" altLang="en-US" sz="1000"/>
+          </a:p>
+          <a:p>
+            <a:pPr>
+              <a:defRPr lang="ko-KR" altLang="en-US"/>
+            </a:pPr>
+            <a:r>
+              <a:rPr lang="ko-KR" altLang="en-US" sz="1000"/>
+              <a:t>            InitializeComponent();</a:t>
+            </a:r>
+            <a:endParaRPr lang="ko-KR" altLang="en-US" sz="1000"/>
+          </a:p>
+          <a:p>
+            <a:pPr>
+              <a:defRPr lang="ko-KR" altLang="en-US"/>
+            </a:pPr>
+            <a:r>
+              <a:rPr lang="ko-KR" altLang="en-US" sz="1000"/>
+              <a:t>        }</a:t>
+            </a:r>
+            <a:endParaRPr lang="ko-KR" altLang="en-US" sz="1000"/>
+          </a:p>
+          <a:p>
+            <a:pPr>
+              <a:defRPr lang="ko-KR" altLang="en-US"/>
+            </a:pPr>
+            <a:endParaRPr lang="ko-KR" altLang="en-US" sz="1000"/>
+          </a:p>
+          <a:p>
+            <a:pPr>
+              <a:defRPr lang="ko-KR" altLang="en-US"/>
+            </a:pPr>
+            <a:r>
+              <a:rPr lang="ko-KR" altLang="en-US" sz="1000"/>
+              <a:t>        private void button1_Click(object sender, EventArgs e)</a:t>
+            </a:r>
+            <a:endParaRPr lang="ko-KR" altLang="en-US" sz="1000"/>
+          </a:p>
+          <a:p>
+            <a:pPr>
+              <a:defRPr lang="ko-KR" altLang="en-US"/>
+            </a:pPr>
+            <a:r>
+              <a:rPr lang="ko-KR" altLang="en-US" sz="1000"/>
+              <a:t>        {</a:t>
+            </a:r>
+            <a:endParaRPr lang="ko-KR" altLang="en-US" sz="1000"/>
+          </a:p>
+          <a:p>
+            <a:pPr>
+              <a:defRPr lang="ko-KR" altLang="en-US"/>
+            </a:pPr>
+            <a:r>
+              <a:rPr lang="ko-KR" altLang="en-US" sz="1000"/>
+              <a:t>            Close();</a:t>
+            </a:r>
+            <a:endParaRPr lang="ko-KR" altLang="en-US" sz="1000"/>
+          </a:p>
+          <a:p>
+            <a:pPr>
+              <a:defRPr lang="ko-KR" altLang="en-US"/>
+            </a:pPr>
+            <a:r>
+              <a:rPr lang="ko-KR" altLang="en-US" sz="1000"/>
+              <a:t>        }</a:t>
+            </a:r>
+            <a:endParaRPr lang="ko-KR" altLang="en-US" sz="1000"/>
+          </a:p>
+          <a:p>
+            <a:pPr>
+              <a:defRPr lang="ko-KR" altLang="en-US"/>
+            </a:pPr>
+            <a:r>
+              <a:rPr lang="ko-KR" altLang="en-US" sz="1000"/>
+              <a:t>    }</a:t>
+            </a:r>
+            <a:endParaRPr lang="ko-KR" altLang="en-US" sz="1000"/>
+          </a:p>
+          <a:p>
+            <a:pPr>
+              <a:defRPr lang="ko-KR" altLang="en-US"/>
+            </a:pPr>
+            <a:r>
+              <a:rPr lang="ko-KR" altLang="en-US" sz="1000"/>
+              <a:t>}</a:t>
+            </a:r>
+            <a:endParaRPr lang="ko-KR" altLang="en-US" sz="1000"/>
+          </a:p>
+          <a:p>
+            <a:pPr>
+              <a:defRPr lang="ko-KR" altLang="en-US"/>
+            </a:pPr>
+            <a:endParaRPr lang="ko-KR" altLang="en-US" sz="1000"/>
+          </a:p>
+        </p:txBody>
+      </p:sp>
+    </p:spTree>
+  </p:cSld>
+  <p:clrMapOvr>
+    <a:masterClrMapping/>
+  </p:clrMapOvr>
+  <mc:AlternateContent xmlns:mc="http://schemas.openxmlformats.org/markup-compatibility/2006">
+    <mc:Choice xmlns:p14="http://schemas.microsoft.com/office/powerpoint/2010/main" Requires="p14">
+      <p:transition xmlns:mc="http://schemas.openxmlformats.org/markup-compatibility/2006" xmlns:p14="http://schemas.microsoft.com/office/powerpoint/2010/main" mc:Ignorable="p14" p14:dur="500"/>
+    </mc:Choice>
+    <mc:Fallback>
+      <p:transition/>
+    </mc:Fallback>
+  </mc:AlternateContent>
+</p:sld>
+</file>
+
+<file path=ppt/slides/slide14.xml><?xml version="1.0" encoding="utf-8"?>
+<p:sld xmlns:r="http://schemas.openxmlformats.org/officeDocument/2006/relationships" xmlns:c="http://schemas.openxmlformats.org/drawingml/2006/chart" xmlns:a="http://schemas.openxmlformats.org/drawingml/2006/main" xmlns:dgm="http://schemas.openxmlformats.org/drawingml/2006/diagram" xmlns:dsp="http://schemas.microsoft.com/office/drawing/2008/diagram" xmlns:p="http://schemas.openxmlformats.org/presentationml/2006/main">
+  <p:cSld>
+    <p:spTree>
+      <p:nvGrpSpPr>
+        <p:cNvPr id="1" name=""/>
+        <p:cNvGrpSpPr/>
+        <p:nvPr/>
+      </p:nvGrpSpPr>
+      <p:grpSpPr>
+        <a:xfrm>
+          <a:off x="0" y="0"/>
+          <a:ext cx="0" cy="0"/>
+          <a:chOff x="0" y="0"/>
+          <a:chExt cx="0" cy="0"/>
+        </a:xfrm>
+      </p:grpSpPr>
+      <p:pic>
+        <p:nvPicPr>
+          <p:cNvPr id="2" name=""/>
+          <p:cNvPicPr>
+            <a:picLocks noChangeAspect="1"/>
+          </p:cNvPicPr>
+          <p:nvPr/>
+        </p:nvPicPr>
+        <p:blipFill rotWithShape="1">
+          <a:blip r:embed="rId2"/>
+          <a:stretch>
+            <a:fillRect/>
+          </a:stretch>
+        </p:blipFill>
+        <p:spPr>
+          <a:xfrm>
+            <a:off x="190982" y="154690"/>
+            <a:ext cx="4796171" cy="1805893"/>
+          </a:xfrm>
+          <a:prstGeom prst="rect">
+            <a:avLst/>
+          </a:prstGeom>
+        </p:spPr>
+      </p:pic>
+      <p:sp>
+        <p:nvSpPr>
+          <p:cNvPr id="3" name=""/>
+          <p:cNvSpPr txBox="1"/>
+          <p:nvPr/>
+        </p:nvSpPr>
+        <p:spPr>
+          <a:xfrm>
+            <a:off x="215609" y="2515551"/>
+            <a:ext cx="4356391" cy="3435668"/>
+          </a:xfrm>
+          <a:prstGeom prst="rect">
+            <a:avLst/>
+          </a:prstGeom>
+        </p:spPr>
+        <p:txBody>
+          <a:bodyPr wrap="square">
+            <a:spAutoFit/>
+          </a:bodyPr>
+          <a:p>
+            <a:pPr>
+              <a:defRPr lang="ko-KR" altLang="en-US"/>
+            </a:pPr>
+            <a:r>
+              <a:rPr lang="ko-KR" altLang="en-US" sz="1000"/>
+              <a:t>using System;</a:t>
+            </a:r>
+            <a:endParaRPr lang="ko-KR" altLang="en-US" sz="1000"/>
+          </a:p>
+          <a:p>
+            <a:pPr>
+              <a:defRPr lang="ko-KR" altLang="en-US"/>
+            </a:pPr>
+            <a:r>
+              <a:rPr lang="ko-KR" altLang="en-US" sz="1000"/>
+              <a:t>using System.Windows.Forms;</a:t>
+            </a:r>
+            <a:endParaRPr lang="ko-KR" altLang="en-US" sz="1000"/>
+          </a:p>
+          <a:p>
+            <a:pPr>
+              <a:defRPr lang="ko-KR" altLang="en-US"/>
+            </a:pPr>
+            <a:endParaRPr lang="ko-KR" altLang="en-US" sz="1000"/>
+          </a:p>
+          <a:p>
+            <a:pPr>
+              <a:defRPr lang="ko-KR" altLang="en-US"/>
+            </a:pPr>
+            <a:endParaRPr lang="ko-KR" altLang="en-US" sz="1000"/>
+          </a:p>
+          <a:p>
+            <a:pPr>
+              <a:defRPr lang="ko-KR" altLang="en-US"/>
+            </a:pPr>
+            <a:r>
+              <a:rPr lang="ko-KR" altLang="en-US" sz="1000"/>
+              <a:t>namespace HelloForm</a:t>
+            </a:r>
+            <a:endParaRPr lang="ko-KR" altLang="en-US" sz="1000"/>
+          </a:p>
+          <a:p>
+            <a:pPr>
+              <a:defRPr lang="ko-KR" altLang="en-US"/>
+            </a:pPr>
+            <a:r>
+              <a:rPr lang="ko-KR" altLang="en-US" sz="1000"/>
+              <a:t>{</a:t>
+            </a:r>
+            <a:endParaRPr lang="ko-KR" altLang="en-US" sz="1000"/>
+          </a:p>
+          <a:p>
+            <a:pPr>
+              <a:defRPr lang="ko-KR" altLang="en-US"/>
+            </a:pPr>
+            <a:r>
+              <a:rPr lang="ko-KR" altLang="en-US" sz="1000"/>
+              <a:t>    public partial class Form1 : Form</a:t>
+            </a:r>
+            <a:endParaRPr lang="ko-KR" altLang="en-US" sz="1000"/>
+          </a:p>
+          <a:p>
+            <a:pPr>
+              <a:defRPr lang="ko-KR" altLang="en-US"/>
+            </a:pPr>
+            <a:r>
+              <a:rPr lang="ko-KR" altLang="en-US" sz="1000"/>
+              <a:t>    {</a:t>
+            </a:r>
+            <a:endParaRPr lang="ko-KR" altLang="en-US" sz="1000"/>
+          </a:p>
+          <a:p>
+            <a:pPr>
+              <a:defRPr lang="ko-KR" altLang="en-US"/>
+            </a:pPr>
+            <a:r>
+              <a:rPr lang="ko-KR" altLang="en-US" sz="1000"/>
+              <a:t>        public Form1()</a:t>
+            </a:r>
+            <a:endParaRPr lang="ko-KR" altLang="en-US" sz="1000"/>
+          </a:p>
+          <a:p>
+            <a:pPr>
+              <a:defRPr lang="ko-KR" altLang="en-US"/>
+            </a:pPr>
+            <a:r>
+              <a:rPr lang="ko-KR" altLang="en-US" sz="1000"/>
+              <a:t>        {</a:t>
+            </a:r>
+            <a:endParaRPr lang="ko-KR" altLang="en-US" sz="1000"/>
+          </a:p>
+          <a:p>
+            <a:pPr>
+              <a:defRPr lang="ko-KR" altLang="en-US"/>
+            </a:pPr>
+            <a:r>
+              <a:rPr lang="ko-KR" altLang="en-US" sz="1000"/>
+              <a:t>            InitializeComponent();</a:t>
+            </a:r>
+            <a:endParaRPr lang="ko-KR" altLang="en-US" sz="1000"/>
+          </a:p>
+          <a:p>
+            <a:pPr>
+              <a:defRPr lang="ko-KR" altLang="en-US"/>
+            </a:pPr>
+            <a:endParaRPr lang="ko-KR" altLang="en-US" sz="1000"/>
+          </a:p>
+          <a:p>
+            <a:pPr>
+              <a:defRPr lang="ko-KR" altLang="en-US"/>
+            </a:pPr>
+            <a:r>
+              <a:rPr lang="ko-KR" altLang="en-US" sz="1000"/>
+              <a:t>        }</a:t>
+            </a:r>
+            <a:endParaRPr lang="ko-KR" altLang="en-US" sz="1000"/>
+          </a:p>
+          <a:p>
+            <a:pPr>
+              <a:defRPr lang="ko-KR" altLang="en-US"/>
+            </a:pPr>
+            <a:endParaRPr lang="ko-KR" altLang="en-US" sz="1000"/>
+          </a:p>
+          <a:p>
+            <a:pPr>
+              <a:defRPr lang="ko-KR" altLang="en-US"/>
+            </a:pPr>
+            <a:r>
+              <a:rPr lang="ko-KR" altLang="en-US" sz="1000"/>
+              <a:t>        private void button1_Click(object sender, EventArgs e)</a:t>
+            </a:r>
+            <a:endParaRPr lang="ko-KR" altLang="en-US" sz="1000"/>
+          </a:p>
+          <a:p>
+            <a:pPr>
+              <a:defRPr lang="ko-KR" altLang="en-US"/>
+            </a:pPr>
+            <a:r>
+              <a:rPr lang="ko-KR" altLang="en-US" sz="1000"/>
+              <a:t>        {</a:t>
+            </a:r>
+            <a:endParaRPr lang="ko-KR" altLang="en-US" sz="1000"/>
+          </a:p>
+          <a:p>
+            <a:pPr>
+              <a:defRPr lang="ko-KR" altLang="en-US"/>
+            </a:pPr>
+            <a:r>
+              <a:rPr lang="ko-KR" altLang="en-US" sz="1000"/>
+              <a:t>            Form2 form2 = new Form2();</a:t>
+            </a:r>
+            <a:endParaRPr lang="ko-KR" altLang="en-US" sz="1000"/>
+          </a:p>
+          <a:p>
+            <a:pPr>
+              <a:defRPr lang="ko-KR" altLang="en-US"/>
+            </a:pPr>
+            <a:r>
+              <a:rPr lang="ko-KR" altLang="en-US" sz="1000"/>
+              <a:t>            form2.Show(); // form2를 모덜리스 방식으로 띄운다.</a:t>
+            </a:r>
+            <a:endParaRPr lang="ko-KR" altLang="en-US" sz="1000"/>
+          </a:p>
+          <a:p>
+            <a:pPr>
+              <a:defRPr lang="ko-KR" altLang="en-US"/>
+            </a:pPr>
+            <a:r>
+              <a:rPr lang="ko-KR" altLang="en-US" sz="1000"/>
+              <a:t>        }</a:t>
+            </a:r>
+            <a:endParaRPr lang="ko-KR" altLang="en-US" sz="1000"/>
+          </a:p>
+          <a:p>
+            <a:pPr>
+              <a:defRPr lang="ko-KR" altLang="en-US"/>
+            </a:pPr>
+            <a:r>
+              <a:rPr lang="ko-KR" altLang="en-US" sz="1000"/>
+              <a:t>    }</a:t>
+            </a:r>
+            <a:endParaRPr lang="ko-KR" altLang="en-US" sz="1000"/>
+          </a:p>
+          <a:p>
+            <a:pPr>
+              <a:defRPr lang="ko-KR" altLang="en-US"/>
+            </a:pPr>
+            <a:r>
+              <a:rPr lang="ko-KR" altLang="en-US" sz="1000"/>
+              <a:t>}</a:t>
+            </a:r>
+            <a:endParaRPr lang="ko-KR" altLang="en-US" sz="1000"/>
+          </a:p>
+          <a:p>
+            <a:pPr>
+              <a:defRPr lang="ko-KR" altLang="en-US"/>
+            </a:pPr>
+            <a:endParaRPr lang="ko-KR" altLang="en-US" sz="1000"/>
+          </a:p>
+        </p:txBody>
+      </p:sp>
+      <p:sp>
+        <p:nvSpPr>
+          <p:cNvPr id="4" name=""/>
+          <p:cNvSpPr txBox="1"/>
+          <p:nvPr/>
+        </p:nvSpPr>
+        <p:spPr>
+          <a:xfrm>
+            <a:off x="5011448" y="2376140"/>
+            <a:ext cx="4333876" cy="3136930"/>
+          </a:xfrm>
+          <a:prstGeom prst="rect">
+            <a:avLst/>
+          </a:prstGeom>
+        </p:spPr>
+        <p:txBody>
+          <a:bodyPr wrap="square">
+            <a:spAutoFit/>
+          </a:bodyPr>
+          <a:p>
+            <a:pPr>
+              <a:defRPr lang="ko-KR" altLang="en-US"/>
+            </a:pPr>
+            <a:r>
+              <a:rPr lang="ko-KR" altLang="en-US" sz="1000"/>
+              <a:t>using System;</a:t>
+            </a:r>
+            <a:endParaRPr lang="ko-KR" altLang="en-US" sz="1000"/>
+          </a:p>
+          <a:p>
+            <a:pPr>
+              <a:defRPr lang="ko-KR" altLang="en-US"/>
+            </a:pPr>
+            <a:r>
+              <a:rPr lang="ko-KR" altLang="en-US" sz="1000"/>
+              <a:t>using System.Windows.Forms;</a:t>
+            </a:r>
+            <a:endParaRPr lang="ko-KR" altLang="en-US" sz="1000"/>
+          </a:p>
+          <a:p>
+            <a:pPr>
+              <a:defRPr lang="ko-KR" altLang="en-US"/>
+            </a:pPr>
+            <a:endParaRPr lang="ko-KR" altLang="en-US" sz="1000"/>
+          </a:p>
+          <a:p>
+            <a:pPr>
+              <a:defRPr lang="ko-KR" altLang="en-US"/>
+            </a:pPr>
+            <a:endParaRPr lang="ko-KR" altLang="en-US" sz="1000"/>
+          </a:p>
+          <a:p>
+            <a:pPr>
+              <a:defRPr lang="ko-KR" altLang="en-US"/>
+            </a:pPr>
+            <a:r>
+              <a:rPr lang="ko-KR" altLang="en-US" sz="1000"/>
+              <a:t>namespace HelloForm</a:t>
+            </a:r>
+            <a:endParaRPr lang="ko-KR" altLang="en-US" sz="1000"/>
+          </a:p>
+          <a:p>
+            <a:pPr>
+              <a:defRPr lang="ko-KR" altLang="en-US"/>
+            </a:pPr>
+            <a:r>
+              <a:rPr lang="ko-KR" altLang="en-US" sz="1000"/>
+              <a:t>{</a:t>
+            </a:r>
+            <a:endParaRPr lang="ko-KR" altLang="en-US" sz="1000"/>
+          </a:p>
+          <a:p>
+            <a:pPr>
+              <a:defRPr lang="ko-KR" altLang="en-US"/>
+            </a:pPr>
+            <a:r>
+              <a:rPr lang="ko-KR" altLang="en-US" sz="1000"/>
+              <a:t>    public partial class Form2 : Form</a:t>
+            </a:r>
+            <a:endParaRPr lang="ko-KR" altLang="en-US" sz="1000"/>
+          </a:p>
+          <a:p>
+            <a:pPr>
+              <a:defRPr lang="ko-KR" altLang="en-US"/>
+            </a:pPr>
+            <a:r>
+              <a:rPr lang="ko-KR" altLang="en-US" sz="1000"/>
+              <a:t>    {</a:t>
+            </a:r>
+            <a:endParaRPr lang="ko-KR" altLang="en-US" sz="1000"/>
+          </a:p>
+          <a:p>
+            <a:pPr>
+              <a:defRPr lang="ko-KR" altLang="en-US"/>
+            </a:pPr>
+            <a:r>
+              <a:rPr lang="ko-KR" altLang="en-US" sz="1000"/>
+              <a:t>        public Form2()</a:t>
+            </a:r>
+            <a:endParaRPr lang="ko-KR" altLang="en-US" sz="1000"/>
+          </a:p>
+          <a:p>
+            <a:pPr>
+              <a:defRPr lang="ko-KR" altLang="en-US"/>
+            </a:pPr>
+            <a:r>
+              <a:rPr lang="ko-KR" altLang="en-US" sz="1000"/>
+              <a:t>        {</a:t>
+            </a:r>
+            <a:endParaRPr lang="ko-KR" altLang="en-US" sz="1000"/>
+          </a:p>
+          <a:p>
+            <a:pPr>
+              <a:defRPr lang="ko-KR" altLang="en-US"/>
+            </a:pPr>
+            <a:r>
+              <a:rPr lang="ko-KR" altLang="en-US" sz="1000"/>
+              <a:t>            InitializeComponent();</a:t>
+            </a:r>
+            <a:endParaRPr lang="ko-KR" altLang="en-US" sz="1000"/>
+          </a:p>
+          <a:p>
+            <a:pPr>
+              <a:defRPr lang="ko-KR" altLang="en-US"/>
+            </a:pPr>
+            <a:r>
+              <a:rPr lang="ko-KR" altLang="en-US" sz="1000"/>
+              <a:t>        }</a:t>
+            </a:r>
+            <a:endParaRPr lang="ko-KR" altLang="en-US" sz="1000"/>
+          </a:p>
+          <a:p>
+            <a:pPr>
+              <a:defRPr lang="ko-KR" altLang="en-US"/>
+            </a:pPr>
+            <a:endParaRPr lang="ko-KR" altLang="en-US" sz="1000"/>
+          </a:p>
+          <a:p>
+            <a:pPr>
+              <a:defRPr lang="ko-KR" altLang="en-US"/>
+            </a:pPr>
+            <a:r>
+              <a:rPr lang="ko-KR" altLang="en-US" sz="1000"/>
+              <a:t>        private void button1_Click(object sender, EventArgs e)</a:t>
+            </a:r>
+            <a:endParaRPr lang="ko-KR" altLang="en-US" sz="1000"/>
+          </a:p>
+          <a:p>
+            <a:pPr>
+              <a:defRPr lang="ko-KR" altLang="en-US"/>
+            </a:pPr>
+            <a:r>
+              <a:rPr lang="ko-KR" altLang="en-US" sz="1000"/>
+              <a:t>        {</a:t>
+            </a:r>
+            <a:endParaRPr lang="ko-KR" altLang="en-US" sz="1000"/>
+          </a:p>
+          <a:p>
+            <a:pPr>
+              <a:defRPr lang="ko-KR" altLang="en-US"/>
+            </a:pPr>
+            <a:r>
+              <a:rPr lang="ko-KR" altLang="en-US" sz="1000"/>
+              <a:t>            Close();</a:t>
+            </a:r>
+            <a:endParaRPr lang="ko-KR" altLang="en-US" sz="1000"/>
+          </a:p>
+          <a:p>
+            <a:pPr>
+              <a:defRPr lang="ko-KR" altLang="en-US"/>
+            </a:pPr>
+            <a:r>
+              <a:rPr lang="ko-KR" altLang="en-US" sz="1000"/>
+              <a:t>        }</a:t>
+            </a:r>
+            <a:endParaRPr lang="ko-KR" altLang="en-US" sz="1000"/>
+          </a:p>
+          <a:p>
+            <a:pPr>
+              <a:defRPr lang="ko-KR" altLang="en-US"/>
+            </a:pPr>
+            <a:r>
+              <a:rPr lang="ko-KR" altLang="en-US" sz="1000"/>
+              <a:t>    }</a:t>
+            </a:r>
+            <a:endParaRPr lang="ko-KR" altLang="en-US" sz="1000"/>
+          </a:p>
+          <a:p>
+            <a:pPr>
+              <a:defRPr lang="ko-KR" altLang="en-US"/>
+            </a:pPr>
+            <a:r>
+              <a:rPr lang="ko-KR" altLang="en-US" sz="1000"/>
+              <a:t>}</a:t>
+            </a:r>
+            <a:endParaRPr lang="ko-KR" altLang="en-US" sz="1000"/>
+          </a:p>
+          <a:p>
+            <a:pPr>
+              <a:defRPr lang="ko-KR" altLang="en-US"/>
+            </a:pPr>
+            <a:endParaRPr lang="ko-KR" altLang="en-US" sz="1000"/>
+          </a:p>
+        </p:txBody>
+      </p:sp>
+    </p:spTree>
+  </p:cSld>
+  <p:clrMapOvr>
+    <a:masterClrMapping/>
+  </p:clrMapOvr>
+  <mc:AlternateContent xmlns:mc="http://schemas.openxmlformats.org/markup-compatibility/2006">
+    <mc:Choice xmlns:p14="http://schemas.microsoft.com/office/powerpoint/2010/main" Requires="p14">
+      <p:transition xmlns:mc="http://schemas.openxmlformats.org/markup-compatibility/2006" xmlns:p14="http://schemas.microsoft.com/office/powerpoint/2010/main" mc:Ignorable="p14" p14:dur="500"/>
+    </mc:Choice>
+    <mc:Fallback>
+      <p:transition/>
+    </mc:Fallback>
+  </mc:AlternateContent>
+</p:sld>
+</file>
+
+<file path=ppt/slides/slide15.xml><?xml version="1.0" encoding="utf-8"?>
+<p:sld xmlns:r="http://schemas.openxmlformats.org/officeDocument/2006/relationships" xmlns:c="http://schemas.openxmlformats.org/drawingml/2006/chart" xmlns:a="http://schemas.openxmlformats.org/drawingml/2006/main" xmlns:dgm="http://schemas.openxmlformats.org/drawingml/2006/diagram" xmlns:dsp="http://schemas.microsoft.com/office/drawing/2008/diagram" xmlns:p="http://schemas.openxmlformats.org/presentationml/2006/main">
+  <p:cSld>
+    <p:spTree>
+      <p:nvGrpSpPr>
+        <p:cNvPr id="1" name=""/>
+        <p:cNvGrpSpPr/>
+        <p:nvPr/>
+      </p:nvGrpSpPr>
+      <p:grpSpPr>
+        <a:xfrm>
+          <a:off x="0" y="0"/>
+          <a:ext cx="0" cy="0"/>
+          <a:chOff x="0" y="0"/>
+          <a:chExt cx="0" cy="0"/>
+        </a:xfrm>
+      </p:grpSpPr>
+      <p:pic>
+        <p:nvPicPr>
+          <p:cNvPr id="2" name=""/>
+          <p:cNvPicPr>
+            <a:picLocks noChangeAspect="1"/>
+          </p:cNvPicPr>
+          <p:nvPr/>
+        </p:nvPicPr>
+        <p:blipFill rotWithShape="1">
+          <a:blip r:embed="rId2"/>
+          <a:stretch>
+            <a:fillRect/>
+          </a:stretch>
+        </p:blipFill>
+        <p:spPr>
+          <a:xfrm>
+            <a:off x="1031941" y="380989"/>
+            <a:ext cx="4352502" cy="2788238"/>
+          </a:xfrm>
+          <a:prstGeom prst="rect">
+            <a:avLst/>
+          </a:prstGeom>
+        </p:spPr>
+      </p:pic>
+      <p:sp>
+        <p:nvSpPr>
+          <p:cNvPr id="3" name=""/>
+          <p:cNvSpPr txBox="1"/>
+          <p:nvPr/>
+        </p:nvSpPr>
+        <p:spPr>
+          <a:xfrm>
+            <a:off x="6056165" y="652117"/>
+            <a:ext cx="4668984" cy="4203728"/>
+          </a:xfrm>
+          <a:prstGeom prst="rect">
+            <a:avLst/>
+          </a:prstGeom>
+        </p:spPr>
+        <p:txBody>
+          <a:bodyPr wrap="square">
+            <a:spAutoFit/>
+          </a:bodyPr>
+          <a:p>
+            <a:pPr>
+              <a:defRPr lang="ko-KR" altLang="en-US"/>
+            </a:pPr>
+            <a:r>
+              <a:rPr lang="ko-KR" altLang="en-US" sz="1000"/>
+              <a:t>using System;</a:t>
+            </a:r>
+            <a:endParaRPr lang="ko-KR" altLang="en-US" sz="1000"/>
+          </a:p>
+          <a:p>
+            <a:pPr>
+              <a:defRPr lang="ko-KR" altLang="en-US"/>
+            </a:pPr>
+            <a:r>
+              <a:rPr lang="ko-KR" altLang="en-US" sz="1000"/>
+              <a:t>using System.Windows.Forms;</a:t>
+            </a:r>
+            <a:endParaRPr lang="ko-KR" altLang="en-US" sz="1000"/>
+          </a:p>
+          <a:p>
+            <a:pPr>
+              <a:defRPr lang="ko-KR" altLang="en-US"/>
+            </a:pPr>
+            <a:endParaRPr lang="ko-KR" altLang="en-US" sz="1000"/>
+          </a:p>
+          <a:p>
+            <a:pPr>
+              <a:defRPr lang="ko-KR" altLang="en-US"/>
+            </a:pPr>
+            <a:endParaRPr lang="ko-KR" altLang="en-US" sz="1000"/>
+          </a:p>
+          <a:p>
+            <a:pPr>
+              <a:defRPr lang="ko-KR" altLang="en-US"/>
+            </a:pPr>
+            <a:r>
+              <a:rPr lang="ko-KR" altLang="en-US" sz="1000"/>
+              <a:t>namespace HelloForm</a:t>
+            </a:r>
+            <a:endParaRPr lang="ko-KR" altLang="en-US" sz="1000"/>
+          </a:p>
+          <a:p>
+            <a:pPr>
+              <a:defRPr lang="ko-KR" altLang="en-US"/>
+            </a:pPr>
+            <a:r>
+              <a:rPr lang="ko-KR" altLang="en-US" sz="1000"/>
+              <a:t>{</a:t>
+            </a:r>
+            <a:endParaRPr lang="ko-KR" altLang="en-US" sz="1000"/>
+          </a:p>
+          <a:p>
+            <a:pPr>
+              <a:defRPr lang="ko-KR" altLang="en-US"/>
+            </a:pPr>
+            <a:r>
+              <a:rPr lang="ko-KR" altLang="en-US" sz="1000"/>
+              <a:t>    public partial class Form1 : Form</a:t>
+            </a:r>
+            <a:endParaRPr lang="ko-KR" altLang="en-US" sz="1000"/>
+          </a:p>
+          <a:p>
+            <a:pPr>
+              <a:defRPr lang="ko-KR" altLang="en-US"/>
+            </a:pPr>
+            <a:r>
+              <a:rPr lang="ko-KR" altLang="en-US" sz="1000"/>
+              <a:t>    {</a:t>
+            </a:r>
+            <a:endParaRPr lang="ko-KR" altLang="en-US" sz="1000"/>
+          </a:p>
+          <a:p>
+            <a:pPr>
+              <a:defRPr lang="ko-KR" altLang="en-US"/>
+            </a:pPr>
+            <a:r>
+              <a:rPr lang="ko-KR" altLang="en-US" sz="1000"/>
+              <a:t>        public Form1()</a:t>
+            </a:r>
+            <a:endParaRPr lang="ko-KR" altLang="en-US" sz="1000"/>
+          </a:p>
+          <a:p>
+            <a:pPr>
+              <a:defRPr lang="ko-KR" altLang="en-US"/>
+            </a:pPr>
+            <a:r>
+              <a:rPr lang="ko-KR" altLang="en-US" sz="1000"/>
+              <a:t>        {</a:t>
+            </a:r>
+            <a:endParaRPr lang="ko-KR" altLang="en-US" sz="1000"/>
+          </a:p>
+          <a:p>
+            <a:pPr>
+              <a:defRPr lang="ko-KR" altLang="en-US"/>
+            </a:pPr>
+            <a:r>
+              <a:rPr lang="ko-KR" altLang="en-US" sz="1000"/>
+              <a:t>            InitializeComponent();</a:t>
+            </a:r>
+            <a:endParaRPr lang="ko-KR" altLang="en-US" sz="1000"/>
+          </a:p>
+          <a:p>
+            <a:pPr>
+              <a:defRPr lang="ko-KR" altLang="en-US"/>
+            </a:pPr>
+            <a:endParaRPr lang="ko-KR" altLang="en-US" sz="1000"/>
+          </a:p>
+          <a:p>
+            <a:pPr>
+              <a:defRPr lang="ko-KR" altLang="en-US"/>
+            </a:pPr>
+            <a:r>
+              <a:rPr lang="ko-KR" altLang="en-US" sz="1000"/>
+              <a:t>        }</a:t>
+            </a:r>
+            <a:endParaRPr lang="ko-KR" altLang="en-US" sz="1000"/>
+          </a:p>
+          <a:p>
+            <a:pPr>
+              <a:defRPr lang="ko-KR" altLang="en-US"/>
+            </a:pPr>
+            <a:endParaRPr lang="ko-KR" altLang="en-US" sz="1000"/>
+          </a:p>
+          <a:p>
+            <a:pPr>
+              <a:defRPr lang="ko-KR" altLang="en-US"/>
+            </a:pPr>
+            <a:r>
+              <a:rPr lang="ko-KR" altLang="en-US" sz="1000"/>
+              <a:t>        private void Form1_Load(object sender, EventArgs e)</a:t>
+            </a:r>
+            <a:endParaRPr lang="ko-KR" altLang="en-US" sz="1000"/>
+          </a:p>
+          <a:p>
+            <a:pPr>
+              <a:defRPr lang="ko-KR" altLang="en-US"/>
+            </a:pPr>
+            <a:r>
+              <a:rPr lang="ko-KR" altLang="en-US" sz="1000"/>
+              <a:t>        {</a:t>
+            </a:r>
+            <a:endParaRPr lang="ko-KR" altLang="en-US" sz="1000"/>
+          </a:p>
+          <a:p>
+            <a:pPr>
+              <a:defRPr lang="ko-KR" altLang="en-US"/>
+            </a:pPr>
+            <a:endParaRPr lang="ko-KR" altLang="en-US" sz="1000"/>
+          </a:p>
+          <a:p>
+            <a:pPr>
+              <a:defRPr lang="ko-KR" altLang="en-US"/>
+            </a:pPr>
+            <a:r>
+              <a:rPr lang="ko-KR" altLang="en-US" sz="1000"/>
+              <a:t>        }</a:t>
+            </a:r>
+            <a:endParaRPr lang="ko-KR" altLang="en-US" sz="1000"/>
+          </a:p>
+          <a:p>
+            <a:pPr>
+              <a:defRPr lang="ko-KR" altLang="en-US"/>
+            </a:pPr>
+            <a:endParaRPr lang="ko-KR" altLang="en-US" sz="1000"/>
+          </a:p>
+          <a:p>
+            <a:pPr>
+              <a:defRPr lang="ko-KR" altLang="en-US"/>
+            </a:pPr>
+            <a:r>
+              <a:rPr lang="ko-KR" altLang="en-US" sz="1000"/>
+              <a:t>        private void Form1_Click(object sender, EventArgs e)</a:t>
+            </a:r>
+            <a:endParaRPr lang="ko-KR" altLang="en-US" sz="1000"/>
+          </a:p>
+          <a:p>
+            <a:pPr>
+              <a:defRPr lang="ko-KR" altLang="en-US"/>
+            </a:pPr>
+            <a:r>
+              <a:rPr lang="ko-KR" altLang="en-US" sz="1000"/>
+              <a:t>        {</a:t>
+            </a:r>
+            <a:endParaRPr lang="ko-KR" altLang="en-US" sz="1000"/>
+          </a:p>
+          <a:p>
+            <a:pPr>
+              <a:defRPr lang="ko-KR" altLang="en-US"/>
+            </a:pPr>
+            <a:r>
+              <a:rPr lang="ko-KR" altLang="en-US" sz="1000"/>
+              <a:t>            MessageBox.Show("MessageBoxButtons", "Title Bar",</a:t>
+            </a:r>
+            <a:endParaRPr lang="ko-KR" altLang="en-US" sz="1000"/>
+          </a:p>
+          <a:p>
+            <a:pPr>
+              <a:defRPr lang="ko-KR" altLang="en-US"/>
+            </a:pPr>
+            <a:r>
+              <a:rPr lang="ko-KR" altLang="en-US" sz="1000"/>
+              <a:t>MessageBoxButtons.OKCancel);</a:t>
+            </a:r>
+            <a:endParaRPr lang="ko-KR" altLang="en-US" sz="1000"/>
+          </a:p>
+          <a:p>
+            <a:pPr>
+              <a:defRPr lang="ko-KR" altLang="en-US"/>
+            </a:pPr>
+            <a:r>
+              <a:rPr lang="ko-KR" altLang="en-US" sz="1000"/>
+              <a:t>        }</a:t>
+            </a:r>
+            <a:endParaRPr lang="ko-KR" altLang="en-US" sz="1000"/>
+          </a:p>
+          <a:p>
+            <a:pPr>
+              <a:defRPr lang="ko-KR" altLang="en-US"/>
+            </a:pPr>
+            <a:r>
+              <a:rPr lang="ko-KR" altLang="en-US" sz="1000"/>
+              <a:t>    }</a:t>
+            </a:r>
+            <a:endParaRPr lang="ko-KR" altLang="en-US" sz="1000"/>
+          </a:p>
+          <a:p>
+            <a:pPr>
+              <a:defRPr lang="ko-KR" altLang="en-US"/>
+            </a:pPr>
+            <a:r>
+              <a:rPr lang="ko-KR" altLang="en-US" sz="1000"/>
+              <a:t>}</a:t>
+            </a:r>
+            <a:endParaRPr lang="ko-KR" altLang="en-US" sz="1000"/>
+          </a:p>
+          <a:p>
+            <a:pPr>
+              <a:defRPr lang="ko-KR" altLang="en-US"/>
+            </a:pPr>
+            <a:endParaRPr lang="ko-KR" altLang="en-US" sz="1000"/>
+          </a:p>
+        </p:txBody>
+      </p:sp>
+    </p:spTree>
+  </p:cSld>
+  <p:clrMapOvr>
+    <a:masterClrMapping/>
+  </p:clrMapOvr>
+  <mc:AlternateContent xmlns:mc="http://schemas.openxmlformats.org/markup-compatibility/2006">
+    <mc:Choice xmlns:p14="http://schemas.microsoft.com/office/powerpoint/2010/main" Requires="p14">
+      <p:transition xmlns:mc="http://schemas.openxmlformats.org/markup-compatibility/2006" xmlns:p14="http://schemas.microsoft.com/office/powerpoint/2010/main" mc:Ignorable="p14" p14:dur="500"/>
+    </mc:Choice>
+    <mc:Fallback>
+      <p:transition/>
+    </mc:Fallback>
+  </mc:AlternateContent>
+</p:sld>
+</file>
+
+<file path=ppt/slides/slide16.xml><?xml version="1.0" encoding="utf-8"?>
+<p:sld xmlns:r="http://schemas.openxmlformats.org/officeDocument/2006/relationships" xmlns:c="http://schemas.openxmlformats.org/drawingml/2006/chart" xmlns:a="http://schemas.openxmlformats.org/drawingml/2006/main" xmlns:dgm="http://schemas.openxmlformats.org/drawingml/2006/diagram" xmlns:dsp="http://schemas.microsoft.com/office/drawing/2008/diagram" xmlns:p="http://schemas.openxmlformats.org/presentationml/2006/main">
+  <p:cSld>
+    <p:spTree>
+      <p:nvGrpSpPr>
+        <p:cNvPr id="1" name=""/>
+        <p:cNvGrpSpPr/>
+        <p:nvPr/>
+      </p:nvGrpSpPr>
+      <p:grpSpPr>
+        <a:xfrm>
+          <a:off x="0" y="0"/>
+          <a:ext cx="0" cy="0"/>
+          <a:chOff x="0" y="0"/>
+          <a:chExt cx="0" cy="0"/>
+        </a:xfrm>
+      </p:grpSpPr>
+      <p:pic>
+        <p:nvPicPr>
+          <p:cNvPr id="2" name=""/>
+          <p:cNvPicPr>
+            <a:picLocks noChangeAspect="1"/>
+          </p:cNvPicPr>
+          <p:nvPr/>
+        </p:nvPicPr>
+        <p:blipFill rotWithShape="1">
+          <a:blip r:embed="rId2"/>
+          <a:stretch>
+            <a:fillRect/>
+          </a:stretch>
+        </p:blipFill>
+        <p:spPr>
+          <a:xfrm>
+            <a:off x="820294" y="659560"/>
+            <a:ext cx="3433639" cy="2655168"/>
+          </a:xfrm>
+          <a:prstGeom prst="rect">
+            <a:avLst/>
+          </a:prstGeom>
+        </p:spPr>
+      </p:pic>
+      <p:sp>
+        <p:nvSpPr>
+          <p:cNvPr id="3" name=""/>
+          <p:cNvSpPr txBox="1"/>
+          <p:nvPr/>
+        </p:nvSpPr>
+        <p:spPr>
+          <a:xfrm>
+            <a:off x="5066434" y="167640"/>
+            <a:ext cx="4717472" cy="4354830"/>
+          </a:xfrm>
+          <a:prstGeom prst="rect">
+            <a:avLst/>
+          </a:prstGeom>
+        </p:spPr>
+        <p:txBody>
+          <a:bodyPr wrap="square">
+            <a:spAutoFit/>
+          </a:bodyPr>
+          <a:p>
+            <a:pPr>
+              <a:defRPr lang="ko-KR" altLang="en-US"/>
+            </a:pPr>
+            <a:r>
+              <a:rPr lang="ko-KR" altLang="en-US" sz="1000"/>
+              <a:t>using System;</a:t>
+            </a:r>
+            <a:endParaRPr lang="ko-KR" altLang="en-US" sz="1000"/>
+          </a:p>
+          <a:p>
+            <a:pPr>
+              <a:defRPr lang="ko-KR" altLang="en-US"/>
+            </a:pPr>
+            <a:r>
+              <a:rPr lang="ko-KR" altLang="en-US" sz="1000"/>
+              <a:t>using System.Windows.Forms;</a:t>
+            </a:r>
+            <a:endParaRPr lang="ko-KR" altLang="en-US" sz="1000"/>
+          </a:p>
+          <a:p>
+            <a:pPr>
+              <a:defRPr lang="ko-KR" altLang="en-US"/>
+            </a:pPr>
+            <a:endParaRPr lang="ko-KR" altLang="en-US" sz="1000"/>
+          </a:p>
+          <a:p>
+            <a:pPr>
+              <a:defRPr lang="ko-KR" altLang="en-US"/>
+            </a:pPr>
+            <a:endParaRPr lang="ko-KR" altLang="en-US" sz="1000"/>
+          </a:p>
+          <a:p>
+            <a:pPr>
+              <a:defRPr lang="ko-KR" altLang="en-US"/>
+            </a:pPr>
+            <a:r>
+              <a:rPr lang="ko-KR" altLang="en-US" sz="1000"/>
+              <a:t>namespace HelloForm</a:t>
+            </a:r>
+            <a:endParaRPr lang="ko-KR" altLang="en-US" sz="1000"/>
+          </a:p>
+          <a:p>
+            <a:pPr>
+              <a:defRPr lang="ko-KR" altLang="en-US"/>
+            </a:pPr>
+            <a:r>
+              <a:rPr lang="ko-KR" altLang="en-US" sz="1000"/>
+              <a:t>{</a:t>
+            </a:r>
+            <a:endParaRPr lang="ko-KR" altLang="en-US" sz="1000"/>
+          </a:p>
+          <a:p>
+            <a:pPr>
+              <a:defRPr lang="ko-KR" altLang="en-US"/>
+            </a:pPr>
+            <a:r>
+              <a:rPr lang="ko-KR" altLang="en-US" sz="1000"/>
+              <a:t>    public partial class Form1 : Form</a:t>
+            </a:r>
+            <a:endParaRPr lang="ko-KR" altLang="en-US" sz="1000"/>
+          </a:p>
+          <a:p>
+            <a:pPr>
+              <a:defRPr lang="ko-KR" altLang="en-US"/>
+            </a:pPr>
+            <a:r>
+              <a:rPr lang="ko-KR" altLang="en-US" sz="1000"/>
+              <a:t>    {</a:t>
+            </a:r>
+            <a:endParaRPr lang="ko-KR" altLang="en-US" sz="1000"/>
+          </a:p>
+          <a:p>
+            <a:pPr>
+              <a:defRPr lang="ko-KR" altLang="en-US"/>
+            </a:pPr>
+            <a:r>
+              <a:rPr lang="ko-KR" altLang="en-US" sz="1000"/>
+              <a:t>        public Form1()</a:t>
+            </a:r>
+            <a:endParaRPr lang="ko-KR" altLang="en-US" sz="1000"/>
+          </a:p>
+          <a:p>
+            <a:pPr>
+              <a:defRPr lang="ko-KR" altLang="en-US"/>
+            </a:pPr>
+            <a:r>
+              <a:rPr lang="ko-KR" altLang="en-US" sz="1000"/>
+              <a:t>        {</a:t>
+            </a:r>
+            <a:endParaRPr lang="ko-KR" altLang="en-US" sz="1000"/>
+          </a:p>
+          <a:p>
+            <a:pPr>
+              <a:defRPr lang="ko-KR" altLang="en-US"/>
+            </a:pPr>
+            <a:r>
+              <a:rPr lang="ko-KR" altLang="en-US" sz="1000"/>
+              <a:t>            InitializeComponent();</a:t>
+            </a:r>
+            <a:endParaRPr lang="ko-KR" altLang="en-US" sz="1000"/>
+          </a:p>
+          <a:p>
+            <a:pPr>
+              <a:defRPr lang="ko-KR" altLang="en-US"/>
+            </a:pPr>
+            <a:endParaRPr lang="ko-KR" altLang="en-US" sz="1000"/>
+          </a:p>
+          <a:p>
+            <a:pPr>
+              <a:defRPr lang="ko-KR" altLang="en-US"/>
+            </a:pPr>
+            <a:r>
+              <a:rPr lang="ko-KR" altLang="en-US" sz="1000"/>
+              <a:t>        }</a:t>
+            </a:r>
+            <a:endParaRPr lang="ko-KR" altLang="en-US" sz="1000"/>
+          </a:p>
+          <a:p>
+            <a:pPr>
+              <a:defRPr lang="ko-KR" altLang="en-US"/>
+            </a:pPr>
+            <a:endParaRPr lang="ko-KR" altLang="en-US" sz="1000"/>
+          </a:p>
+          <a:p>
+            <a:pPr>
+              <a:defRPr lang="ko-KR" altLang="en-US"/>
+            </a:pPr>
+            <a:r>
+              <a:rPr lang="ko-KR" altLang="en-US" sz="1000"/>
+              <a:t>        private void button1_Click(object sender, EventArgs e)</a:t>
+            </a:r>
+            <a:endParaRPr lang="ko-KR" altLang="en-US" sz="1000"/>
+          </a:p>
+          <a:p>
+            <a:pPr>
+              <a:defRPr lang="ko-KR" altLang="en-US"/>
+            </a:pPr>
+            <a:r>
+              <a:rPr lang="ko-KR" altLang="en-US" sz="1000"/>
+              <a:t>        {</a:t>
+            </a:r>
+            <a:endParaRPr lang="ko-KR" altLang="en-US" sz="1000"/>
+          </a:p>
+          <a:p>
+            <a:pPr>
+              <a:defRPr lang="ko-KR" altLang="en-US"/>
+            </a:pPr>
+            <a:r>
+              <a:rPr lang="ko-KR" altLang="en-US" sz="1000"/>
+              <a:t>            openFileDialog1.InitialDirectory = @"C:\";</a:t>
+            </a:r>
+            <a:endParaRPr lang="ko-KR" altLang="en-US" sz="1000"/>
+          </a:p>
+          <a:p>
+            <a:pPr>
+              <a:defRPr lang="ko-KR" altLang="en-US"/>
+            </a:pPr>
+            <a:r>
+              <a:rPr lang="ko-KR" altLang="en-US" sz="1000"/>
+              <a:t>            openFileDialog1.Filter</a:t>
+            </a:r>
+            <a:endParaRPr lang="ko-KR" altLang="en-US" sz="1000"/>
+          </a:p>
+          <a:p>
+            <a:pPr>
+              <a:defRPr lang="ko-KR" altLang="en-US"/>
+            </a:pPr>
+            <a:r>
+              <a:rPr lang="ko-KR" altLang="en-US" sz="1000"/>
+              <a:t>            = "텍스트 파일(*.txt)|*.txt|모든 파일(*.*)|*.*";</a:t>
+            </a:r>
+            <a:endParaRPr lang="ko-KR" altLang="en-US" sz="1000"/>
+          </a:p>
+          <a:p>
+            <a:pPr>
+              <a:defRPr lang="ko-KR" altLang="en-US"/>
+            </a:pPr>
+            <a:r>
+              <a:rPr lang="ko-KR" altLang="en-US" sz="1000"/>
+              <a:t>            openFileDialog1.FilterIndex = 1; // "텍스트 파일(*.txt)|*.txt“</a:t>
+            </a:r>
+            <a:endParaRPr lang="ko-KR" altLang="en-US" sz="1000"/>
+          </a:p>
+          <a:p>
+            <a:pPr>
+              <a:defRPr lang="ko-KR" altLang="en-US"/>
+            </a:pPr>
+            <a:r>
+              <a:rPr lang="ko-KR" altLang="en-US" sz="1000"/>
+              <a:t>            openFileDialog1.RestoreDirectory = true;</a:t>
+            </a:r>
+            <a:endParaRPr lang="ko-KR" altLang="en-US" sz="1000"/>
+          </a:p>
+          <a:p>
+            <a:pPr>
+              <a:defRPr lang="ko-KR" altLang="en-US"/>
+            </a:pPr>
+            <a:r>
+              <a:rPr lang="ko-KR" altLang="en-US" sz="1000"/>
+              <a:t>            openFileDialog1.ShowDialog();</a:t>
+            </a:r>
+            <a:endParaRPr lang="ko-KR" altLang="en-US" sz="1000"/>
+          </a:p>
+          <a:p>
+            <a:pPr>
+              <a:defRPr lang="ko-KR" altLang="en-US"/>
+            </a:pPr>
+            <a:r>
+              <a:rPr lang="ko-KR" altLang="en-US" sz="1000"/>
+              <a:t>            textBox1.Text = openFileDialog1.FileName;</a:t>
+            </a:r>
+            <a:endParaRPr lang="ko-KR" altLang="en-US" sz="1000"/>
+          </a:p>
+          <a:p>
+            <a:pPr>
+              <a:defRPr lang="ko-KR" altLang="en-US"/>
+            </a:pPr>
+            <a:endParaRPr lang="ko-KR" altLang="en-US" sz="1000"/>
+          </a:p>
+          <a:p>
+            <a:pPr>
+              <a:defRPr lang="ko-KR" altLang="en-US"/>
+            </a:pPr>
+            <a:r>
+              <a:rPr lang="ko-KR" altLang="en-US" sz="1000"/>
+              <a:t>        }</a:t>
+            </a:r>
+            <a:endParaRPr lang="ko-KR" altLang="en-US" sz="1000"/>
+          </a:p>
+          <a:p>
+            <a:pPr>
+              <a:defRPr lang="ko-KR" altLang="en-US"/>
+            </a:pPr>
+            <a:r>
+              <a:rPr lang="ko-KR" altLang="en-US" sz="1000"/>
+              <a:t>    }</a:t>
+            </a:r>
+            <a:endParaRPr lang="ko-KR" altLang="en-US" sz="1000"/>
+          </a:p>
+          <a:p>
+            <a:pPr>
+              <a:defRPr lang="ko-KR" altLang="en-US"/>
+            </a:pPr>
+            <a:r>
+              <a:rPr lang="ko-KR" altLang="en-US" sz="1000"/>
+              <a:t>}</a:t>
+            </a:r>
+            <a:endParaRPr lang="ko-KR" altLang="en-US" sz="1000"/>
+          </a:p>
+          <a:p>
+            <a:pPr>
+              <a:defRPr lang="ko-KR" altLang="en-US"/>
+            </a:pPr>
+            <a:endParaRPr lang="ko-KR" altLang="en-US" sz="1000"/>
+          </a:p>
+        </p:txBody>
+      </p:sp>
+    </p:spTree>
+  </p:cSld>
+  <p:clrMapOvr>
+    <a:masterClrMapping/>
+  </p:clrMapOvr>
+  <mc:AlternateContent xmlns:mc="http://schemas.openxmlformats.org/markup-compatibility/2006">
+    <mc:Choice xmlns:p14="http://schemas.microsoft.com/office/powerpoint/2010/main" Requires="p14">
+      <p:transition xmlns:mc="http://schemas.openxmlformats.org/markup-compatibility/2006" xmlns:p14="http://schemas.microsoft.com/office/powerpoint/2010/main" mc:Ignorable="p14" p14:dur="500"/>
+    </mc:Choice>
+    <mc:Fallback>
+      <p:transition/>
+    </mc:Fallback>
+  </mc:AlternateContent>
+</p:sld>
+</file>
+
+<file path=ppt/slides/slide17.xml><?xml version="1.0" encoding="utf-8"?>
+<p:sld xmlns:r="http://schemas.openxmlformats.org/officeDocument/2006/relationships" xmlns:c="http://schemas.openxmlformats.org/drawingml/2006/chart" xmlns:a="http://schemas.openxmlformats.org/drawingml/2006/main" xmlns:dgm="http://schemas.openxmlformats.org/drawingml/2006/diagram" xmlns:dsp="http://schemas.microsoft.com/office/drawing/2008/diagram" xmlns:p="http://schemas.openxmlformats.org/presentationml/2006/main">
+  <p:cSld>
+    <p:spTree>
+      <p:nvGrpSpPr>
+        <p:cNvPr id="1" name=""/>
+        <p:cNvGrpSpPr/>
+        <p:nvPr/>
+      </p:nvGrpSpPr>
+      <p:grpSpPr>
+        <a:xfrm>
+          <a:off x="0" y="0"/>
+          <a:ext cx="0" cy="0"/>
+          <a:chOff x="0" y="0"/>
+          <a:chExt cx="0" cy="0"/>
+        </a:xfrm>
+      </p:grpSpPr>
+      <p:pic>
+        <p:nvPicPr>
+          <p:cNvPr id="2" name=""/>
+          <p:cNvPicPr>
+            <a:picLocks noChangeAspect="1"/>
+          </p:cNvPicPr>
+          <p:nvPr/>
+        </p:nvPicPr>
+        <p:blipFill rotWithShape="1">
+          <a:blip r:embed="rId2"/>
+          <a:stretch>
+            <a:fillRect/>
+          </a:stretch>
+        </p:blipFill>
+        <p:spPr>
+          <a:xfrm>
+            <a:off x="517226" y="324042"/>
+            <a:ext cx="4204297" cy="2960746"/>
+          </a:xfrm>
+          <a:prstGeom prst="rect">
+            <a:avLst/>
+          </a:prstGeom>
+        </p:spPr>
+      </p:pic>
+      <p:sp>
+        <p:nvSpPr>
+          <p:cNvPr id="3" name=""/>
+          <p:cNvSpPr txBox="1"/>
+          <p:nvPr/>
+        </p:nvSpPr>
+        <p:spPr>
+          <a:xfrm>
+            <a:off x="5681229" y="365067"/>
+            <a:ext cx="4760768" cy="5135880"/>
+          </a:xfrm>
+          <a:prstGeom prst="rect">
+            <a:avLst/>
+          </a:prstGeom>
+        </p:spPr>
+        <p:txBody>
+          <a:bodyPr wrap="square">
+            <a:spAutoFit/>
+          </a:bodyPr>
+          <a:p>
+            <a:pPr>
+              <a:defRPr lang="ko-KR" altLang="en-US"/>
+            </a:pPr>
+            <a:r>
+              <a:rPr lang="ko-KR" altLang="en-US" sz="1000"/>
+              <a:t>using System;</a:t>
+            </a:r>
+            <a:endParaRPr lang="ko-KR" altLang="en-US" sz="1000"/>
+          </a:p>
+          <a:p>
+            <a:pPr>
+              <a:defRPr lang="ko-KR" altLang="en-US"/>
+            </a:pPr>
+            <a:r>
+              <a:rPr lang="ko-KR" altLang="en-US" sz="1000"/>
+              <a:t>using System.Windows.Forms;</a:t>
+            </a:r>
+            <a:endParaRPr lang="ko-KR" altLang="en-US" sz="1000"/>
+          </a:p>
+          <a:p>
+            <a:pPr>
+              <a:defRPr lang="ko-KR" altLang="en-US"/>
+            </a:pPr>
+            <a:endParaRPr lang="ko-KR" altLang="en-US" sz="1000"/>
+          </a:p>
+          <a:p>
+            <a:pPr>
+              <a:defRPr lang="ko-KR" altLang="en-US"/>
+            </a:pPr>
+            <a:endParaRPr lang="ko-KR" altLang="en-US" sz="1000"/>
+          </a:p>
+          <a:p>
+            <a:pPr>
+              <a:defRPr lang="ko-KR" altLang="en-US"/>
+            </a:pPr>
+            <a:r>
+              <a:rPr lang="ko-KR" altLang="en-US" sz="1000"/>
+              <a:t>namespace HelloForm</a:t>
+            </a:r>
+            <a:endParaRPr lang="ko-KR" altLang="en-US" sz="1000"/>
+          </a:p>
+          <a:p>
+            <a:pPr>
+              <a:defRPr lang="ko-KR" altLang="en-US"/>
+            </a:pPr>
+            <a:r>
+              <a:rPr lang="ko-KR" altLang="en-US" sz="1000"/>
+              <a:t>{</a:t>
+            </a:r>
+            <a:endParaRPr lang="ko-KR" altLang="en-US" sz="1000"/>
+          </a:p>
+          <a:p>
+            <a:pPr>
+              <a:defRPr lang="ko-KR" altLang="en-US"/>
+            </a:pPr>
+            <a:r>
+              <a:rPr lang="ko-KR" altLang="en-US" sz="1000"/>
+              <a:t>    public partial class Form1 : Form</a:t>
+            </a:r>
+            <a:endParaRPr lang="ko-KR" altLang="en-US" sz="1000"/>
+          </a:p>
+          <a:p>
+            <a:pPr>
+              <a:defRPr lang="ko-KR" altLang="en-US"/>
+            </a:pPr>
+            <a:r>
+              <a:rPr lang="ko-KR" altLang="en-US" sz="1000"/>
+              <a:t>    {</a:t>
+            </a:r>
+            <a:endParaRPr lang="ko-KR" altLang="en-US" sz="1000"/>
+          </a:p>
+          <a:p>
+            <a:pPr>
+              <a:defRPr lang="ko-KR" altLang="en-US"/>
+            </a:pPr>
+            <a:r>
+              <a:rPr lang="ko-KR" altLang="en-US" sz="1000"/>
+              <a:t>        public Form1()</a:t>
+            </a:r>
+            <a:endParaRPr lang="ko-KR" altLang="en-US" sz="1000"/>
+          </a:p>
+          <a:p>
+            <a:pPr>
+              <a:defRPr lang="ko-KR" altLang="en-US"/>
+            </a:pPr>
+            <a:r>
+              <a:rPr lang="ko-KR" altLang="en-US" sz="1000"/>
+              <a:t>        {</a:t>
+            </a:r>
+            <a:endParaRPr lang="ko-KR" altLang="en-US" sz="1000"/>
+          </a:p>
+          <a:p>
+            <a:pPr>
+              <a:defRPr lang="ko-KR" altLang="en-US"/>
+            </a:pPr>
+            <a:r>
+              <a:rPr lang="ko-KR" altLang="en-US" sz="1000"/>
+              <a:t>            InitializeComponent();</a:t>
+            </a:r>
+            <a:endParaRPr lang="ko-KR" altLang="en-US" sz="1000"/>
+          </a:p>
+          <a:p>
+            <a:pPr>
+              <a:defRPr lang="ko-KR" altLang="en-US"/>
+            </a:pPr>
+            <a:endParaRPr lang="ko-KR" altLang="en-US" sz="1000"/>
+          </a:p>
+          <a:p>
+            <a:pPr>
+              <a:defRPr lang="ko-KR" altLang="en-US"/>
+            </a:pPr>
+            <a:r>
+              <a:rPr lang="ko-KR" altLang="en-US" sz="1000"/>
+              <a:t>        }</a:t>
+            </a:r>
+            <a:endParaRPr lang="ko-KR" altLang="en-US" sz="1000"/>
+          </a:p>
+          <a:p>
+            <a:pPr>
+              <a:defRPr lang="ko-KR" altLang="en-US"/>
+            </a:pPr>
+            <a:endParaRPr lang="ko-KR" altLang="en-US" sz="1000"/>
+          </a:p>
+          <a:p>
+            <a:pPr>
+              <a:defRPr lang="ko-KR" altLang="en-US"/>
+            </a:pPr>
+            <a:r>
+              <a:rPr lang="ko-KR" altLang="en-US" sz="1000"/>
+              <a:t>        private void button1_Click(object sender, EventArgs e)</a:t>
+            </a:r>
+            <a:endParaRPr lang="ko-KR" altLang="en-US" sz="1000"/>
+          </a:p>
+          <a:p>
+            <a:pPr>
+              <a:defRPr lang="ko-KR" altLang="en-US"/>
+            </a:pPr>
+            <a:r>
+              <a:rPr lang="ko-KR" altLang="en-US" sz="1000"/>
+              <a:t>        {</a:t>
+            </a:r>
+            <a:endParaRPr lang="ko-KR" altLang="en-US" sz="1000"/>
+          </a:p>
+          <a:p>
+            <a:pPr>
+              <a:defRPr lang="ko-KR" altLang="en-US"/>
+            </a:pPr>
+            <a:r>
+              <a:rPr lang="ko-KR" altLang="en-US" sz="1000"/>
+              <a:t>            openFileDialog1.InitialDirectory = @"C:\";</a:t>
+            </a:r>
+            <a:endParaRPr lang="ko-KR" altLang="en-US" sz="1000"/>
+          </a:p>
+          <a:p>
+            <a:pPr>
+              <a:defRPr lang="ko-KR" altLang="en-US"/>
+            </a:pPr>
+            <a:r>
+              <a:rPr lang="ko-KR" altLang="en-US" sz="1000"/>
+              <a:t>            openFileDialog1.Filter</a:t>
+            </a:r>
+            <a:endParaRPr lang="ko-KR" altLang="en-US" sz="1000"/>
+          </a:p>
+          <a:p>
+            <a:pPr>
+              <a:defRPr lang="ko-KR" altLang="en-US"/>
+            </a:pPr>
+            <a:r>
+              <a:rPr lang="ko-KR" altLang="en-US" sz="1000"/>
+              <a:t>            = "텍스트 파일(*.txt)|*.txt|모든 파일(*.*)|*.*";</a:t>
+            </a:r>
+            <a:endParaRPr lang="ko-KR" altLang="en-US" sz="1000"/>
+          </a:p>
+          <a:p>
+            <a:pPr>
+              <a:defRPr lang="ko-KR" altLang="en-US"/>
+            </a:pPr>
+            <a:r>
+              <a:rPr lang="ko-KR" altLang="en-US" sz="1000"/>
+              <a:t>            openFileDialog1.FilterIndex = 1;</a:t>
+            </a:r>
+            <a:endParaRPr lang="ko-KR" altLang="en-US" sz="1000"/>
+          </a:p>
+          <a:p>
+            <a:pPr>
+              <a:defRPr lang="ko-KR" altLang="en-US"/>
+            </a:pPr>
+            <a:r>
+              <a:rPr lang="ko-KR" altLang="en-US" sz="1000"/>
+              <a:t>            openFileDialog1.RestoreDirectory = true;</a:t>
+            </a:r>
+            <a:endParaRPr lang="ko-KR" altLang="en-US" sz="1000"/>
+          </a:p>
+          <a:p>
+            <a:pPr>
+              <a:defRPr lang="ko-KR" altLang="en-US"/>
+            </a:pPr>
+            <a:r>
+              <a:rPr lang="ko-KR" altLang="en-US" sz="1000"/>
+              <a:t>            openFileDialog1.Multiselect = true;</a:t>
+            </a:r>
+            <a:endParaRPr lang="ko-KR" altLang="en-US" sz="1000"/>
+          </a:p>
+          <a:p>
+            <a:pPr>
+              <a:defRPr lang="ko-KR" altLang="en-US"/>
+            </a:pPr>
+            <a:r>
+              <a:rPr lang="ko-KR" altLang="en-US" sz="1000"/>
+              <a:t>            openFileDialog1.ShowDialog();</a:t>
+            </a:r>
+            <a:endParaRPr lang="ko-KR" altLang="en-US" sz="1000"/>
+          </a:p>
+          <a:p>
+            <a:pPr>
+              <a:defRPr lang="ko-KR" altLang="en-US"/>
+            </a:pPr>
+            <a:r>
+              <a:rPr lang="ko-KR" altLang="en-US" sz="1000"/>
+              <a:t>            foreach (string strTmp in openFileDialog1.FileNames)</a:t>
+            </a:r>
+            <a:endParaRPr lang="ko-KR" altLang="en-US" sz="1000"/>
+          </a:p>
+          <a:p>
+            <a:pPr>
+              <a:defRPr lang="ko-KR" altLang="en-US"/>
+            </a:pPr>
+            <a:r>
+              <a:rPr lang="ko-KR" altLang="en-US" sz="1000"/>
+              <a:t>            {</a:t>
+            </a:r>
+            <a:endParaRPr lang="ko-KR" altLang="en-US" sz="1000"/>
+          </a:p>
+          <a:p>
+            <a:pPr>
+              <a:defRPr lang="ko-KR" altLang="en-US"/>
+            </a:pPr>
+            <a:r>
+              <a:rPr lang="ko-KR" altLang="en-US" sz="1000"/>
+              <a:t>                textBox1.Text += strTmp;</a:t>
+            </a:r>
+            <a:endParaRPr lang="ko-KR" altLang="en-US" sz="1000"/>
+          </a:p>
+          <a:p>
+            <a:pPr>
+              <a:defRPr lang="ko-KR" altLang="en-US"/>
+            </a:pPr>
+            <a:r>
+              <a:rPr lang="ko-KR" altLang="en-US" sz="1000"/>
+              <a:t>                textBox1.Text += "\r\n";</a:t>
+            </a:r>
+            <a:endParaRPr lang="ko-KR" altLang="en-US" sz="1000"/>
+          </a:p>
+          <a:p>
+            <a:pPr>
+              <a:defRPr lang="ko-KR" altLang="en-US"/>
+            </a:pPr>
+            <a:r>
+              <a:rPr lang="ko-KR" altLang="en-US" sz="1000"/>
+              <a:t>            }</a:t>
+            </a:r>
+            <a:endParaRPr lang="ko-KR" altLang="en-US" sz="1000"/>
+          </a:p>
+          <a:p>
+            <a:pPr>
+              <a:defRPr lang="ko-KR" altLang="en-US"/>
+            </a:pPr>
+            <a:endParaRPr lang="ko-KR" altLang="en-US" sz="1000"/>
+          </a:p>
+          <a:p>
+            <a:pPr>
+              <a:defRPr lang="ko-KR" altLang="en-US"/>
+            </a:pPr>
+            <a:r>
+              <a:rPr lang="ko-KR" altLang="en-US" sz="1000"/>
+              <a:t>        }</a:t>
+            </a:r>
+            <a:endParaRPr lang="ko-KR" altLang="en-US" sz="1000"/>
+          </a:p>
+          <a:p>
+            <a:pPr>
+              <a:defRPr lang="ko-KR" altLang="en-US"/>
+            </a:pPr>
+            <a:r>
+              <a:rPr lang="ko-KR" altLang="en-US" sz="1000"/>
+              <a:t>    }</a:t>
+            </a:r>
+            <a:endParaRPr lang="ko-KR" altLang="en-US" sz="1000"/>
+          </a:p>
+          <a:p>
+            <a:pPr>
+              <a:defRPr lang="ko-KR" altLang="en-US"/>
+            </a:pPr>
+            <a:r>
+              <a:rPr lang="ko-KR" altLang="en-US" sz="1000"/>
+              <a:t>}</a:t>
+            </a:r>
+            <a:endParaRPr lang="ko-KR" altLang="en-US" sz="1000"/>
+          </a:p>
+          <a:p>
+            <a:pPr>
+              <a:defRPr lang="ko-KR" altLang="en-US"/>
+            </a:pPr>
+            <a:endParaRPr lang="ko-KR" altLang="en-US" sz="1000"/>
+          </a:p>
+        </p:txBody>
+      </p:sp>
+    </p:spTree>
+  </p:cSld>
+  <p:clrMapOvr>
+    <a:masterClrMapping/>
+  </p:clrMapOvr>
+  <mc:AlternateContent xmlns:mc="http://schemas.openxmlformats.org/markup-compatibility/2006">
+    <mc:Choice xmlns:p14="http://schemas.microsoft.com/office/powerpoint/2010/main" Requires="p14">
+      <p:transition xmlns:mc="http://schemas.openxmlformats.org/markup-compatibility/2006" xmlns:p14="http://schemas.microsoft.com/office/powerpoint/2010/main" mc:Ignorable="p14" p14:dur="500"/>
+    </mc:Choice>
+    <mc:Fallback>
+      <p:transition/>
+    </mc:Fallback>
+  </mc:AlternateContent>
+</p:sld>
+</file>
+
+<file path=ppt/slides/slide18.xml><?xml version="1.0" encoding="utf-8"?>
+<p:sld xmlns:r="http://schemas.openxmlformats.org/officeDocument/2006/relationships" xmlns:c="http://schemas.openxmlformats.org/drawingml/2006/chart" xmlns:a="http://schemas.openxmlformats.org/drawingml/2006/main" xmlns:dgm="http://schemas.openxmlformats.org/drawingml/2006/diagram" xmlns:dsp="http://schemas.microsoft.com/office/drawing/2008/diagram" xmlns:p="http://schemas.openxmlformats.org/presentationml/2006/main">
+  <p:cSld>
+    <p:spTree>
+      <p:nvGrpSpPr>
+        <p:cNvPr id="1" name=""/>
+        <p:cNvGrpSpPr/>
+        <p:nvPr/>
+      </p:nvGrpSpPr>
+      <p:grpSpPr>
+        <a:xfrm>
+          <a:off x="0" y="0"/>
+          <a:ext cx="0" cy="0"/>
+          <a:chOff x="0" y="0"/>
+          <a:chExt cx="0" cy="0"/>
+        </a:xfrm>
+      </p:grpSpPr>
+      <p:pic>
+        <p:nvPicPr>
+          <p:cNvPr id="2" name=""/>
+          <p:cNvPicPr>
+            <a:picLocks noChangeAspect="1"/>
+          </p:cNvPicPr>
+          <p:nvPr/>
+        </p:nvPicPr>
+        <p:blipFill rotWithShape="1">
+          <a:blip r:embed="rId2"/>
+          <a:stretch>
+            <a:fillRect/>
+          </a:stretch>
+        </p:blipFill>
+        <p:spPr>
+          <a:xfrm>
+            <a:off x="508381" y="328686"/>
+            <a:ext cx="4732874" cy="2810458"/>
+          </a:xfrm>
+          <a:prstGeom prst="rect">
+            <a:avLst/>
+          </a:prstGeom>
+        </p:spPr>
+      </p:pic>
+      <p:sp>
+        <p:nvSpPr>
+          <p:cNvPr id="3" name=""/>
+          <p:cNvSpPr txBox="1"/>
+          <p:nvPr/>
+        </p:nvSpPr>
+        <p:spPr>
+          <a:xfrm>
+            <a:off x="5877356" y="504478"/>
+            <a:ext cx="4212650" cy="4046567"/>
+          </a:xfrm>
+          <a:prstGeom prst="rect">
+            <a:avLst/>
+          </a:prstGeom>
+        </p:spPr>
+        <p:txBody>
+          <a:bodyPr wrap="square">
+            <a:spAutoFit/>
+          </a:bodyPr>
+          <a:p>
+            <a:pPr>
+              <a:defRPr lang="ko-KR" altLang="en-US"/>
+            </a:pPr>
+            <a:r>
+              <a:rPr lang="ko-KR" altLang="en-US" sz="1000"/>
+              <a:t>using System;</a:t>
+            </a:r>
+            <a:endParaRPr lang="ko-KR" altLang="en-US" sz="1000"/>
+          </a:p>
+          <a:p>
+            <a:pPr>
+              <a:defRPr lang="ko-KR" altLang="en-US"/>
+            </a:pPr>
+            <a:r>
+              <a:rPr lang="ko-KR" altLang="en-US" sz="1000"/>
+              <a:t>using System.Windows.Forms;</a:t>
+            </a:r>
+            <a:endParaRPr lang="ko-KR" altLang="en-US" sz="1000"/>
+          </a:p>
+          <a:p>
+            <a:pPr>
+              <a:defRPr lang="ko-KR" altLang="en-US"/>
+            </a:pPr>
+            <a:endParaRPr lang="ko-KR" altLang="en-US" sz="1000"/>
+          </a:p>
+          <a:p>
+            <a:pPr>
+              <a:defRPr lang="ko-KR" altLang="en-US"/>
+            </a:pPr>
+            <a:endParaRPr lang="ko-KR" altLang="en-US" sz="1000"/>
+          </a:p>
+          <a:p>
+            <a:pPr>
+              <a:defRPr lang="ko-KR" altLang="en-US"/>
+            </a:pPr>
+            <a:r>
+              <a:rPr lang="ko-KR" altLang="en-US" sz="1000"/>
+              <a:t>namespace HelloForm</a:t>
+            </a:r>
+            <a:endParaRPr lang="ko-KR" altLang="en-US" sz="1000"/>
+          </a:p>
+          <a:p>
+            <a:pPr>
+              <a:defRPr lang="ko-KR" altLang="en-US"/>
+            </a:pPr>
+            <a:r>
+              <a:rPr lang="ko-KR" altLang="en-US" sz="1000"/>
+              <a:t>{</a:t>
+            </a:r>
+            <a:endParaRPr lang="ko-KR" altLang="en-US" sz="1000"/>
+          </a:p>
+          <a:p>
+            <a:pPr>
+              <a:defRPr lang="ko-KR" altLang="en-US"/>
+            </a:pPr>
+            <a:r>
+              <a:rPr lang="ko-KR" altLang="en-US" sz="1000"/>
+              <a:t>    public partial class Form1 : Form</a:t>
+            </a:r>
+            <a:endParaRPr lang="ko-KR" altLang="en-US" sz="1000"/>
+          </a:p>
+          <a:p>
+            <a:pPr>
+              <a:defRPr lang="ko-KR" altLang="en-US"/>
+            </a:pPr>
+            <a:r>
+              <a:rPr lang="ko-KR" altLang="en-US" sz="1000"/>
+              <a:t>    {</a:t>
+            </a:r>
+            <a:endParaRPr lang="ko-KR" altLang="en-US" sz="1000"/>
+          </a:p>
+          <a:p>
+            <a:pPr>
+              <a:defRPr lang="ko-KR" altLang="en-US"/>
+            </a:pPr>
+            <a:r>
+              <a:rPr lang="ko-KR" altLang="en-US" sz="1000"/>
+              <a:t>        public Form1()</a:t>
+            </a:r>
+            <a:endParaRPr lang="ko-KR" altLang="en-US" sz="1000"/>
+          </a:p>
+          <a:p>
+            <a:pPr>
+              <a:defRPr lang="ko-KR" altLang="en-US"/>
+            </a:pPr>
+            <a:r>
+              <a:rPr lang="ko-KR" altLang="en-US" sz="1000"/>
+              <a:t>        {</a:t>
+            </a:r>
+            <a:endParaRPr lang="ko-KR" altLang="en-US" sz="1000"/>
+          </a:p>
+          <a:p>
+            <a:pPr>
+              <a:defRPr lang="ko-KR" altLang="en-US"/>
+            </a:pPr>
+            <a:r>
+              <a:rPr lang="ko-KR" altLang="en-US" sz="1000"/>
+              <a:t>            InitializeComponent();</a:t>
+            </a:r>
+            <a:endParaRPr lang="ko-KR" altLang="en-US" sz="1000"/>
+          </a:p>
+          <a:p>
+            <a:pPr>
+              <a:defRPr lang="ko-KR" altLang="en-US"/>
+            </a:pPr>
+            <a:endParaRPr lang="ko-KR" altLang="en-US" sz="1000"/>
+          </a:p>
+          <a:p>
+            <a:pPr>
+              <a:defRPr lang="ko-KR" altLang="en-US"/>
+            </a:pPr>
+            <a:r>
+              <a:rPr lang="ko-KR" altLang="en-US" sz="1000"/>
+              <a:t>        }</a:t>
+            </a:r>
+            <a:endParaRPr lang="ko-KR" altLang="en-US" sz="1000"/>
+          </a:p>
+          <a:p>
+            <a:pPr>
+              <a:defRPr lang="ko-KR" altLang="en-US"/>
+            </a:pPr>
+            <a:endParaRPr lang="ko-KR" altLang="en-US" sz="1000"/>
+          </a:p>
+          <a:p>
+            <a:pPr>
+              <a:defRPr lang="ko-KR" altLang="en-US"/>
+            </a:pPr>
+            <a:r>
+              <a:rPr lang="ko-KR" altLang="en-US" sz="1000"/>
+              <a:t>        private void button1_Click(object sender, EventArgs e)</a:t>
+            </a:r>
+            <a:endParaRPr lang="ko-KR" altLang="en-US" sz="1000"/>
+          </a:p>
+          <a:p>
+            <a:pPr>
+              <a:defRPr lang="ko-KR" altLang="en-US"/>
+            </a:pPr>
+            <a:r>
+              <a:rPr lang="ko-KR" altLang="en-US" sz="1000"/>
+              <a:t>        {</a:t>
+            </a:r>
+            <a:endParaRPr lang="ko-KR" altLang="en-US" sz="1000"/>
+          </a:p>
+          <a:p>
+            <a:pPr>
+              <a:defRPr lang="ko-KR" altLang="en-US"/>
+            </a:pPr>
+            <a:r>
+              <a:rPr lang="ko-KR" altLang="en-US" sz="1000"/>
+              <a:t>            fontDialog1.ShowDialog();</a:t>
+            </a:r>
+            <a:endParaRPr lang="ko-KR" altLang="en-US" sz="1000"/>
+          </a:p>
+          <a:p>
+            <a:pPr>
+              <a:defRPr lang="ko-KR" altLang="en-US"/>
+            </a:pPr>
+            <a:r>
+              <a:rPr lang="ko-KR" altLang="en-US" sz="1000"/>
+              <a:t>            textBox1.Font = fontDialog1.Font;</a:t>
+            </a:r>
+            <a:endParaRPr lang="ko-KR" altLang="en-US" sz="1000"/>
+          </a:p>
+          <a:p>
+            <a:pPr>
+              <a:defRPr lang="ko-KR" altLang="en-US"/>
+            </a:pPr>
+            <a:r>
+              <a:rPr lang="ko-KR" altLang="en-US" sz="1000"/>
+              <a:t>            textBox1.ForeColor = fontDialog1.Color;</a:t>
+            </a:r>
+            <a:endParaRPr lang="ko-KR" altLang="en-US" sz="1000"/>
+          </a:p>
+          <a:p>
+            <a:pPr>
+              <a:defRPr lang="ko-KR" altLang="en-US"/>
+            </a:pPr>
+            <a:endParaRPr lang="ko-KR" altLang="en-US" sz="1000"/>
+          </a:p>
+          <a:p>
+            <a:pPr>
+              <a:defRPr lang="ko-KR" altLang="en-US"/>
+            </a:pPr>
+            <a:r>
+              <a:rPr lang="ko-KR" altLang="en-US" sz="1000"/>
+              <a:t>        }</a:t>
+            </a:r>
+            <a:endParaRPr lang="ko-KR" altLang="en-US" sz="1000"/>
+          </a:p>
+          <a:p>
+            <a:pPr>
+              <a:defRPr lang="ko-KR" altLang="en-US"/>
+            </a:pPr>
+            <a:endParaRPr lang="ko-KR" altLang="en-US" sz="1000"/>
+          </a:p>
+          <a:p>
+            <a:pPr>
+              <a:defRPr lang="ko-KR" altLang="en-US"/>
+            </a:pPr>
+            <a:r>
+              <a:rPr lang="ko-KR" altLang="en-US" sz="1000"/>
+              <a:t>        </a:t>
+            </a:r>
+            <a:endParaRPr lang="ko-KR" altLang="en-US" sz="1000"/>
+          </a:p>
+          <a:p>
+            <a:pPr>
+              <a:defRPr lang="ko-KR" altLang="en-US"/>
+            </a:pPr>
+            <a:r>
+              <a:rPr lang="ko-KR" altLang="en-US" sz="1000"/>
+              <a:t>    }</a:t>
+            </a:r>
+            <a:endParaRPr lang="ko-KR" altLang="en-US" sz="1000"/>
+          </a:p>
+          <a:p>
+            <a:pPr>
+              <a:defRPr lang="ko-KR" altLang="en-US"/>
+            </a:pPr>
+            <a:r>
+              <a:rPr lang="ko-KR" altLang="en-US" sz="1000"/>
+              <a:t>}</a:t>
+            </a:r>
+            <a:endParaRPr lang="ko-KR" altLang="en-US" sz="1000"/>
+          </a:p>
+          <a:p>
+            <a:pPr>
+              <a:defRPr lang="ko-KR" altLang="en-US"/>
+            </a:pPr>
+            <a:endParaRPr lang="ko-KR" altLang="en-US" sz="1000"/>
+          </a:p>
+        </p:txBody>
+      </p:sp>
+    </p:spTree>
+  </p:cSld>
+  <p:clrMapOvr>
+    <a:masterClrMapping/>
+  </p:clrMapOvr>
+  <mc:AlternateContent xmlns:mc="http://schemas.openxmlformats.org/markup-compatibility/2006">
+    <mc:Choice xmlns:p14="http://schemas.microsoft.com/office/powerpoint/2010/main" Requires="p14">
+      <p:transition xmlns:mc="http://schemas.openxmlformats.org/markup-compatibility/2006" xmlns:p14="http://schemas.microsoft.com/office/powerpoint/2010/main" mc:Ignorable="p14" p14:dur="500"/>
+    </mc:Choice>
+    <mc:Fallback>
+      <p:transition/>
+    </mc:Fallback>
+  </mc:AlternateContent>
+</p:sld>
+</file>
+
+<file path=ppt/slides/slide19.xml><?xml version="1.0" encoding="utf-8"?>
+<p:sld xmlns:r="http://schemas.openxmlformats.org/officeDocument/2006/relationships" xmlns:c="http://schemas.openxmlformats.org/drawingml/2006/chart" xmlns:a="http://schemas.openxmlformats.org/drawingml/2006/main" xmlns:dgm="http://schemas.openxmlformats.org/drawingml/2006/diagram" xmlns:dsp="http://schemas.microsoft.com/office/drawing/2008/diagram" xmlns:p="http://schemas.openxmlformats.org/presentationml/2006/main">
+  <p:cSld>
+    <p:spTree>
+      <p:nvGrpSpPr>
+        <p:cNvPr id="1" name=""/>
+        <p:cNvGrpSpPr/>
+        <p:nvPr/>
+      </p:nvGrpSpPr>
+      <p:grpSpPr>
+        <a:xfrm>
+          <a:off x="0" y="0"/>
+          <a:ext cx="0" cy="0"/>
+          <a:chOff x="0" y="0"/>
+          <a:chExt cx="0" cy="0"/>
+        </a:xfrm>
+      </p:grpSpPr>
+      <p:pic>
+        <p:nvPicPr>
+          <p:cNvPr id="2" name=""/>
+          <p:cNvPicPr>
+            <a:picLocks noChangeAspect="1"/>
+          </p:cNvPicPr>
+          <p:nvPr/>
+        </p:nvPicPr>
+        <p:blipFill rotWithShape="1">
+          <a:blip r:embed="rId2"/>
+          <a:stretch>
+            <a:fillRect/>
+          </a:stretch>
+        </p:blipFill>
+        <p:spPr>
+          <a:xfrm>
+            <a:off x="378333" y="462561"/>
+            <a:ext cx="3321766" cy="2621525"/>
+          </a:xfrm>
+          <a:prstGeom prst="rect">
+            <a:avLst/>
+          </a:prstGeom>
+        </p:spPr>
+      </p:pic>
+      <p:sp>
+        <p:nvSpPr>
+          <p:cNvPr id="3" name=""/>
+          <p:cNvSpPr txBox="1"/>
+          <p:nvPr/>
+        </p:nvSpPr>
+        <p:spPr>
+          <a:xfrm>
+            <a:off x="4794971" y="312679"/>
+            <a:ext cx="4680241" cy="4816792"/>
+          </a:xfrm>
+          <a:prstGeom prst="rect">
+            <a:avLst/>
+          </a:prstGeom>
+        </p:spPr>
+        <p:txBody>
+          <a:bodyPr wrap="square">
+            <a:spAutoFit/>
+          </a:bodyPr>
+          <a:p>
+            <a:pPr>
+              <a:defRPr lang="ko-KR" altLang="en-US"/>
+            </a:pPr>
+            <a:r>
+              <a:rPr lang="ko-KR" altLang="en-US" sz="1000"/>
+              <a:t>using System;</a:t>
+            </a:r>
+            <a:endParaRPr lang="ko-KR" altLang="en-US" sz="1000"/>
+          </a:p>
+          <a:p>
+            <a:pPr>
+              <a:defRPr lang="ko-KR" altLang="en-US"/>
+            </a:pPr>
+            <a:r>
+              <a:rPr lang="ko-KR" altLang="en-US" sz="1000"/>
+              <a:t>using System.Windows.Forms;</a:t>
+            </a:r>
+            <a:endParaRPr lang="ko-KR" altLang="en-US" sz="1000"/>
+          </a:p>
+          <a:p>
+            <a:pPr>
+              <a:defRPr lang="ko-KR" altLang="en-US"/>
+            </a:pPr>
+            <a:endParaRPr lang="ko-KR" altLang="en-US" sz="1000"/>
+          </a:p>
+          <a:p>
+            <a:pPr>
+              <a:defRPr lang="ko-KR" altLang="en-US"/>
+            </a:pPr>
+            <a:endParaRPr lang="ko-KR" altLang="en-US" sz="1000"/>
+          </a:p>
+          <a:p>
+            <a:pPr>
+              <a:defRPr lang="ko-KR" altLang="en-US"/>
+            </a:pPr>
+            <a:r>
+              <a:rPr lang="ko-KR" altLang="en-US" sz="1000"/>
+              <a:t>namespace HelloForm</a:t>
+            </a:r>
+            <a:endParaRPr lang="ko-KR" altLang="en-US" sz="1000"/>
+          </a:p>
+          <a:p>
+            <a:pPr>
+              <a:defRPr lang="ko-KR" altLang="en-US"/>
+            </a:pPr>
+            <a:r>
+              <a:rPr lang="ko-KR" altLang="en-US" sz="1000"/>
+              <a:t>{</a:t>
+            </a:r>
+            <a:endParaRPr lang="ko-KR" altLang="en-US" sz="1000"/>
+          </a:p>
+          <a:p>
+            <a:pPr>
+              <a:defRPr lang="ko-KR" altLang="en-US"/>
+            </a:pPr>
+            <a:r>
+              <a:rPr lang="ko-KR" altLang="en-US" sz="1000"/>
+              <a:t>    public partial class Form1 : Form</a:t>
+            </a:r>
+            <a:endParaRPr lang="ko-KR" altLang="en-US" sz="1000"/>
+          </a:p>
+          <a:p>
+            <a:pPr>
+              <a:defRPr lang="ko-KR" altLang="en-US"/>
+            </a:pPr>
+            <a:r>
+              <a:rPr lang="ko-KR" altLang="en-US" sz="1000"/>
+              <a:t>    {</a:t>
+            </a:r>
+            <a:endParaRPr lang="ko-KR" altLang="en-US" sz="1000"/>
+          </a:p>
+          <a:p>
+            <a:pPr>
+              <a:defRPr lang="ko-KR" altLang="en-US"/>
+            </a:pPr>
+            <a:r>
+              <a:rPr lang="ko-KR" altLang="en-US" sz="1000"/>
+              <a:t>        public Form1()</a:t>
+            </a:r>
+            <a:endParaRPr lang="ko-KR" altLang="en-US" sz="1000"/>
+          </a:p>
+          <a:p>
+            <a:pPr>
+              <a:defRPr lang="ko-KR" altLang="en-US"/>
+            </a:pPr>
+            <a:r>
+              <a:rPr lang="ko-KR" altLang="en-US" sz="1000"/>
+              <a:t>        {</a:t>
+            </a:r>
+            <a:endParaRPr lang="ko-KR" altLang="en-US" sz="1000"/>
+          </a:p>
+          <a:p>
+            <a:pPr>
+              <a:defRPr lang="ko-KR" altLang="en-US"/>
+            </a:pPr>
+            <a:r>
+              <a:rPr lang="ko-KR" altLang="en-US" sz="1000"/>
+              <a:t>            InitializeComponent();</a:t>
+            </a:r>
+            <a:endParaRPr lang="ko-KR" altLang="en-US" sz="1000"/>
+          </a:p>
+          <a:p>
+            <a:pPr>
+              <a:defRPr lang="ko-KR" altLang="en-US"/>
+            </a:pPr>
+            <a:endParaRPr lang="ko-KR" altLang="en-US" sz="1000"/>
+          </a:p>
+          <a:p>
+            <a:pPr>
+              <a:defRPr lang="ko-KR" altLang="en-US"/>
+            </a:pPr>
+            <a:r>
+              <a:rPr lang="ko-KR" altLang="en-US" sz="1000"/>
+              <a:t>        }</a:t>
+            </a:r>
+            <a:endParaRPr lang="ko-KR" altLang="en-US" sz="1000"/>
+          </a:p>
+          <a:p>
+            <a:pPr>
+              <a:defRPr lang="ko-KR" altLang="en-US"/>
+            </a:pPr>
+            <a:endParaRPr lang="ko-KR" altLang="en-US" sz="1000"/>
+          </a:p>
+          <a:p>
+            <a:pPr>
+              <a:defRPr lang="ko-KR" altLang="en-US"/>
+            </a:pPr>
+            <a:r>
+              <a:rPr lang="ko-KR" altLang="en-US" sz="1000"/>
+              <a:t>        private void button1_Click(object sender, EventArgs e)</a:t>
+            </a:r>
+            <a:endParaRPr lang="ko-KR" altLang="en-US" sz="1000"/>
+          </a:p>
+          <a:p>
+            <a:pPr>
+              <a:defRPr lang="ko-KR" altLang="en-US"/>
+            </a:pPr>
+            <a:r>
+              <a:rPr lang="ko-KR" altLang="en-US" sz="1000"/>
+              <a:t>        {</a:t>
+            </a:r>
+            <a:endParaRPr lang="ko-KR" altLang="en-US" sz="1000"/>
+          </a:p>
+          <a:p>
+            <a:pPr>
+              <a:defRPr lang="ko-KR" altLang="en-US"/>
+            </a:pPr>
+            <a:r>
+              <a:rPr lang="ko-KR" altLang="en-US" sz="1000"/>
+              <a:t>            colorDialog1.ShowDialog();</a:t>
+            </a:r>
+            <a:endParaRPr lang="ko-KR" altLang="en-US" sz="1000"/>
+          </a:p>
+          <a:p>
+            <a:pPr>
+              <a:defRPr lang="ko-KR" altLang="en-US"/>
+            </a:pPr>
+            <a:r>
+              <a:rPr lang="ko-KR" altLang="en-US" sz="1000"/>
+              <a:t>            this.BackColor = colorDialog1.Color;</a:t>
+            </a:r>
+            <a:endParaRPr lang="ko-KR" altLang="en-US" sz="1000"/>
+          </a:p>
+          <a:p>
+            <a:pPr>
+              <a:defRPr lang="ko-KR" altLang="en-US"/>
+            </a:pPr>
+            <a:endParaRPr lang="ko-KR" altLang="en-US" sz="1000"/>
+          </a:p>
+          <a:p>
+            <a:pPr>
+              <a:defRPr lang="ko-KR" altLang="en-US"/>
+            </a:pPr>
+            <a:r>
+              <a:rPr lang="ko-KR" altLang="en-US" sz="1000"/>
+              <a:t>        }</a:t>
+            </a:r>
+            <a:endParaRPr lang="ko-KR" altLang="en-US" sz="1000"/>
+          </a:p>
+          <a:p>
+            <a:pPr>
+              <a:defRPr lang="ko-KR" altLang="en-US"/>
+            </a:pPr>
+            <a:endParaRPr lang="ko-KR" altLang="en-US" sz="1000"/>
+          </a:p>
+          <a:p>
+            <a:pPr>
+              <a:defRPr lang="ko-KR" altLang="en-US"/>
+            </a:pPr>
+            <a:r>
+              <a:rPr lang="ko-KR" altLang="en-US" sz="1000"/>
+              <a:t>        private void button2_Click(object sender, EventArgs e)</a:t>
+            </a:r>
+            <a:endParaRPr lang="ko-KR" altLang="en-US" sz="1000"/>
+          </a:p>
+          <a:p>
+            <a:pPr>
+              <a:defRPr lang="ko-KR" altLang="en-US"/>
+            </a:pPr>
+            <a:r>
+              <a:rPr lang="ko-KR" altLang="en-US" sz="1000"/>
+              <a:t>        {</a:t>
+            </a:r>
+            <a:endParaRPr lang="ko-KR" altLang="en-US" sz="1000"/>
+          </a:p>
+          <a:p>
+            <a:pPr>
+              <a:defRPr lang="ko-KR" altLang="en-US"/>
+            </a:pPr>
+            <a:r>
+              <a:rPr lang="ko-KR" altLang="en-US" sz="1000"/>
+              <a:t>            colorDialog1.ShowDialog();</a:t>
+            </a:r>
+            <a:endParaRPr lang="ko-KR" altLang="en-US" sz="1000"/>
+          </a:p>
+          <a:p>
+            <a:pPr>
+              <a:defRPr lang="ko-KR" altLang="en-US"/>
+            </a:pPr>
+            <a:r>
+              <a:rPr lang="ko-KR" altLang="en-US" sz="1000"/>
+              <a:t>            button1.BackColor = colorDialog1.Color;</a:t>
+            </a:r>
+            <a:endParaRPr lang="ko-KR" altLang="en-US" sz="1000"/>
+          </a:p>
+          <a:p>
+            <a:pPr>
+              <a:defRPr lang="ko-KR" altLang="en-US"/>
+            </a:pPr>
+            <a:r>
+              <a:rPr lang="ko-KR" altLang="en-US" sz="1000"/>
+              <a:t>            button2.BackColor = colorDialog1.Color;</a:t>
+            </a:r>
+            <a:endParaRPr lang="ko-KR" altLang="en-US" sz="1000"/>
+          </a:p>
+          <a:p>
+            <a:pPr>
+              <a:defRPr lang="ko-KR" altLang="en-US"/>
+            </a:pPr>
+            <a:endParaRPr lang="ko-KR" altLang="en-US" sz="1000"/>
+          </a:p>
+          <a:p>
+            <a:pPr>
+              <a:defRPr lang="ko-KR" altLang="en-US"/>
+            </a:pPr>
+            <a:r>
+              <a:rPr lang="ko-KR" altLang="en-US" sz="1000"/>
+              <a:t>        }</a:t>
+            </a:r>
+            <a:endParaRPr lang="ko-KR" altLang="en-US" sz="1000"/>
+          </a:p>
+          <a:p>
+            <a:pPr>
+              <a:defRPr lang="ko-KR" altLang="en-US"/>
+            </a:pPr>
+            <a:r>
+              <a:rPr lang="ko-KR" altLang="en-US" sz="1000"/>
+              <a:t>    }</a:t>
+            </a:r>
+            <a:endParaRPr lang="ko-KR" altLang="en-US" sz="1000"/>
+          </a:p>
+          <a:p>
+            <a:pPr>
+              <a:defRPr lang="ko-KR" altLang="en-US"/>
+            </a:pPr>
+            <a:r>
+              <a:rPr lang="ko-KR" altLang="en-US" sz="1000"/>
+              <a:t>}</a:t>
+            </a:r>
+            <a:endParaRPr lang="ko-KR" altLang="en-US" sz="1000"/>
+          </a:p>
+          <a:p>
+            <a:pPr>
+              <a:defRPr lang="ko-KR" altLang="en-US"/>
+            </a:pPr>
+            <a:endParaRPr lang="ko-KR" altLang="en-US" sz="1000"/>
+          </a:p>
+        </p:txBody>
+      </p:sp>
+    </p:spTree>
+  </p:cSld>
+  <p:clrMapOvr>
+    <a:masterClrMapping/>
+  </p:clrMapOvr>
+  <mc:AlternateContent xmlns:mc="http://schemas.openxmlformats.org/markup-compatibility/2006">
+    <mc:Choice xmlns:p14="http://schemas.microsoft.com/office/powerpoint/2010/main" Requires="p14">
+      <p:transition xmlns:mc="http://schemas.openxmlformats.org/markup-compatibility/2006" xmlns:p14="http://schemas.microsoft.com/office/powerpoint/2010/main" mc:Ignorable="p14" p14:dur="500"/>
+    </mc:Choice>
+    <mc:Fallback>
+      <p:transition/>
+    </mc:Fallback>
+  </mc:AlternateContent>
+</p:sld>
+</file>
+
 <file path=ppt/slides/slide2.xml><?xml version="1.0" encoding="utf-8"?>
 <p:sld xmlns:a="http://schemas.openxmlformats.org/drawingml/2006/main" xmlns:r="http://schemas.openxmlformats.org/officeDocument/2006/relationships" xmlns:p="http://schemas.openxmlformats.org/presentationml/2006/main">
   <p:cSld>
@@ -5553,6 +9543,346 @@
   <p:clrMapOvr>
     <a:masterClrMapping/>
   </p:clrMapOvr>
+</p:sld>
+</file>
+
+<file path=ppt/slides/slide20.xml><?xml version="1.0" encoding="utf-8"?>
+<p:sld xmlns:r="http://schemas.openxmlformats.org/officeDocument/2006/relationships" xmlns:c="http://schemas.openxmlformats.org/drawingml/2006/chart" xmlns:a="http://schemas.openxmlformats.org/drawingml/2006/main" xmlns:dgm="http://schemas.openxmlformats.org/drawingml/2006/diagram" xmlns:dsp="http://schemas.microsoft.com/office/drawing/2008/diagram" xmlns:p="http://schemas.openxmlformats.org/presentationml/2006/main">
+  <p:cSld>
+    <p:spTree>
+      <p:nvGrpSpPr>
+        <p:cNvPr id="1" name=""/>
+        <p:cNvGrpSpPr/>
+        <p:nvPr/>
+      </p:nvGrpSpPr>
+      <p:grpSpPr>
+        <a:xfrm>
+          <a:off x="0" y="0"/>
+          <a:ext cx="0" cy="0"/>
+          <a:chOff x="0" y="0"/>
+          <a:chExt cx="0" cy="0"/>
+        </a:xfrm>
+      </p:grpSpPr>
+      <p:pic>
+        <p:nvPicPr>
+          <p:cNvPr id="2" name=""/>
+          <p:cNvPicPr>
+            <a:picLocks noChangeAspect="1"/>
+          </p:cNvPicPr>
+          <p:nvPr/>
+        </p:nvPicPr>
+        <p:blipFill rotWithShape="1">
+          <a:blip r:embed="rId2"/>
+          <a:stretch>
+            <a:fillRect/>
+          </a:stretch>
+        </p:blipFill>
+        <p:spPr>
+          <a:xfrm>
+            <a:off x="394491" y="342469"/>
+            <a:ext cx="4432448" cy="3459641"/>
+          </a:xfrm>
+          <a:prstGeom prst="rect">
+            <a:avLst/>
+          </a:prstGeom>
+        </p:spPr>
+      </p:pic>
+      <p:sp>
+        <p:nvSpPr>
+          <p:cNvPr id="3" name=""/>
+          <p:cNvSpPr txBox="1"/>
+          <p:nvPr/>
+        </p:nvSpPr>
+        <p:spPr>
+          <a:xfrm>
+            <a:off x="5816744" y="202710"/>
+            <a:ext cx="4437786" cy="4511992"/>
+          </a:xfrm>
+          <a:prstGeom prst="rect">
+            <a:avLst/>
+          </a:prstGeom>
+        </p:spPr>
+        <p:txBody>
+          <a:bodyPr wrap="square">
+            <a:spAutoFit/>
+          </a:bodyPr>
+          <a:p>
+            <a:pPr>
+              <a:defRPr lang="ko-KR" altLang="en-US"/>
+            </a:pPr>
+            <a:r>
+              <a:rPr lang="ko-KR" altLang="en-US" sz="1000"/>
+              <a:t>using System;</a:t>
+            </a:r>
+            <a:endParaRPr lang="ko-KR" altLang="en-US" sz="1000"/>
+          </a:p>
+          <a:p>
+            <a:pPr>
+              <a:defRPr lang="ko-KR" altLang="en-US"/>
+            </a:pPr>
+            <a:r>
+              <a:rPr lang="ko-KR" altLang="en-US" sz="1000"/>
+              <a:t>using System.Windows.Forms;</a:t>
+            </a:r>
+            <a:endParaRPr lang="ko-KR" altLang="en-US" sz="1000"/>
+          </a:p>
+          <a:p>
+            <a:pPr>
+              <a:defRPr lang="ko-KR" altLang="en-US"/>
+            </a:pPr>
+            <a:r>
+              <a:rPr lang="ko-KR" altLang="en-US" sz="1000"/>
+              <a:t>using System.Drawing.Printing;</a:t>
+            </a:r>
+            <a:endParaRPr lang="ko-KR" altLang="en-US" sz="1000"/>
+          </a:p>
+          <a:p>
+            <a:pPr>
+              <a:defRPr lang="ko-KR" altLang="en-US"/>
+            </a:pPr>
+            <a:endParaRPr lang="ko-KR" altLang="en-US" sz="1000"/>
+          </a:p>
+          <a:p>
+            <a:pPr>
+              <a:defRPr lang="ko-KR" altLang="en-US"/>
+            </a:pPr>
+            <a:endParaRPr lang="ko-KR" altLang="en-US" sz="1000"/>
+          </a:p>
+          <a:p>
+            <a:pPr>
+              <a:defRPr lang="ko-KR" altLang="en-US"/>
+            </a:pPr>
+            <a:r>
+              <a:rPr lang="ko-KR" altLang="en-US" sz="1000"/>
+              <a:t>namespace HelloForm</a:t>
+            </a:r>
+            <a:endParaRPr lang="ko-KR" altLang="en-US" sz="1000"/>
+          </a:p>
+          <a:p>
+            <a:pPr>
+              <a:defRPr lang="ko-KR" altLang="en-US"/>
+            </a:pPr>
+            <a:r>
+              <a:rPr lang="ko-KR" altLang="en-US" sz="1000"/>
+              <a:t>{</a:t>
+            </a:r>
+            <a:endParaRPr lang="ko-KR" altLang="en-US" sz="1000"/>
+          </a:p>
+          <a:p>
+            <a:pPr>
+              <a:defRPr lang="ko-KR" altLang="en-US"/>
+            </a:pPr>
+            <a:r>
+              <a:rPr lang="ko-KR" altLang="en-US" sz="1000"/>
+              <a:t>    public partial class Form1 : Form</a:t>
+            </a:r>
+            <a:endParaRPr lang="ko-KR" altLang="en-US" sz="1000"/>
+          </a:p>
+          <a:p>
+            <a:pPr>
+              <a:defRPr lang="ko-KR" altLang="en-US"/>
+            </a:pPr>
+            <a:r>
+              <a:rPr lang="ko-KR" altLang="en-US" sz="1000"/>
+              <a:t>    {</a:t>
+            </a:r>
+            <a:endParaRPr lang="ko-KR" altLang="en-US" sz="1000"/>
+          </a:p>
+          <a:p>
+            <a:pPr>
+              <a:defRPr lang="ko-KR" altLang="en-US"/>
+            </a:pPr>
+            <a:r>
+              <a:rPr lang="ko-KR" altLang="en-US" sz="1000"/>
+              <a:t>        public Form1()</a:t>
+            </a:r>
+            <a:endParaRPr lang="ko-KR" altLang="en-US" sz="1000"/>
+          </a:p>
+          <a:p>
+            <a:pPr>
+              <a:defRPr lang="ko-KR" altLang="en-US"/>
+            </a:pPr>
+            <a:r>
+              <a:rPr lang="ko-KR" altLang="en-US" sz="1000"/>
+              <a:t>        {</a:t>
+            </a:r>
+            <a:endParaRPr lang="ko-KR" altLang="en-US" sz="1000"/>
+          </a:p>
+          <a:p>
+            <a:pPr>
+              <a:defRPr lang="ko-KR" altLang="en-US"/>
+            </a:pPr>
+            <a:r>
+              <a:rPr lang="ko-KR" altLang="en-US" sz="1000"/>
+              <a:t>            InitializeComponent();</a:t>
+            </a:r>
+            <a:endParaRPr lang="ko-KR" altLang="en-US" sz="1000"/>
+          </a:p>
+          <a:p>
+            <a:pPr>
+              <a:defRPr lang="ko-KR" altLang="en-US"/>
+            </a:pPr>
+            <a:endParaRPr lang="ko-KR" altLang="en-US" sz="1000"/>
+          </a:p>
+          <a:p>
+            <a:pPr>
+              <a:defRPr lang="ko-KR" altLang="en-US"/>
+            </a:pPr>
+            <a:r>
+              <a:rPr lang="ko-KR" altLang="en-US" sz="1000"/>
+              <a:t>        }</a:t>
+            </a:r>
+            <a:endParaRPr lang="ko-KR" altLang="en-US" sz="1000"/>
+          </a:p>
+          <a:p>
+            <a:pPr>
+              <a:defRPr lang="ko-KR" altLang="en-US"/>
+            </a:pPr>
+            <a:endParaRPr lang="ko-KR" altLang="en-US" sz="1000"/>
+          </a:p>
+          <a:p>
+            <a:pPr>
+              <a:defRPr lang="ko-KR" altLang="en-US"/>
+            </a:pPr>
+            <a:r>
+              <a:rPr lang="ko-KR" altLang="en-US" sz="1000"/>
+              <a:t>        private void button1_Click(object sender, EventArgs e)</a:t>
+            </a:r>
+            <a:endParaRPr lang="ko-KR" altLang="en-US" sz="1000"/>
+          </a:p>
+          <a:p>
+            <a:pPr>
+              <a:defRPr lang="ko-KR" altLang="en-US"/>
+            </a:pPr>
+            <a:r>
+              <a:rPr lang="ko-KR" altLang="en-US" sz="1000"/>
+              <a:t>        {</a:t>
+            </a:r>
+            <a:endParaRPr lang="ko-KR" altLang="en-US" sz="1000"/>
+          </a:p>
+          <a:p>
+            <a:pPr>
+              <a:defRPr lang="ko-KR" altLang="en-US"/>
+            </a:pPr>
+            <a:r>
+              <a:rPr lang="ko-KR" altLang="en-US" sz="1000"/>
+              <a:t>            PrinterSettings printer = new PrinterSettings();</a:t>
+            </a:r>
+            <a:endParaRPr lang="ko-KR" altLang="en-US" sz="1000"/>
+          </a:p>
+          <a:p>
+            <a:pPr>
+              <a:defRPr lang="ko-KR" altLang="en-US"/>
+            </a:pPr>
+            <a:r>
+              <a:rPr lang="ko-KR" altLang="en-US" sz="1000"/>
+              <a:t>            PrintDocument pd = new PrintDocument();</a:t>
+            </a:r>
+            <a:endParaRPr lang="ko-KR" altLang="en-US" sz="1000"/>
+          </a:p>
+          <a:p>
+            <a:pPr>
+              <a:defRPr lang="ko-KR" altLang="en-US"/>
+            </a:pPr>
+            <a:r>
+              <a:rPr lang="ko-KR" altLang="en-US" sz="1000"/>
+              <a:t>            printDialog1.PrinterSettings = printer;</a:t>
+            </a:r>
+            <a:endParaRPr lang="ko-KR" altLang="en-US" sz="1000"/>
+          </a:p>
+          <a:p>
+            <a:pPr>
+              <a:defRPr lang="ko-KR" altLang="en-US"/>
+            </a:pPr>
+            <a:r>
+              <a:rPr lang="ko-KR" altLang="en-US" sz="1000"/>
+              <a:t>            printDialog1.Document = pd;</a:t>
+            </a:r>
+            <a:endParaRPr lang="ko-KR" altLang="en-US" sz="1000"/>
+          </a:p>
+          <a:p>
+            <a:pPr>
+              <a:defRPr lang="ko-KR" altLang="en-US"/>
+            </a:pPr>
+            <a:r>
+              <a:rPr lang="ko-KR" altLang="en-US" sz="1000"/>
+              <a:t>            printDialog1.ShowDialog();</a:t>
+            </a:r>
+            <a:endParaRPr lang="ko-KR" altLang="en-US" sz="1000"/>
+          </a:p>
+          <a:p>
+            <a:pPr>
+              <a:defRPr lang="ko-KR" altLang="en-US"/>
+            </a:pPr>
+            <a:endParaRPr lang="ko-KR" altLang="en-US" sz="1000"/>
+          </a:p>
+          <a:p>
+            <a:pPr>
+              <a:defRPr lang="ko-KR" altLang="en-US"/>
+            </a:pPr>
+            <a:r>
+              <a:rPr lang="ko-KR" altLang="en-US" sz="1000"/>
+              <a:t>        }</a:t>
+            </a:r>
+            <a:endParaRPr lang="ko-KR" altLang="en-US" sz="1000"/>
+          </a:p>
+          <a:p>
+            <a:pPr>
+              <a:defRPr lang="ko-KR" altLang="en-US"/>
+            </a:pPr>
+            <a:endParaRPr lang="ko-KR" altLang="en-US" sz="1000"/>
+          </a:p>
+          <a:p>
+            <a:pPr>
+              <a:defRPr lang="ko-KR" altLang="en-US"/>
+            </a:pPr>
+            <a:r>
+              <a:rPr lang="ko-KR" altLang="en-US" sz="1000"/>
+              <a:t>        </a:t>
+            </a:r>
+            <a:endParaRPr lang="ko-KR" altLang="en-US" sz="1000"/>
+          </a:p>
+          <a:p>
+            <a:pPr>
+              <a:defRPr lang="ko-KR" altLang="en-US"/>
+            </a:pPr>
+            <a:r>
+              <a:rPr lang="ko-KR" altLang="en-US" sz="1000"/>
+              <a:t>    }</a:t>
+            </a:r>
+            <a:endParaRPr lang="ko-KR" altLang="en-US" sz="1000"/>
+          </a:p>
+          <a:p>
+            <a:pPr>
+              <a:defRPr lang="ko-KR" altLang="en-US"/>
+            </a:pPr>
+            <a:r>
+              <a:rPr lang="ko-KR" altLang="en-US" sz="1000"/>
+              <a:t>}</a:t>
+            </a:r>
+            <a:endParaRPr lang="ko-KR" altLang="en-US" sz="1000"/>
+          </a:p>
+          <a:p>
+            <a:pPr>
+              <a:defRPr lang="ko-KR" altLang="en-US"/>
+            </a:pPr>
+            <a:endParaRPr lang="ko-KR" altLang="en-US" sz="1000"/>
+          </a:p>
+        </p:txBody>
+      </p:sp>
+    </p:spTree>
+  </p:cSld>
+  <p:clrMapOvr>
+    <a:masterClrMapping/>
+  </p:clrMapOvr>
+  <mc:AlternateContent xmlns:mc="http://schemas.openxmlformats.org/markup-compatibility/2006">
+    <mc:Choice xmlns:p14="http://schemas.microsoft.com/office/powerpoint/2010/main" Requires="p14">
+      <p:transition xmlns:mc="http://schemas.openxmlformats.org/markup-compatibility/2006" xmlns:p14="http://schemas.microsoft.com/office/powerpoint/2010/main" mc:Ignorable="p14" p14:dur="500"/>
+    </mc:Choice>
+    <mc:Fallback>
+      <p:transition/>
+    </mc:Fallback>
+  </mc:AlternateContent>
 </p:sld>
 </file>
 
@@ -9859,50 +14189,2819 @@
 </p:sld>
 </file>
 
+<file path=ppt/slides/slide6.xml><?xml version="1.0" encoding="utf-8"?>
+<p:sld xmlns:r="http://schemas.openxmlformats.org/officeDocument/2006/relationships" xmlns:c="http://schemas.openxmlformats.org/drawingml/2006/chart" xmlns:a="http://schemas.openxmlformats.org/drawingml/2006/main" xmlns:dgm="http://schemas.openxmlformats.org/drawingml/2006/diagram" xmlns:dsp="http://schemas.microsoft.com/office/drawing/2008/diagram" xmlns:p="http://schemas.openxmlformats.org/presentationml/2006/main">
+  <p:cSld>
+    <p:spTree>
+      <p:nvGrpSpPr>
+        <p:cNvPr id="1" name=""/>
+        <p:cNvGrpSpPr/>
+        <p:nvPr/>
+      </p:nvGrpSpPr>
+      <p:grpSpPr>
+        <a:xfrm>
+          <a:off x="0" y="0"/>
+          <a:ext cx="0" cy="0"/>
+          <a:chOff x="0" y="0"/>
+          <a:chExt cx="0" cy="0"/>
+        </a:xfrm>
+      </p:grpSpPr>
+      <p:pic>
+        <p:nvPicPr>
+          <p:cNvPr id="2" name=""/>
+          <p:cNvPicPr>
+            <a:picLocks noChangeAspect="1"/>
+          </p:cNvPicPr>
+          <p:nvPr/>
+        </p:nvPicPr>
+        <p:blipFill rotWithShape="1">
+          <a:blip r:embed="rId2"/>
+          <a:stretch>
+            <a:fillRect/>
+          </a:stretch>
+        </p:blipFill>
+        <p:spPr>
+          <a:xfrm>
+            <a:off x="1313782" y="971207"/>
+            <a:ext cx="3559950" cy="2457793"/>
+          </a:xfrm>
+          <a:prstGeom prst="rect">
+            <a:avLst/>
+          </a:prstGeom>
+        </p:spPr>
+      </p:pic>
+      <p:sp>
+        <p:nvSpPr>
+          <p:cNvPr id="3" name=""/>
+          <p:cNvSpPr txBox="1"/>
+          <p:nvPr/>
+        </p:nvSpPr>
+        <p:spPr>
+          <a:xfrm>
+            <a:off x="2181225" y="-5675947"/>
+            <a:ext cx="7829549" cy="216216"/>
+          </a:xfrm>
+          <a:prstGeom prst="rect">
+            <a:avLst/>
+          </a:prstGeom>
+        </p:spPr>
+        <p:txBody>
+          <a:bodyPr wrap="square">
+            <a:spAutoFit/>
+          </a:bodyPr>
+          <a:p>
+            <a:pPr>
+              <a:defRPr lang="ko-KR" altLang="en-US"/>
+            </a:pPr>
+            <a:endParaRPr lang="ko-KR" altLang="en-US" sz="800"/>
+          </a:p>
+        </p:txBody>
+      </p:sp>
+      <p:sp>
+        <p:nvSpPr>
+          <p:cNvPr id="4" name=""/>
+          <p:cNvSpPr txBox="1"/>
+          <p:nvPr/>
+        </p:nvSpPr>
+        <p:spPr>
+          <a:xfrm>
+            <a:off x="6182591" y="186255"/>
+            <a:ext cx="5036126" cy="6707939"/>
+          </a:xfrm>
+          <a:prstGeom prst="rect">
+            <a:avLst/>
+          </a:prstGeom>
+        </p:spPr>
+        <p:txBody>
+          <a:bodyPr wrap="square">
+            <a:spAutoFit/>
+          </a:bodyPr>
+          <a:p>
+            <a:pPr>
+              <a:defRPr lang="ko-KR" altLang="en-US"/>
+            </a:pPr>
+            <a:r>
+              <a:rPr xmlns:mc="http://schemas.openxmlformats.org/markup-compatibility/2006" xmlns:hp="http://schemas.haansoft.com/office/presentation/8.0" lang="ko-KR" altLang="en-US" sz="700" b="0" i="0" u="none" kern="1200" baseline="0" mc:Ignorable="hp" hp:hslEmbossed="0">
+                <a:solidFill>
+                  <a:srgbClr val="000000"/>
+                </a:solidFill>
+                <a:latin typeface="맑은 고딕"/>
+                <a:ea typeface="맑은 고딕"/>
+                <a:cs typeface="맑은 고딕"/>
+              </a:rPr>
+              <a:t>using System;</a:t>
+            </a:r>
+            <a:endParaRPr xmlns:mc="http://schemas.openxmlformats.org/markup-compatibility/2006" xmlns:hp="http://schemas.haansoft.com/office/presentation/8.0" lang="ko-KR" altLang="en-US" sz="700" b="0" i="0" u="none" kern="1200" baseline="0" mc:Ignorable="hp" hp:hslEmbossed="0">
+              <a:solidFill>
+                <a:srgbClr val="000000"/>
+              </a:solidFill>
+              <a:latin typeface="맑은 고딕"/>
+              <a:ea typeface="맑은 고딕"/>
+              <a:cs typeface="맑은 고딕"/>
+            </a:endParaRPr>
+          </a:p>
+          <a:p>
+            <a:pPr>
+              <a:defRPr lang="ko-KR" altLang="en-US"/>
+            </a:pPr>
+            <a:r>
+              <a:rPr xmlns:mc="http://schemas.openxmlformats.org/markup-compatibility/2006" xmlns:hp="http://schemas.haansoft.com/office/presentation/8.0" lang="ko-KR" altLang="en-US" sz="700" b="0" i="0" u="none" kern="1200" baseline="0" mc:Ignorable="hp" hp:hslEmbossed="0">
+                <a:solidFill>
+                  <a:srgbClr val="000000"/>
+                </a:solidFill>
+                <a:latin typeface="맑은 고딕"/>
+                <a:ea typeface="맑은 고딕"/>
+                <a:cs typeface="맑은 고딕"/>
+              </a:rPr>
+              <a:t>using System.Collections.Generic;</a:t>
+            </a:r>
+            <a:endParaRPr xmlns:mc="http://schemas.openxmlformats.org/markup-compatibility/2006" xmlns:hp="http://schemas.haansoft.com/office/presentation/8.0" lang="ko-KR" altLang="en-US" sz="700" b="0" i="0" u="none" kern="1200" baseline="0" mc:Ignorable="hp" hp:hslEmbossed="0">
+              <a:solidFill>
+                <a:srgbClr val="000000"/>
+              </a:solidFill>
+              <a:latin typeface="맑은 고딕"/>
+              <a:ea typeface="맑은 고딕"/>
+              <a:cs typeface="맑은 고딕"/>
+            </a:endParaRPr>
+          </a:p>
+          <a:p>
+            <a:pPr>
+              <a:defRPr lang="ko-KR" altLang="en-US"/>
+            </a:pPr>
+            <a:r>
+              <a:rPr xmlns:mc="http://schemas.openxmlformats.org/markup-compatibility/2006" xmlns:hp="http://schemas.haansoft.com/office/presentation/8.0" lang="ko-KR" altLang="en-US" sz="700" b="0" i="0" u="none" kern="1200" baseline="0" mc:Ignorable="hp" hp:hslEmbossed="0">
+                <a:solidFill>
+                  <a:srgbClr val="000000"/>
+                </a:solidFill>
+                <a:latin typeface="맑은 고딕"/>
+                <a:ea typeface="맑은 고딕"/>
+                <a:cs typeface="맑은 고딕"/>
+              </a:rPr>
+              <a:t>using System.ComponentModel;</a:t>
+            </a:r>
+            <a:endParaRPr xmlns:mc="http://schemas.openxmlformats.org/markup-compatibility/2006" xmlns:hp="http://schemas.haansoft.com/office/presentation/8.0" lang="ko-KR" altLang="en-US" sz="700" b="0" i="0" u="none" kern="1200" baseline="0" mc:Ignorable="hp" hp:hslEmbossed="0">
+              <a:solidFill>
+                <a:srgbClr val="000000"/>
+              </a:solidFill>
+              <a:latin typeface="맑은 고딕"/>
+              <a:ea typeface="맑은 고딕"/>
+              <a:cs typeface="맑은 고딕"/>
+            </a:endParaRPr>
+          </a:p>
+          <a:p>
+            <a:pPr>
+              <a:defRPr lang="ko-KR" altLang="en-US"/>
+            </a:pPr>
+            <a:r>
+              <a:rPr xmlns:mc="http://schemas.openxmlformats.org/markup-compatibility/2006" xmlns:hp="http://schemas.haansoft.com/office/presentation/8.0" lang="ko-KR" altLang="en-US" sz="700" b="0" i="0" u="none" kern="1200" baseline="0" mc:Ignorable="hp" hp:hslEmbossed="0">
+                <a:solidFill>
+                  <a:srgbClr val="000000"/>
+                </a:solidFill>
+                <a:latin typeface="맑은 고딕"/>
+                <a:ea typeface="맑은 고딕"/>
+                <a:cs typeface="맑은 고딕"/>
+              </a:rPr>
+              <a:t>using System.Data;</a:t>
+            </a:r>
+            <a:endParaRPr xmlns:mc="http://schemas.openxmlformats.org/markup-compatibility/2006" xmlns:hp="http://schemas.haansoft.com/office/presentation/8.0" lang="ko-KR" altLang="en-US" sz="700" b="0" i="0" u="none" kern="1200" baseline="0" mc:Ignorable="hp" hp:hslEmbossed="0">
+              <a:solidFill>
+                <a:srgbClr val="000000"/>
+              </a:solidFill>
+              <a:latin typeface="맑은 고딕"/>
+              <a:ea typeface="맑은 고딕"/>
+              <a:cs typeface="맑은 고딕"/>
+            </a:endParaRPr>
+          </a:p>
+          <a:p>
+            <a:pPr>
+              <a:defRPr lang="ko-KR" altLang="en-US"/>
+            </a:pPr>
+            <a:r>
+              <a:rPr xmlns:mc="http://schemas.openxmlformats.org/markup-compatibility/2006" xmlns:hp="http://schemas.haansoft.com/office/presentation/8.0" lang="ko-KR" altLang="en-US" sz="700" b="0" i="0" u="none" kern="1200" baseline="0" mc:Ignorable="hp" hp:hslEmbossed="0">
+                <a:solidFill>
+                  <a:srgbClr val="000000"/>
+                </a:solidFill>
+                <a:latin typeface="맑은 고딕"/>
+                <a:ea typeface="맑은 고딕"/>
+                <a:cs typeface="맑은 고딕"/>
+              </a:rPr>
+              <a:t>using System.Drawing;</a:t>
+            </a:r>
+            <a:endParaRPr xmlns:mc="http://schemas.openxmlformats.org/markup-compatibility/2006" xmlns:hp="http://schemas.haansoft.com/office/presentation/8.0" lang="ko-KR" altLang="en-US" sz="700" b="0" i="0" u="none" kern="1200" baseline="0" mc:Ignorable="hp" hp:hslEmbossed="0">
+              <a:solidFill>
+                <a:srgbClr val="000000"/>
+              </a:solidFill>
+              <a:latin typeface="맑은 고딕"/>
+              <a:ea typeface="맑은 고딕"/>
+              <a:cs typeface="맑은 고딕"/>
+            </a:endParaRPr>
+          </a:p>
+          <a:p>
+            <a:pPr>
+              <a:defRPr lang="ko-KR" altLang="en-US"/>
+            </a:pPr>
+            <a:r>
+              <a:rPr xmlns:mc="http://schemas.openxmlformats.org/markup-compatibility/2006" xmlns:hp="http://schemas.haansoft.com/office/presentation/8.0" lang="ko-KR" altLang="en-US" sz="700" b="0" i="0" u="none" kern="1200" baseline="0" mc:Ignorable="hp" hp:hslEmbossed="0">
+                <a:solidFill>
+                  <a:srgbClr val="000000"/>
+                </a:solidFill>
+                <a:latin typeface="맑은 고딕"/>
+                <a:ea typeface="맑은 고딕"/>
+                <a:cs typeface="맑은 고딕"/>
+              </a:rPr>
+              <a:t>using System.Linq;</a:t>
+            </a:r>
+            <a:endParaRPr xmlns:mc="http://schemas.openxmlformats.org/markup-compatibility/2006" xmlns:hp="http://schemas.haansoft.com/office/presentation/8.0" lang="ko-KR" altLang="en-US" sz="700" b="0" i="0" u="none" kern="1200" baseline="0" mc:Ignorable="hp" hp:hslEmbossed="0">
+              <a:solidFill>
+                <a:srgbClr val="000000"/>
+              </a:solidFill>
+              <a:latin typeface="맑은 고딕"/>
+              <a:ea typeface="맑은 고딕"/>
+              <a:cs typeface="맑은 고딕"/>
+            </a:endParaRPr>
+          </a:p>
+          <a:p>
+            <a:pPr>
+              <a:defRPr lang="ko-KR" altLang="en-US"/>
+            </a:pPr>
+            <a:r>
+              <a:rPr xmlns:mc="http://schemas.openxmlformats.org/markup-compatibility/2006" xmlns:hp="http://schemas.haansoft.com/office/presentation/8.0" lang="ko-KR" altLang="en-US" sz="700" b="0" i="0" u="none" kern="1200" baseline="0" mc:Ignorable="hp" hp:hslEmbossed="0">
+                <a:solidFill>
+                  <a:srgbClr val="000000"/>
+                </a:solidFill>
+                <a:latin typeface="맑은 고딕"/>
+                <a:ea typeface="맑은 고딕"/>
+                <a:cs typeface="맑은 고딕"/>
+              </a:rPr>
+              <a:t>using System.Text;</a:t>
+            </a:r>
+            <a:endParaRPr xmlns:mc="http://schemas.openxmlformats.org/markup-compatibility/2006" xmlns:hp="http://schemas.haansoft.com/office/presentation/8.0" lang="ko-KR" altLang="en-US" sz="700" b="0" i="0" u="none" kern="1200" baseline="0" mc:Ignorable="hp" hp:hslEmbossed="0">
+              <a:solidFill>
+                <a:srgbClr val="000000"/>
+              </a:solidFill>
+              <a:latin typeface="맑은 고딕"/>
+              <a:ea typeface="맑은 고딕"/>
+              <a:cs typeface="맑은 고딕"/>
+            </a:endParaRPr>
+          </a:p>
+          <a:p>
+            <a:pPr>
+              <a:defRPr lang="ko-KR" altLang="en-US"/>
+            </a:pPr>
+            <a:r>
+              <a:rPr xmlns:mc="http://schemas.openxmlformats.org/markup-compatibility/2006" xmlns:hp="http://schemas.haansoft.com/office/presentation/8.0" lang="ko-KR" altLang="en-US" sz="700" b="0" i="0" u="none" kern="1200" baseline="0" mc:Ignorable="hp" hp:hslEmbossed="0">
+                <a:solidFill>
+                  <a:srgbClr val="000000"/>
+                </a:solidFill>
+                <a:latin typeface="맑은 고딕"/>
+                <a:ea typeface="맑은 고딕"/>
+                <a:cs typeface="맑은 고딕"/>
+              </a:rPr>
+              <a:t>using System.Threading.Tasks;</a:t>
+            </a:r>
+            <a:endParaRPr xmlns:mc="http://schemas.openxmlformats.org/markup-compatibility/2006" xmlns:hp="http://schemas.haansoft.com/office/presentation/8.0" lang="ko-KR" altLang="en-US" sz="700" b="0" i="0" u="none" kern="1200" baseline="0" mc:Ignorable="hp" hp:hslEmbossed="0">
+              <a:solidFill>
+                <a:srgbClr val="000000"/>
+              </a:solidFill>
+              <a:latin typeface="맑은 고딕"/>
+              <a:ea typeface="맑은 고딕"/>
+              <a:cs typeface="맑은 고딕"/>
+            </a:endParaRPr>
+          </a:p>
+          <a:p>
+            <a:pPr>
+              <a:defRPr lang="ko-KR" altLang="en-US"/>
+            </a:pPr>
+            <a:r>
+              <a:rPr xmlns:mc="http://schemas.openxmlformats.org/markup-compatibility/2006" xmlns:hp="http://schemas.haansoft.com/office/presentation/8.0" lang="ko-KR" altLang="en-US" sz="700" b="0" i="0" u="none" kern="1200" baseline="0" mc:Ignorable="hp" hp:hslEmbossed="0">
+                <a:solidFill>
+                  <a:srgbClr val="000000"/>
+                </a:solidFill>
+                <a:latin typeface="맑은 고딕"/>
+                <a:ea typeface="맑은 고딕"/>
+                <a:cs typeface="맑은 고딕"/>
+              </a:rPr>
+              <a:t>using System.Windows.Forms;</a:t>
+            </a:r>
+            <a:endParaRPr xmlns:mc="http://schemas.openxmlformats.org/markup-compatibility/2006" xmlns:hp="http://schemas.haansoft.com/office/presentation/8.0" lang="ko-KR" altLang="en-US" sz="700" b="0" i="0" u="none" kern="1200" baseline="0" mc:Ignorable="hp" hp:hslEmbossed="0">
+              <a:solidFill>
+                <a:srgbClr val="000000"/>
+              </a:solidFill>
+              <a:latin typeface="맑은 고딕"/>
+              <a:ea typeface="맑은 고딕"/>
+              <a:cs typeface="맑은 고딕"/>
+            </a:endParaRPr>
+          </a:p>
+          <a:p>
+            <a:pPr>
+              <a:defRPr lang="ko-KR" altLang="en-US"/>
+            </a:pPr>
+            <a:endParaRPr xmlns:mc="http://schemas.openxmlformats.org/markup-compatibility/2006" xmlns:hp="http://schemas.haansoft.com/office/presentation/8.0" lang="ko-KR" altLang="en-US" sz="700" b="0" i="0" u="none" kern="1200" baseline="0" mc:Ignorable="hp" hp:hslEmbossed="0">
+              <a:solidFill>
+                <a:srgbClr val="000000"/>
+              </a:solidFill>
+              <a:latin typeface="맑은 고딕"/>
+              <a:ea typeface="맑은 고딕"/>
+              <a:cs typeface="맑은 고딕"/>
+            </a:endParaRPr>
+          </a:p>
+          <a:p>
+            <a:pPr>
+              <a:defRPr lang="ko-KR" altLang="en-US"/>
+            </a:pPr>
+            <a:r>
+              <a:rPr xmlns:mc="http://schemas.openxmlformats.org/markup-compatibility/2006" xmlns:hp="http://schemas.haansoft.com/office/presentation/8.0" lang="ko-KR" altLang="en-US" sz="700" b="0" i="0" u="none" kern="1200" baseline="0" mc:Ignorable="hp" hp:hslEmbossed="0">
+                <a:solidFill>
+                  <a:srgbClr val="000000"/>
+                </a:solidFill>
+                <a:latin typeface="맑은 고딕"/>
+                <a:ea typeface="맑은 고딕"/>
+                <a:cs typeface="맑은 고딕"/>
+              </a:rPr>
+              <a:t>namespace HelloForm</a:t>
+            </a:r>
+            <a:endParaRPr xmlns:mc="http://schemas.openxmlformats.org/markup-compatibility/2006" xmlns:hp="http://schemas.haansoft.com/office/presentation/8.0" lang="ko-KR" altLang="en-US" sz="700" b="0" i="0" u="none" kern="1200" baseline="0" mc:Ignorable="hp" hp:hslEmbossed="0">
+              <a:solidFill>
+                <a:srgbClr val="000000"/>
+              </a:solidFill>
+              <a:latin typeface="맑은 고딕"/>
+              <a:ea typeface="맑은 고딕"/>
+              <a:cs typeface="맑은 고딕"/>
+            </a:endParaRPr>
+          </a:p>
+          <a:p>
+            <a:pPr>
+              <a:defRPr lang="ko-KR" altLang="en-US"/>
+            </a:pPr>
+            <a:r>
+              <a:rPr xmlns:mc="http://schemas.openxmlformats.org/markup-compatibility/2006" xmlns:hp="http://schemas.haansoft.com/office/presentation/8.0" lang="ko-KR" altLang="en-US" sz="700" b="0" i="0" u="none" kern="1200" baseline="0" mc:Ignorable="hp" hp:hslEmbossed="0">
+                <a:solidFill>
+                  <a:srgbClr val="000000"/>
+                </a:solidFill>
+                <a:latin typeface="맑은 고딕"/>
+                <a:ea typeface="맑은 고딕"/>
+                <a:cs typeface="맑은 고딕"/>
+              </a:rPr>
+              <a:t>{</a:t>
+            </a:r>
+            <a:endParaRPr xmlns:mc="http://schemas.openxmlformats.org/markup-compatibility/2006" xmlns:hp="http://schemas.haansoft.com/office/presentation/8.0" lang="ko-KR" altLang="en-US" sz="700" b="0" i="0" u="none" kern="1200" baseline="0" mc:Ignorable="hp" hp:hslEmbossed="0">
+              <a:solidFill>
+                <a:srgbClr val="000000"/>
+              </a:solidFill>
+              <a:latin typeface="맑은 고딕"/>
+              <a:ea typeface="맑은 고딕"/>
+              <a:cs typeface="맑은 고딕"/>
+            </a:endParaRPr>
+          </a:p>
+          <a:p>
+            <a:pPr>
+              <a:defRPr lang="ko-KR" altLang="en-US"/>
+            </a:pPr>
+            <a:r>
+              <a:rPr xmlns:mc="http://schemas.openxmlformats.org/markup-compatibility/2006" xmlns:hp="http://schemas.haansoft.com/office/presentation/8.0" lang="ko-KR" altLang="en-US" sz="700" b="0" i="0" u="none" kern="1200" baseline="0" mc:Ignorable="hp" hp:hslEmbossed="0">
+                <a:solidFill>
+                  <a:srgbClr val="000000"/>
+                </a:solidFill>
+                <a:latin typeface="맑은 고딕"/>
+                <a:ea typeface="맑은 고딕"/>
+                <a:cs typeface="맑은 고딕"/>
+              </a:rPr>
+              <a:t>    public partial class Form1 : Form</a:t>
+            </a:r>
+            <a:endParaRPr xmlns:mc="http://schemas.openxmlformats.org/markup-compatibility/2006" xmlns:hp="http://schemas.haansoft.com/office/presentation/8.0" lang="ko-KR" altLang="en-US" sz="700" b="0" i="0" u="none" kern="1200" baseline="0" mc:Ignorable="hp" hp:hslEmbossed="0">
+              <a:solidFill>
+                <a:srgbClr val="000000"/>
+              </a:solidFill>
+              <a:latin typeface="맑은 고딕"/>
+              <a:ea typeface="맑은 고딕"/>
+              <a:cs typeface="맑은 고딕"/>
+            </a:endParaRPr>
+          </a:p>
+          <a:p>
+            <a:pPr>
+              <a:defRPr lang="ko-KR" altLang="en-US"/>
+            </a:pPr>
+            <a:r>
+              <a:rPr xmlns:mc="http://schemas.openxmlformats.org/markup-compatibility/2006" xmlns:hp="http://schemas.haansoft.com/office/presentation/8.0" lang="ko-KR" altLang="en-US" sz="700" b="0" i="0" u="none" kern="1200" baseline="0" mc:Ignorable="hp" hp:hslEmbossed="0">
+                <a:solidFill>
+                  <a:srgbClr val="000000"/>
+                </a:solidFill>
+                <a:latin typeface="맑은 고딕"/>
+                <a:ea typeface="맑은 고딕"/>
+                <a:cs typeface="맑은 고딕"/>
+              </a:rPr>
+              <a:t>    {</a:t>
+            </a:r>
+            <a:endParaRPr xmlns:mc="http://schemas.openxmlformats.org/markup-compatibility/2006" xmlns:hp="http://schemas.haansoft.com/office/presentation/8.0" lang="ko-KR" altLang="en-US" sz="700" b="0" i="0" u="none" kern="1200" baseline="0" mc:Ignorable="hp" hp:hslEmbossed="0">
+              <a:solidFill>
+                <a:srgbClr val="000000"/>
+              </a:solidFill>
+              <a:latin typeface="맑은 고딕"/>
+              <a:ea typeface="맑은 고딕"/>
+              <a:cs typeface="맑은 고딕"/>
+            </a:endParaRPr>
+          </a:p>
+          <a:p>
+            <a:pPr>
+              <a:defRPr lang="ko-KR" altLang="en-US"/>
+            </a:pPr>
+            <a:r>
+              <a:rPr xmlns:mc="http://schemas.openxmlformats.org/markup-compatibility/2006" xmlns:hp="http://schemas.haansoft.com/office/presentation/8.0" lang="ko-KR" altLang="en-US" sz="700" b="0" i="0" u="none" kern="1200" baseline="0" mc:Ignorable="hp" hp:hslEmbossed="0">
+                <a:solidFill>
+                  <a:srgbClr val="000000"/>
+                </a:solidFill>
+                <a:latin typeface="맑은 고딕"/>
+                <a:ea typeface="맑은 고딕"/>
+                <a:cs typeface="맑은 고딕"/>
+              </a:rPr>
+              <a:t>        public Form1()</a:t>
+            </a:r>
+            <a:endParaRPr xmlns:mc="http://schemas.openxmlformats.org/markup-compatibility/2006" xmlns:hp="http://schemas.haansoft.com/office/presentation/8.0" lang="ko-KR" altLang="en-US" sz="700" b="0" i="0" u="none" kern="1200" baseline="0" mc:Ignorable="hp" hp:hslEmbossed="0">
+              <a:solidFill>
+                <a:srgbClr val="000000"/>
+              </a:solidFill>
+              <a:latin typeface="맑은 고딕"/>
+              <a:ea typeface="맑은 고딕"/>
+              <a:cs typeface="맑은 고딕"/>
+            </a:endParaRPr>
+          </a:p>
+          <a:p>
+            <a:pPr>
+              <a:defRPr lang="ko-KR" altLang="en-US"/>
+            </a:pPr>
+            <a:r>
+              <a:rPr xmlns:mc="http://schemas.openxmlformats.org/markup-compatibility/2006" xmlns:hp="http://schemas.haansoft.com/office/presentation/8.0" lang="ko-KR" altLang="en-US" sz="700" b="0" i="0" u="none" kern="1200" baseline="0" mc:Ignorable="hp" hp:hslEmbossed="0">
+                <a:solidFill>
+                  <a:srgbClr val="000000"/>
+                </a:solidFill>
+                <a:latin typeface="맑은 고딕"/>
+                <a:ea typeface="맑은 고딕"/>
+                <a:cs typeface="맑은 고딕"/>
+              </a:rPr>
+              <a:t>        {</a:t>
+            </a:r>
+            <a:endParaRPr xmlns:mc="http://schemas.openxmlformats.org/markup-compatibility/2006" xmlns:hp="http://schemas.haansoft.com/office/presentation/8.0" lang="ko-KR" altLang="en-US" sz="700" b="0" i="0" u="none" kern="1200" baseline="0" mc:Ignorable="hp" hp:hslEmbossed="0">
+              <a:solidFill>
+                <a:srgbClr val="000000"/>
+              </a:solidFill>
+              <a:latin typeface="맑은 고딕"/>
+              <a:ea typeface="맑은 고딕"/>
+              <a:cs typeface="맑은 고딕"/>
+            </a:endParaRPr>
+          </a:p>
+          <a:p>
+            <a:pPr>
+              <a:defRPr lang="ko-KR" altLang="en-US"/>
+            </a:pPr>
+            <a:r>
+              <a:rPr xmlns:mc="http://schemas.openxmlformats.org/markup-compatibility/2006" xmlns:hp="http://schemas.haansoft.com/office/presentation/8.0" lang="ko-KR" altLang="en-US" sz="700" b="0" i="0" u="none" kern="1200" baseline="0" mc:Ignorable="hp" hp:hslEmbossed="0">
+                <a:solidFill>
+                  <a:srgbClr val="000000"/>
+                </a:solidFill>
+                <a:latin typeface="맑은 고딕"/>
+                <a:ea typeface="맑은 고딕"/>
+                <a:cs typeface="맑은 고딕"/>
+              </a:rPr>
+              <a:t>            InitializeComponent();</a:t>
+            </a:r>
+            <a:endParaRPr xmlns:mc="http://schemas.openxmlformats.org/markup-compatibility/2006" xmlns:hp="http://schemas.haansoft.com/office/presentation/8.0" lang="ko-KR" altLang="en-US" sz="700" b="0" i="0" u="none" kern="1200" baseline="0" mc:Ignorable="hp" hp:hslEmbossed="0">
+              <a:solidFill>
+                <a:srgbClr val="000000"/>
+              </a:solidFill>
+              <a:latin typeface="맑은 고딕"/>
+              <a:ea typeface="맑은 고딕"/>
+              <a:cs typeface="맑은 고딕"/>
+            </a:endParaRPr>
+          </a:p>
+          <a:p>
+            <a:pPr>
+              <a:defRPr lang="ko-KR" altLang="en-US"/>
+            </a:pPr>
+            <a:r>
+              <a:rPr xmlns:mc="http://schemas.openxmlformats.org/markup-compatibility/2006" xmlns:hp="http://schemas.haansoft.com/office/presentation/8.0" lang="ko-KR" altLang="en-US" sz="700" b="0" i="0" u="none" kern="1200" baseline="0" mc:Ignorable="hp" hp:hslEmbossed="0">
+                <a:solidFill>
+                  <a:srgbClr val="000000"/>
+                </a:solidFill>
+                <a:latin typeface="맑은 고딕"/>
+                <a:ea typeface="맑은 고딕"/>
+                <a:cs typeface="맑은 고딕"/>
+              </a:rPr>
+              <a:t>        }</a:t>
+            </a:r>
+            <a:endParaRPr xmlns:mc="http://schemas.openxmlformats.org/markup-compatibility/2006" xmlns:hp="http://schemas.haansoft.com/office/presentation/8.0" lang="ko-KR" altLang="en-US" sz="700" b="0" i="0" u="none" kern="1200" baseline="0" mc:Ignorable="hp" hp:hslEmbossed="0">
+              <a:solidFill>
+                <a:srgbClr val="000000"/>
+              </a:solidFill>
+              <a:latin typeface="맑은 고딕"/>
+              <a:ea typeface="맑은 고딕"/>
+              <a:cs typeface="맑은 고딕"/>
+            </a:endParaRPr>
+          </a:p>
+          <a:p>
+            <a:pPr>
+              <a:defRPr lang="ko-KR" altLang="en-US"/>
+            </a:pPr>
+            <a:endParaRPr xmlns:mc="http://schemas.openxmlformats.org/markup-compatibility/2006" xmlns:hp="http://schemas.haansoft.com/office/presentation/8.0" lang="ko-KR" altLang="en-US" sz="700" b="0" i="0" u="none" kern="1200" baseline="0" mc:Ignorable="hp" hp:hslEmbossed="0">
+              <a:solidFill>
+                <a:srgbClr val="000000"/>
+              </a:solidFill>
+              <a:latin typeface="맑은 고딕"/>
+              <a:ea typeface="맑은 고딕"/>
+              <a:cs typeface="맑은 고딕"/>
+            </a:endParaRPr>
+          </a:p>
+          <a:p>
+            <a:pPr>
+              <a:defRPr lang="ko-KR" altLang="en-US"/>
+            </a:pPr>
+            <a:r>
+              <a:rPr xmlns:mc="http://schemas.openxmlformats.org/markup-compatibility/2006" xmlns:hp="http://schemas.haansoft.com/office/presentation/8.0" lang="ko-KR" altLang="en-US" sz="700" b="0" i="0" u="none" kern="1200" baseline="0" mc:Ignorable="hp" hp:hslEmbossed="0">
+                <a:solidFill>
+                  <a:srgbClr val="000000"/>
+                </a:solidFill>
+                <a:latin typeface="맑은 고딕"/>
+                <a:ea typeface="맑은 고딕"/>
+                <a:cs typeface="맑은 고딕"/>
+              </a:rPr>
+              <a:t>        </a:t>
+            </a:r>
+            <a:endParaRPr xmlns:mc="http://schemas.openxmlformats.org/markup-compatibility/2006" xmlns:hp="http://schemas.haansoft.com/office/presentation/8.0" lang="ko-KR" altLang="en-US" sz="700" b="0" i="0" u="none" kern="1200" baseline="0" mc:Ignorable="hp" hp:hslEmbossed="0">
+              <a:solidFill>
+                <a:srgbClr val="000000"/>
+              </a:solidFill>
+              <a:latin typeface="맑은 고딕"/>
+              <a:ea typeface="맑은 고딕"/>
+              <a:cs typeface="맑은 고딕"/>
+            </a:endParaRPr>
+          </a:p>
+          <a:p>
+            <a:pPr>
+              <a:defRPr lang="ko-KR" altLang="en-US"/>
+            </a:pPr>
+            <a:endParaRPr xmlns:mc="http://schemas.openxmlformats.org/markup-compatibility/2006" xmlns:hp="http://schemas.haansoft.com/office/presentation/8.0" lang="ko-KR" altLang="en-US" sz="700" b="0" i="0" u="none" kern="1200" baseline="0" mc:Ignorable="hp" hp:hslEmbossed="0">
+              <a:solidFill>
+                <a:srgbClr val="000000"/>
+              </a:solidFill>
+              <a:latin typeface="맑은 고딕"/>
+              <a:ea typeface="맑은 고딕"/>
+              <a:cs typeface="맑은 고딕"/>
+            </a:endParaRPr>
+          </a:p>
+          <a:p>
+            <a:pPr>
+              <a:defRPr lang="ko-KR" altLang="en-US"/>
+            </a:pPr>
+            <a:r>
+              <a:rPr xmlns:mc="http://schemas.openxmlformats.org/markup-compatibility/2006" xmlns:hp="http://schemas.haansoft.com/office/presentation/8.0" lang="ko-KR" altLang="en-US" sz="700" b="0" i="0" u="none" kern="1200" baseline="0" mc:Ignorable="hp" hp:hslEmbossed="0">
+                <a:solidFill>
+                  <a:srgbClr val="000000"/>
+                </a:solidFill>
+                <a:latin typeface="맑은 고딕"/>
+                <a:ea typeface="맑은 고딕"/>
+                <a:cs typeface="맑은 고딕"/>
+              </a:rPr>
+              <a:t>        </a:t>
+            </a:r>
+            <a:endParaRPr xmlns:mc="http://schemas.openxmlformats.org/markup-compatibility/2006" xmlns:hp="http://schemas.haansoft.com/office/presentation/8.0" lang="ko-KR" altLang="en-US" sz="700" b="0" i="0" u="none" kern="1200" baseline="0" mc:Ignorable="hp" hp:hslEmbossed="0">
+              <a:solidFill>
+                <a:srgbClr val="000000"/>
+              </a:solidFill>
+              <a:latin typeface="맑은 고딕"/>
+              <a:ea typeface="맑은 고딕"/>
+              <a:cs typeface="맑은 고딕"/>
+            </a:endParaRPr>
+          </a:p>
+          <a:p>
+            <a:pPr>
+              <a:defRPr lang="ko-KR" altLang="en-US"/>
+            </a:pPr>
+            <a:r>
+              <a:rPr xmlns:mc="http://schemas.openxmlformats.org/markup-compatibility/2006" xmlns:hp="http://schemas.haansoft.com/office/presentation/8.0" lang="ko-KR" altLang="en-US" sz="700" b="0" i="0" u="none" kern="1200" baseline="0" mc:Ignorable="hp" hp:hslEmbossed="0">
+                <a:solidFill>
+                  <a:srgbClr val="000000"/>
+                </a:solidFill>
+                <a:latin typeface="맑은 고딕"/>
+                <a:ea typeface="맑은 고딕"/>
+                <a:cs typeface="맑은 고딕"/>
+              </a:rPr>
+              <a:t>        private void UpdateLabel(string s, bool b)</a:t>
+            </a:r>
+            <a:endParaRPr xmlns:mc="http://schemas.openxmlformats.org/markup-compatibility/2006" xmlns:hp="http://schemas.haansoft.com/office/presentation/8.0" lang="ko-KR" altLang="en-US" sz="700" b="0" i="0" u="none" kern="1200" baseline="0" mc:Ignorable="hp" hp:hslEmbossed="0">
+              <a:solidFill>
+                <a:srgbClr val="000000"/>
+              </a:solidFill>
+              <a:latin typeface="맑은 고딕"/>
+              <a:ea typeface="맑은 고딕"/>
+              <a:cs typeface="맑은 고딕"/>
+            </a:endParaRPr>
+          </a:p>
+          <a:p>
+            <a:pPr>
+              <a:defRPr lang="ko-KR" altLang="en-US"/>
+            </a:pPr>
+            <a:r>
+              <a:rPr xmlns:mc="http://schemas.openxmlformats.org/markup-compatibility/2006" xmlns:hp="http://schemas.haansoft.com/office/presentation/8.0" lang="ko-KR" altLang="en-US" sz="700" b="0" i="0" u="none" kern="1200" baseline="0" mc:Ignorable="hp" hp:hslEmbossed="0">
+                <a:solidFill>
+                  <a:srgbClr val="000000"/>
+                </a:solidFill>
+                <a:latin typeface="맑은 고딕"/>
+                <a:ea typeface="맑은 고딕"/>
+                <a:cs typeface="맑은 고딕"/>
+              </a:rPr>
+              <a:t>        {</a:t>
+            </a:r>
+            <a:endParaRPr xmlns:mc="http://schemas.openxmlformats.org/markup-compatibility/2006" xmlns:hp="http://schemas.haansoft.com/office/presentation/8.0" lang="ko-KR" altLang="en-US" sz="700" b="0" i="0" u="none" kern="1200" baseline="0" mc:Ignorable="hp" hp:hslEmbossed="0">
+              <a:solidFill>
+                <a:srgbClr val="000000"/>
+              </a:solidFill>
+              <a:latin typeface="맑은 고딕"/>
+              <a:ea typeface="맑은 고딕"/>
+              <a:cs typeface="맑은 고딕"/>
+            </a:endParaRPr>
+          </a:p>
+          <a:p>
+            <a:pPr>
+              <a:defRPr lang="ko-KR" altLang="en-US"/>
+            </a:pPr>
+            <a:r>
+              <a:rPr xmlns:mc="http://schemas.openxmlformats.org/markup-compatibility/2006" xmlns:hp="http://schemas.haansoft.com/office/presentation/8.0" lang="ko-KR" altLang="en-US" sz="700" b="0" i="0" u="none" kern="1200" baseline="0" mc:Ignorable="hp" hp:hslEmbossed="0">
+                <a:solidFill>
+                  <a:srgbClr val="000000"/>
+                </a:solidFill>
+                <a:latin typeface="맑은 고딕"/>
+                <a:ea typeface="맑은 고딕"/>
+                <a:cs typeface="맑은 고딕"/>
+              </a:rPr>
+              <a:t>            if (b)</a:t>
+            </a:r>
+            <a:endParaRPr xmlns:mc="http://schemas.openxmlformats.org/markup-compatibility/2006" xmlns:hp="http://schemas.haansoft.com/office/presentation/8.0" lang="ko-KR" altLang="en-US" sz="700" b="0" i="0" u="none" kern="1200" baseline="0" mc:Ignorable="hp" hp:hslEmbossed="0">
+              <a:solidFill>
+                <a:srgbClr val="000000"/>
+              </a:solidFill>
+              <a:latin typeface="맑은 고딕"/>
+              <a:ea typeface="맑은 고딕"/>
+              <a:cs typeface="맑은 고딕"/>
+            </a:endParaRPr>
+          </a:p>
+          <a:p>
+            <a:pPr>
+              <a:defRPr lang="ko-KR" altLang="en-US"/>
+            </a:pPr>
+            <a:r>
+              <a:rPr xmlns:mc="http://schemas.openxmlformats.org/markup-compatibility/2006" xmlns:hp="http://schemas.haansoft.com/office/presentation/8.0" lang="ko-KR" altLang="en-US" sz="700" b="0" i="0" u="none" kern="1200" baseline="0" mc:Ignorable="hp" hp:hslEmbossed="0">
+                <a:solidFill>
+                  <a:srgbClr val="000000"/>
+                </a:solidFill>
+                <a:latin typeface="맑은 고딕"/>
+                <a:ea typeface="맑은 고딕"/>
+                <a:cs typeface="맑은 고딕"/>
+              </a:rPr>
+              <a:t>            {</a:t>
+            </a:r>
+            <a:endParaRPr xmlns:mc="http://schemas.openxmlformats.org/markup-compatibility/2006" xmlns:hp="http://schemas.haansoft.com/office/presentation/8.0" lang="ko-KR" altLang="en-US" sz="700" b="0" i="0" u="none" kern="1200" baseline="0" mc:Ignorable="hp" hp:hslEmbossed="0">
+              <a:solidFill>
+                <a:srgbClr val="000000"/>
+              </a:solidFill>
+              <a:latin typeface="맑은 고딕"/>
+              <a:ea typeface="맑은 고딕"/>
+              <a:cs typeface="맑은 고딕"/>
+            </a:endParaRPr>
+          </a:p>
+          <a:p>
+            <a:pPr>
+              <a:defRPr lang="ko-KR" altLang="en-US"/>
+            </a:pPr>
+            <a:r>
+              <a:rPr xmlns:mc="http://schemas.openxmlformats.org/markup-compatibility/2006" xmlns:hp="http://schemas.haansoft.com/office/presentation/8.0" lang="ko-KR" altLang="en-US" sz="700" b="0" i="0" u="none" kern="1200" baseline="0" mc:Ignorable="hp" hp:hslEmbossed="0">
+                <a:solidFill>
+                  <a:srgbClr val="000000"/>
+                </a:solidFill>
+                <a:latin typeface="맑은 고딕"/>
+                <a:ea typeface="맑은 고딕"/>
+                <a:cs typeface="맑은 고딕"/>
+              </a:rPr>
+              <a:t>                label1.Text += s; // label1의 Text 프로퍼티에 문자열 추가</a:t>
+            </a:r>
+            <a:endParaRPr xmlns:mc="http://schemas.openxmlformats.org/markup-compatibility/2006" xmlns:hp="http://schemas.haansoft.com/office/presentation/8.0" lang="ko-KR" altLang="en-US" sz="700" b="0" i="0" u="none" kern="1200" baseline="0" mc:Ignorable="hp" hp:hslEmbossed="0">
+              <a:solidFill>
+                <a:srgbClr val="000000"/>
+              </a:solidFill>
+              <a:latin typeface="맑은 고딕"/>
+              <a:ea typeface="맑은 고딕"/>
+              <a:cs typeface="맑은 고딕"/>
+            </a:endParaRPr>
+          </a:p>
+          <a:p>
+            <a:pPr>
+              <a:defRPr lang="ko-KR" altLang="en-US"/>
+            </a:pPr>
+            <a:r>
+              <a:rPr xmlns:mc="http://schemas.openxmlformats.org/markup-compatibility/2006" xmlns:hp="http://schemas.haansoft.com/office/presentation/8.0" lang="ko-KR" altLang="en-US" sz="700" b="0" i="0" u="none" kern="1200" baseline="0" mc:Ignorable="hp" hp:hslEmbossed="0">
+                <a:solidFill>
+                  <a:srgbClr val="000000"/>
+                </a:solidFill>
+                <a:latin typeface="맑은 고딕"/>
+                <a:ea typeface="맑은 고딕"/>
+                <a:cs typeface="맑은 고딕"/>
+              </a:rPr>
+              <a:t>            }</a:t>
+            </a:r>
+            <a:endParaRPr xmlns:mc="http://schemas.openxmlformats.org/markup-compatibility/2006" xmlns:hp="http://schemas.haansoft.com/office/presentation/8.0" lang="ko-KR" altLang="en-US" sz="700" b="0" i="0" u="none" kern="1200" baseline="0" mc:Ignorable="hp" hp:hslEmbossed="0">
+              <a:solidFill>
+                <a:srgbClr val="000000"/>
+              </a:solidFill>
+              <a:latin typeface="맑은 고딕"/>
+              <a:ea typeface="맑은 고딕"/>
+              <a:cs typeface="맑은 고딕"/>
+            </a:endParaRPr>
+          </a:p>
+          <a:p>
+            <a:pPr>
+              <a:defRPr lang="ko-KR" altLang="en-US"/>
+            </a:pPr>
+            <a:r>
+              <a:rPr xmlns:mc="http://schemas.openxmlformats.org/markup-compatibility/2006" xmlns:hp="http://schemas.haansoft.com/office/presentation/8.0" lang="ko-KR" altLang="en-US" sz="700" b="0" i="0" u="none" kern="1200" baseline="0" mc:Ignorable="hp" hp:hslEmbossed="0">
+                <a:solidFill>
+                  <a:srgbClr val="000000"/>
+                </a:solidFill>
+                <a:latin typeface="맑은 고딕"/>
+                <a:ea typeface="맑은 고딕"/>
+                <a:cs typeface="맑은 고딕"/>
+              </a:rPr>
+              <a:t>            else</a:t>
+            </a:r>
+            <a:endParaRPr xmlns:mc="http://schemas.openxmlformats.org/markup-compatibility/2006" xmlns:hp="http://schemas.haansoft.com/office/presentation/8.0" lang="ko-KR" altLang="en-US" sz="700" b="0" i="0" u="none" kern="1200" baseline="0" mc:Ignorable="hp" hp:hslEmbossed="0">
+              <a:solidFill>
+                <a:srgbClr val="000000"/>
+              </a:solidFill>
+              <a:latin typeface="맑은 고딕"/>
+              <a:ea typeface="맑은 고딕"/>
+              <a:cs typeface="맑은 고딕"/>
+            </a:endParaRPr>
+          </a:p>
+          <a:p>
+            <a:pPr>
+              <a:defRPr lang="ko-KR" altLang="en-US"/>
+            </a:pPr>
+            <a:r>
+              <a:rPr xmlns:mc="http://schemas.openxmlformats.org/markup-compatibility/2006" xmlns:hp="http://schemas.haansoft.com/office/presentation/8.0" lang="ko-KR" altLang="en-US" sz="700" b="0" i="0" u="none" kern="1200" baseline="0" mc:Ignorable="hp" hp:hslEmbossed="0">
+                <a:solidFill>
+                  <a:srgbClr val="000000"/>
+                </a:solidFill>
+                <a:latin typeface="맑은 고딕"/>
+                <a:ea typeface="맑은 고딕"/>
+                <a:cs typeface="맑은 고딕"/>
+              </a:rPr>
+              <a:t>            {</a:t>
+            </a:r>
+            <a:endParaRPr xmlns:mc="http://schemas.openxmlformats.org/markup-compatibility/2006" xmlns:hp="http://schemas.haansoft.com/office/presentation/8.0" lang="ko-KR" altLang="en-US" sz="700" b="0" i="0" u="none" kern="1200" baseline="0" mc:Ignorable="hp" hp:hslEmbossed="0">
+              <a:solidFill>
+                <a:srgbClr val="000000"/>
+              </a:solidFill>
+              <a:latin typeface="맑은 고딕"/>
+              <a:ea typeface="맑은 고딕"/>
+              <a:cs typeface="맑은 고딕"/>
+            </a:endParaRPr>
+          </a:p>
+          <a:p>
+            <a:pPr>
+              <a:defRPr lang="ko-KR" altLang="en-US"/>
+            </a:pPr>
+            <a:r>
+              <a:rPr xmlns:mc="http://schemas.openxmlformats.org/markup-compatibility/2006" xmlns:hp="http://schemas.haansoft.com/office/presentation/8.0" lang="ko-KR" altLang="en-US" sz="700" b="0" i="0" u="none" kern="1200" baseline="0" mc:Ignorable="hp" hp:hslEmbossed="0">
+                <a:solidFill>
+                  <a:srgbClr val="000000"/>
+                </a:solidFill>
+                <a:latin typeface="맑은 고딕"/>
+                <a:ea typeface="맑은 고딕"/>
+                <a:cs typeface="맑은 고딕"/>
+              </a:rPr>
+              <a:t>                string strTemp = label1.Text;</a:t>
+            </a:r>
+            <a:endParaRPr xmlns:mc="http://schemas.openxmlformats.org/markup-compatibility/2006" xmlns:hp="http://schemas.haansoft.com/office/presentation/8.0" lang="ko-KR" altLang="en-US" sz="700" b="0" i="0" u="none" kern="1200" baseline="0" mc:Ignorable="hp" hp:hslEmbossed="0">
+              <a:solidFill>
+                <a:srgbClr val="000000"/>
+              </a:solidFill>
+              <a:latin typeface="맑은 고딕"/>
+              <a:ea typeface="맑은 고딕"/>
+              <a:cs typeface="맑은 고딕"/>
+            </a:endParaRPr>
+          </a:p>
+          <a:p>
+            <a:pPr>
+              <a:defRPr lang="ko-KR" altLang="en-US"/>
+            </a:pPr>
+            <a:r>
+              <a:rPr xmlns:mc="http://schemas.openxmlformats.org/markup-compatibility/2006" xmlns:hp="http://schemas.haansoft.com/office/presentation/8.0" lang="ko-KR" altLang="en-US" sz="700" b="0" i="0" u="none" kern="1200" baseline="0" mc:Ignorable="hp" hp:hslEmbossed="0">
+                <a:solidFill>
+                  <a:srgbClr val="000000"/>
+                </a:solidFill>
+                <a:latin typeface="맑은 고딕"/>
+                <a:ea typeface="맑은 고딕"/>
+                <a:cs typeface="맑은 고딕"/>
+              </a:rPr>
+              <a:t>                int i = strTemp.IndexOf(s);</a:t>
+            </a:r>
+            <a:endParaRPr xmlns:mc="http://schemas.openxmlformats.org/markup-compatibility/2006" xmlns:hp="http://schemas.haansoft.com/office/presentation/8.0" lang="ko-KR" altLang="en-US" sz="700" b="0" i="0" u="none" kern="1200" baseline="0" mc:Ignorable="hp" hp:hslEmbossed="0">
+              <a:solidFill>
+                <a:srgbClr val="000000"/>
+              </a:solidFill>
+              <a:latin typeface="맑은 고딕"/>
+              <a:ea typeface="맑은 고딕"/>
+              <a:cs typeface="맑은 고딕"/>
+            </a:endParaRPr>
+          </a:p>
+          <a:p>
+            <a:pPr>
+              <a:defRPr lang="ko-KR" altLang="en-US"/>
+            </a:pPr>
+            <a:r>
+              <a:rPr xmlns:mc="http://schemas.openxmlformats.org/markup-compatibility/2006" xmlns:hp="http://schemas.haansoft.com/office/presentation/8.0" lang="ko-KR" altLang="en-US" sz="700" b="0" i="0" u="none" kern="1200" baseline="0" mc:Ignorable="hp" hp:hslEmbossed="0">
+                <a:solidFill>
+                  <a:srgbClr val="000000"/>
+                </a:solidFill>
+                <a:latin typeface="맑은 고딕"/>
+                <a:ea typeface="맑은 고딕"/>
+                <a:cs typeface="맑은 고딕"/>
+              </a:rPr>
+              <a:t>                label1.Text = strTemp.Remove(i, s.Length);</a:t>
+            </a:r>
+            <a:endParaRPr xmlns:mc="http://schemas.openxmlformats.org/markup-compatibility/2006" xmlns:hp="http://schemas.haansoft.com/office/presentation/8.0" lang="ko-KR" altLang="en-US" sz="700" b="0" i="0" u="none" kern="1200" baseline="0" mc:Ignorable="hp" hp:hslEmbossed="0">
+              <a:solidFill>
+                <a:srgbClr val="000000"/>
+              </a:solidFill>
+              <a:latin typeface="맑은 고딕"/>
+              <a:ea typeface="맑은 고딕"/>
+              <a:cs typeface="맑은 고딕"/>
+            </a:endParaRPr>
+          </a:p>
+          <a:p>
+            <a:pPr>
+              <a:defRPr lang="ko-KR" altLang="en-US"/>
+            </a:pPr>
+            <a:r>
+              <a:rPr xmlns:mc="http://schemas.openxmlformats.org/markup-compatibility/2006" xmlns:hp="http://schemas.haansoft.com/office/presentation/8.0" lang="ko-KR" altLang="en-US" sz="700" b="0" i="0" u="none" kern="1200" baseline="0" mc:Ignorable="hp" hp:hslEmbossed="0">
+                <a:solidFill>
+                  <a:srgbClr val="000000"/>
+                </a:solidFill>
+                <a:latin typeface="맑은 고딕"/>
+                <a:ea typeface="맑은 고딕"/>
+                <a:cs typeface="맑은 고딕"/>
+              </a:rPr>
+              <a:t>            }</a:t>
+            </a:r>
+            <a:endParaRPr xmlns:mc="http://schemas.openxmlformats.org/markup-compatibility/2006" xmlns:hp="http://schemas.haansoft.com/office/presentation/8.0" lang="ko-KR" altLang="en-US" sz="700" b="0" i="0" u="none" kern="1200" baseline="0" mc:Ignorable="hp" hp:hslEmbossed="0">
+              <a:solidFill>
+                <a:srgbClr val="000000"/>
+              </a:solidFill>
+              <a:latin typeface="맑은 고딕"/>
+              <a:ea typeface="맑은 고딕"/>
+              <a:cs typeface="맑은 고딕"/>
+            </a:endParaRPr>
+          </a:p>
+          <a:p>
+            <a:pPr>
+              <a:defRPr lang="ko-KR" altLang="en-US"/>
+            </a:pPr>
+            <a:r>
+              <a:rPr xmlns:mc="http://schemas.openxmlformats.org/markup-compatibility/2006" xmlns:hp="http://schemas.haansoft.com/office/presentation/8.0" lang="ko-KR" altLang="en-US" sz="700" b="0" i="0" u="none" kern="1200" baseline="0" mc:Ignorable="hp" hp:hslEmbossed="0">
+                <a:solidFill>
+                  <a:srgbClr val="000000"/>
+                </a:solidFill>
+                <a:latin typeface="맑은 고딕"/>
+                <a:ea typeface="맑은 고딕"/>
+                <a:cs typeface="맑은 고딕"/>
+              </a:rPr>
+              <a:t>        }</a:t>
+            </a:r>
+            <a:endParaRPr xmlns:mc="http://schemas.openxmlformats.org/markup-compatibility/2006" xmlns:hp="http://schemas.haansoft.com/office/presentation/8.0" lang="ko-KR" altLang="en-US" sz="700" b="0" i="0" u="none" kern="1200" baseline="0" mc:Ignorable="hp" hp:hslEmbossed="0">
+              <a:solidFill>
+                <a:srgbClr val="000000"/>
+              </a:solidFill>
+              <a:latin typeface="맑은 고딕"/>
+              <a:ea typeface="맑은 고딕"/>
+              <a:cs typeface="맑은 고딕"/>
+            </a:endParaRPr>
+          </a:p>
+          <a:p>
+            <a:pPr>
+              <a:defRPr lang="ko-KR" altLang="en-US"/>
+            </a:pPr>
+            <a:endParaRPr xmlns:mc="http://schemas.openxmlformats.org/markup-compatibility/2006" xmlns:hp="http://schemas.haansoft.com/office/presentation/8.0" lang="ko-KR" altLang="en-US" sz="700" b="0" i="0" u="none" kern="1200" baseline="0" mc:Ignorable="hp" hp:hslEmbossed="0">
+              <a:solidFill>
+                <a:srgbClr val="000000"/>
+              </a:solidFill>
+              <a:latin typeface="맑은 고딕"/>
+              <a:ea typeface="맑은 고딕"/>
+              <a:cs typeface="맑은 고딕"/>
+            </a:endParaRPr>
+          </a:p>
+          <a:p>
+            <a:pPr>
+              <a:defRPr lang="ko-KR" altLang="en-US"/>
+            </a:pPr>
+            <a:r>
+              <a:rPr xmlns:mc="http://schemas.openxmlformats.org/markup-compatibility/2006" xmlns:hp="http://schemas.haansoft.com/office/presentation/8.0" lang="ko-KR" altLang="en-US" sz="700" b="0" i="0" u="none" kern="1200" baseline="0" mc:Ignorable="hp" hp:hslEmbossed="0">
+                <a:solidFill>
+                  <a:srgbClr val="000000"/>
+                </a:solidFill>
+                <a:latin typeface="맑은 고딕"/>
+                <a:ea typeface="맑은 고딕"/>
+                <a:cs typeface="맑은 고딕"/>
+              </a:rPr>
+              <a:t>        private void checkBox1_CheckedChanged(object sender, EventArgs e)</a:t>
+            </a:r>
+            <a:endParaRPr xmlns:mc="http://schemas.openxmlformats.org/markup-compatibility/2006" xmlns:hp="http://schemas.haansoft.com/office/presentation/8.0" lang="ko-KR" altLang="en-US" sz="700" b="0" i="0" u="none" kern="1200" baseline="0" mc:Ignorable="hp" hp:hslEmbossed="0">
+              <a:solidFill>
+                <a:srgbClr val="000000"/>
+              </a:solidFill>
+              <a:latin typeface="맑은 고딕"/>
+              <a:ea typeface="맑은 고딕"/>
+              <a:cs typeface="맑은 고딕"/>
+            </a:endParaRPr>
+          </a:p>
+          <a:p>
+            <a:pPr>
+              <a:defRPr lang="ko-KR" altLang="en-US"/>
+            </a:pPr>
+            <a:r>
+              <a:rPr xmlns:mc="http://schemas.openxmlformats.org/markup-compatibility/2006" xmlns:hp="http://schemas.haansoft.com/office/presentation/8.0" lang="ko-KR" altLang="en-US" sz="700" b="0" i="0" u="none" kern="1200" baseline="0" mc:Ignorable="hp" hp:hslEmbossed="0">
+                <a:solidFill>
+                  <a:srgbClr val="000000"/>
+                </a:solidFill>
+                <a:latin typeface="맑은 고딕"/>
+                <a:ea typeface="맑은 고딕"/>
+                <a:cs typeface="맑은 고딕"/>
+              </a:rPr>
+              <a:t>        {</a:t>
+            </a:r>
+            <a:endParaRPr xmlns:mc="http://schemas.openxmlformats.org/markup-compatibility/2006" xmlns:hp="http://schemas.haansoft.com/office/presentation/8.0" lang="ko-KR" altLang="en-US" sz="700" b="0" i="0" u="none" kern="1200" baseline="0" mc:Ignorable="hp" hp:hslEmbossed="0">
+              <a:solidFill>
+                <a:srgbClr val="000000"/>
+              </a:solidFill>
+              <a:latin typeface="맑은 고딕"/>
+              <a:ea typeface="맑은 고딕"/>
+              <a:cs typeface="맑은 고딕"/>
+            </a:endParaRPr>
+          </a:p>
+          <a:p>
+            <a:pPr>
+              <a:defRPr lang="ko-KR" altLang="en-US"/>
+            </a:pPr>
+            <a:r>
+              <a:rPr xmlns:mc="http://schemas.openxmlformats.org/markup-compatibility/2006" xmlns:hp="http://schemas.haansoft.com/office/presentation/8.0" lang="ko-KR" altLang="en-US" sz="700" b="0" i="0" u="none" kern="1200" baseline="0" mc:Ignorable="hp" hp:hslEmbossed="0">
+                <a:solidFill>
+                  <a:srgbClr val="000000"/>
+                </a:solidFill>
+                <a:latin typeface="맑은 고딕"/>
+                <a:ea typeface="맑은 고딕"/>
+                <a:cs typeface="맑은 고딕"/>
+              </a:rPr>
+              <a:t>            UpdateLabel(checkBox1.Text, checkBox1.Checked);</a:t>
+            </a:r>
+            <a:endParaRPr xmlns:mc="http://schemas.openxmlformats.org/markup-compatibility/2006" xmlns:hp="http://schemas.haansoft.com/office/presentation/8.0" lang="ko-KR" altLang="en-US" sz="700" b="0" i="0" u="none" kern="1200" baseline="0" mc:Ignorable="hp" hp:hslEmbossed="0">
+              <a:solidFill>
+                <a:srgbClr val="000000"/>
+              </a:solidFill>
+              <a:latin typeface="맑은 고딕"/>
+              <a:ea typeface="맑은 고딕"/>
+              <a:cs typeface="맑은 고딕"/>
+            </a:endParaRPr>
+          </a:p>
+          <a:p>
+            <a:pPr>
+              <a:defRPr lang="ko-KR" altLang="en-US"/>
+            </a:pPr>
+            <a:endParaRPr xmlns:mc="http://schemas.openxmlformats.org/markup-compatibility/2006" xmlns:hp="http://schemas.haansoft.com/office/presentation/8.0" lang="ko-KR" altLang="en-US" sz="700" b="0" i="0" u="none" kern="1200" baseline="0" mc:Ignorable="hp" hp:hslEmbossed="0">
+              <a:solidFill>
+                <a:srgbClr val="000000"/>
+              </a:solidFill>
+              <a:latin typeface="맑은 고딕"/>
+              <a:ea typeface="맑은 고딕"/>
+              <a:cs typeface="맑은 고딕"/>
+            </a:endParaRPr>
+          </a:p>
+          <a:p>
+            <a:pPr>
+              <a:defRPr lang="ko-KR" altLang="en-US"/>
+            </a:pPr>
+            <a:r>
+              <a:rPr xmlns:mc="http://schemas.openxmlformats.org/markup-compatibility/2006" xmlns:hp="http://schemas.haansoft.com/office/presentation/8.0" lang="ko-KR" altLang="en-US" sz="700" b="0" i="0" u="none" kern="1200" baseline="0" mc:Ignorable="hp" hp:hslEmbossed="0">
+                <a:solidFill>
+                  <a:srgbClr val="000000"/>
+                </a:solidFill>
+                <a:latin typeface="맑은 고딕"/>
+                <a:ea typeface="맑은 고딕"/>
+                <a:cs typeface="맑은 고딕"/>
+              </a:rPr>
+              <a:t>        }</a:t>
+            </a:r>
+            <a:endParaRPr xmlns:mc="http://schemas.openxmlformats.org/markup-compatibility/2006" xmlns:hp="http://schemas.haansoft.com/office/presentation/8.0" lang="ko-KR" altLang="en-US" sz="700" b="0" i="0" u="none" kern="1200" baseline="0" mc:Ignorable="hp" hp:hslEmbossed="0">
+              <a:solidFill>
+                <a:srgbClr val="000000"/>
+              </a:solidFill>
+              <a:latin typeface="맑은 고딕"/>
+              <a:ea typeface="맑은 고딕"/>
+              <a:cs typeface="맑은 고딕"/>
+            </a:endParaRPr>
+          </a:p>
+          <a:p>
+            <a:pPr>
+              <a:defRPr lang="ko-KR" altLang="en-US"/>
+            </a:pPr>
+            <a:endParaRPr xmlns:mc="http://schemas.openxmlformats.org/markup-compatibility/2006" xmlns:hp="http://schemas.haansoft.com/office/presentation/8.0" lang="ko-KR" altLang="en-US" sz="700" b="0" i="0" u="none" kern="1200" baseline="0" mc:Ignorable="hp" hp:hslEmbossed="0">
+              <a:solidFill>
+                <a:srgbClr val="000000"/>
+              </a:solidFill>
+              <a:latin typeface="맑은 고딕"/>
+              <a:ea typeface="맑은 고딕"/>
+              <a:cs typeface="맑은 고딕"/>
+            </a:endParaRPr>
+          </a:p>
+          <a:p>
+            <a:pPr>
+              <a:defRPr lang="ko-KR" altLang="en-US"/>
+            </a:pPr>
+            <a:r>
+              <a:rPr xmlns:mc="http://schemas.openxmlformats.org/markup-compatibility/2006" xmlns:hp="http://schemas.haansoft.com/office/presentation/8.0" lang="ko-KR" altLang="en-US" sz="700" b="0" i="0" u="none" kern="1200" baseline="0" mc:Ignorable="hp" hp:hslEmbossed="0">
+                <a:solidFill>
+                  <a:srgbClr val="000000"/>
+                </a:solidFill>
+                <a:latin typeface="맑은 고딕"/>
+                <a:ea typeface="맑은 고딕"/>
+                <a:cs typeface="맑은 고딕"/>
+              </a:rPr>
+              <a:t>        private void checkBox2_CheckedChanged(object sender, EventArgs e)</a:t>
+            </a:r>
+            <a:endParaRPr xmlns:mc="http://schemas.openxmlformats.org/markup-compatibility/2006" xmlns:hp="http://schemas.haansoft.com/office/presentation/8.0" lang="ko-KR" altLang="en-US" sz="700" b="0" i="0" u="none" kern="1200" baseline="0" mc:Ignorable="hp" hp:hslEmbossed="0">
+              <a:solidFill>
+                <a:srgbClr val="000000"/>
+              </a:solidFill>
+              <a:latin typeface="맑은 고딕"/>
+              <a:ea typeface="맑은 고딕"/>
+              <a:cs typeface="맑은 고딕"/>
+            </a:endParaRPr>
+          </a:p>
+          <a:p>
+            <a:pPr>
+              <a:defRPr lang="ko-KR" altLang="en-US"/>
+            </a:pPr>
+            <a:r>
+              <a:rPr xmlns:mc="http://schemas.openxmlformats.org/markup-compatibility/2006" xmlns:hp="http://schemas.haansoft.com/office/presentation/8.0" lang="ko-KR" altLang="en-US" sz="700" b="0" i="0" u="none" kern="1200" baseline="0" mc:Ignorable="hp" hp:hslEmbossed="0">
+                <a:solidFill>
+                  <a:srgbClr val="000000"/>
+                </a:solidFill>
+                <a:latin typeface="맑은 고딕"/>
+                <a:ea typeface="맑은 고딕"/>
+                <a:cs typeface="맑은 고딕"/>
+              </a:rPr>
+              <a:t>        {</a:t>
+            </a:r>
+            <a:endParaRPr xmlns:mc="http://schemas.openxmlformats.org/markup-compatibility/2006" xmlns:hp="http://schemas.haansoft.com/office/presentation/8.0" lang="ko-KR" altLang="en-US" sz="700" b="0" i="0" u="none" kern="1200" baseline="0" mc:Ignorable="hp" hp:hslEmbossed="0">
+              <a:solidFill>
+                <a:srgbClr val="000000"/>
+              </a:solidFill>
+              <a:latin typeface="맑은 고딕"/>
+              <a:ea typeface="맑은 고딕"/>
+              <a:cs typeface="맑은 고딕"/>
+            </a:endParaRPr>
+          </a:p>
+          <a:p>
+            <a:pPr>
+              <a:defRPr lang="ko-KR" altLang="en-US"/>
+            </a:pPr>
+            <a:r>
+              <a:rPr xmlns:mc="http://schemas.openxmlformats.org/markup-compatibility/2006" xmlns:hp="http://schemas.haansoft.com/office/presentation/8.0" lang="ko-KR" altLang="en-US" sz="700" b="0" i="0" u="none" kern="1200" baseline="0" mc:Ignorable="hp" hp:hslEmbossed="0">
+                <a:solidFill>
+                  <a:srgbClr val="000000"/>
+                </a:solidFill>
+                <a:latin typeface="맑은 고딕"/>
+                <a:ea typeface="맑은 고딕"/>
+                <a:cs typeface="맑은 고딕"/>
+              </a:rPr>
+              <a:t>            UpdateLabel(checkBox2.Text, checkBox2.Checked);</a:t>
+            </a:r>
+            <a:endParaRPr xmlns:mc="http://schemas.openxmlformats.org/markup-compatibility/2006" xmlns:hp="http://schemas.haansoft.com/office/presentation/8.0" lang="ko-KR" altLang="en-US" sz="700" b="0" i="0" u="none" kern="1200" baseline="0" mc:Ignorable="hp" hp:hslEmbossed="0">
+              <a:solidFill>
+                <a:srgbClr val="000000"/>
+              </a:solidFill>
+              <a:latin typeface="맑은 고딕"/>
+              <a:ea typeface="맑은 고딕"/>
+              <a:cs typeface="맑은 고딕"/>
+            </a:endParaRPr>
+          </a:p>
+          <a:p>
+            <a:pPr>
+              <a:defRPr lang="ko-KR" altLang="en-US"/>
+            </a:pPr>
+            <a:endParaRPr xmlns:mc="http://schemas.openxmlformats.org/markup-compatibility/2006" xmlns:hp="http://schemas.haansoft.com/office/presentation/8.0" lang="ko-KR" altLang="en-US" sz="700" b="0" i="0" u="none" kern="1200" baseline="0" mc:Ignorable="hp" hp:hslEmbossed="0">
+              <a:solidFill>
+                <a:srgbClr val="000000"/>
+              </a:solidFill>
+              <a:latin typeface="맑은 고딕"/>
+              <a:ea typeface="맑은 고딕"/>
+              <a:cs typeface="맑은 고딕"/>
+            </a:endParaRPr>
+          </a:p>
+          <a:p>
+            <a:pPr>
+              <a:defRPr lang="ko-KR" altLang="en-US"/>
+            </a:pPr>
+            <a:r>
+              <a:rPr xmlns:mc="http://schemas.openxmlformats.org/markup-compatibility/2006" xmlns:hp="http://schemas.haansoft.com/office/presentation/8.0" lang="ko-KR" altLang="en-US" sz="700" b="0" i="0" u="none" kern="1200" baseline="0" mc:Ignorable="hp" hp:hslEmbossed="0">
+                <a:solidFill>
+                  <a:srgbClr val="000000"/>
+                </a:solidFill>
+                <a:latin typeface="맑은 고딕"/>
+                <a:ea typeface="맑은 고딕"/>
+                <a:cs typeface="맑은 고딕"/>
+              </a:rPr>
+              <a:t>        }</a:t>
+            </a:r>
+            <a:endParaRPr xmlns:mc="http://schemas.openxmlformats.org/markup-compatibility/2006" xmlns:hp="http://schemas.haansoft.com/office/presentation/8.0" lang="ko-KR" altLang="en-US" sz="700" b="0" i="0" u="none" kern="1200" baseline="0" mc:Ignorable="hp" hp:hslEmbossed="0">
+              <a:solidFill>
+                <a:srgbClr val="000000"/>
+              </a:solidFill>
+              <a:latin typeface="맑은 고딕"/>
+              <a:ea typeface="맑은 고딕"/>
+              <a:cs typeface="맑은 고딕"/>
+            </a:endParaRPr>
+          </a:p>
+          <a:p>
+            <a:pPr>
+              <a:defRPr lang="ko-KR" altLang="en-US"/>
+            </a:pPr>
+            <a:endParaRPr xmlns:mc="http://schemas.openxmlformats.org/markup-compatibility/2006" xmlns:hp="http://schemas.haansoft.com/office/presentation/8.0" lang="ko-KR" altLang="en-US" sz="700" b="0" i="0" u="none" kern="1200" baseline="0" mc:Ignorable="hp" hp:hslEmbossed="0">
+              <a:solidFill>
+                <a:srgbClr val="000000"/>
+              </a:solidFill>
+              <a:latin typeface="맑은 고딕"/>
+              <a:ea typeface="맑은 고딕"/>
+              <a:cs typeface="맑은 고딕"/>
+            </a:endParaRPr>
+          </a:p>
+          <a:p>
+            <a:pPr>
+              <a:defRPr lang="ko-KR" altLang="en-US"/>
+            </a:pPr>
+            <a:r>
+              <a:rPr xmlns:mc="http://schemas.openxmlformats.org/markup-compatibility/2006" xmlns:hp="http://schemas.haansoft.com/office/presentation/8.0" lang="ko-KR" altLang="en-US" sz="700" b="0" i="0" u="none" kern="1200" baseline="0" mc:Ignorable="hp" hp:hslEmbossed="0">
+                <a:solidFill>
+                  <a:srgbClr val="000000"/>
+                </a:solidFill>
+                <a:latin typeface="맑은 고딕"/>
+                <a:ea typeface="맑은 고딕"/>
+                <a:cs typeface="맑은 고딕"/>
+              </a:rPr>
+              <a:t>        private void checkBox3_CheckedChanged(object sender, EventArgs e)</a:t>
+            </a:r>
+            <a:endParaRPr xmlns:mc="http://schemas.openxmlformats.org/markup-compatibility/2006" xmlns:hp="http://schemas.haansoft.com/office/presentation/8.0" lang="ko-KR" altLang="en-US" sz="700" b="0" i="0" u="none" kern="1200" baseline="0" mc:Ignorable="hp" hp:hslEmbossed="0">
+              <a:solidFill>
+                <a:srgbClr val="000000"/>
+              </a:solidFill>
+              <a:latin typeface="맑은 고딕"/>
+              <a:ea typeface="맑은 고딕"/>
+              <a:cs typeface="맑은 고딕"/>
+            </a:endParaRPr>
+          </a:p>
+          <a:p>
+            <a:pPr>
+              <a:defRPr lang="ko-KR" altLang="en-US"/>
+            </a:pPr>
+            <a:r>
+              <a:rPr xmlns:mc="http://schemas.openxmlformats.org/markup-compatibility/2006" xmlns:hp="http://schemas.haansoft.com/office/presentation/8.0" lang="ko-KR" altLang="en-US" sz="700" b="0" i="0" u="none" kern="1200" baseline="0" mc:Ignorable="hp" hp:hslEmbossed="0">
+                <a:solidFill>
+                  <a:srgbClr val="000000"/>
+                </a:solidFill>
+                <a:latin typeface="맑은 고딕"/>
+                <a:ea typeface="맑은 고딕"/>
+                <a:cs typeface="맑은 고딕"/>
+              </a:rPr>
+              <a:t>        {</a:t>
+            </a:r>
+            <a:endParaRPr xmlns:mc="http://schemas.openxmlformats.org/markup-compatibility/2006" xmlns:hp="http://schemas.haansoft.com/office/presentation/8.0" lang="ko-KR" altLang="en-US" sz="700" b="0" i="0" u="none" kern="1200" baseline="0" mc:Ignorable="hp" hp:hslEmbossed="0">
+              <a:solidFill>
+                <a:srgbClr val="000000"/>
+              </a:solidFill>
+              <a:latin typeface="맑은 고딕"/>
+              <a:ea typeface="맑은 고딕"/>
+              <a:cs typeface="맑은 고딕"/>
+            </a:endParaRPr>
+          </a:p>
+          <a:p>
+            <a:pPr>
+              <a:defRPr lang="ko-KR" altLang="en-US"/>
+            </a:pPr>
+            <a:r>
+              <a:rPr xmlns:mc="http://schemas.openxmlformats.org/markup-compatibility/2006" xmlns:hp="http://schemas.haansoft.com/office/presentation/8.0" lang="ko-KR" altLang="en-US" sz="700" b="0" i="0" u="none" kern="1200" baseline="0" mc:Ignorable="hp" hp:hslEmbossed="0">
+                <a:solidFill>
+                  <a:srgbClr val="000000"/>
+                </a:solidFill>
+                <a:latin typeface="맑은 고딕"/>
+                <a:ea typeface="맑은 고딕"/>
+                <a:cs typeface="맑은 고딕"/>
+              </a:rPr>
+              <a:t>            UpdateLabel(checkBox3.Text, checkBox3.Checked);</a:t>
+            </a:r>
+            <a:endParaRPr xmlns:mc="http://schemas.openxmlformats.org/markup-compatibility/2006" xmlns:hp="http://schemas.haansoft.com/office/presentation/8.0" lang="ko-KR" altLang="en-US" sz="700" b="0" i="0" u="none" kern="1200" baseline="0" mc:Ignorable="hp" hp:hslEmbossed="0">
+              <a:solidFill>
+                <a:srgbClr val="000000"/>
+              </a:solidFill>
+              <a:latin typeface="맑은 고딕"/>
+              <a:ea typeface="맑은 고딕"/>
+              <a:cs typeface="맑은 고딕"/>
+            </a:endParaRPr>
+          </a:p>
+          <a:p>
+            <a:pPr>
+              <a:defRPr lang="ko-KR" altLang="en-US"/>
+            </a:pPr>
+            <a:r>
+              <a:rPr xmlns:mc="http://schemas.openxmlformats.org/markup-compatibility/2006" xmlns:hp="http://schemas.haansoft.com/office/presentation/8.0" lang="ko-KR" altLang="en-US" sz="700" b="0" i="0" u="none" kern="1200" baseline="0" mc:Ignorable="hp" hp:hslEmbossed="0">
+                <a:solidFill>
+                  <a:srgbClr val="000000"/>
+                </a:solidFill>
+                <a:latin typeface="맑은 고딕"/>
+                <a:ea typeface="맑은 고딕"/>
+                <a:cs typeface="맑은 고딕"/>
+              </a:rPr>
+              <a:t>        }</a:t>
+            </a:r>
+            <a:endParaRPr xmlns:mc="http://schemas.openxmlformats.org/markup-compatibility/2006" xmlns:hp="http://schemas.haansoft.com/office/presentation/8.0" lang="ko-KR" altLang="en-US" sz="700" b="0" i="0" u="none" kern="1200" baseline="0" mc:Ignorable="hp" hp:hslEmbossed="0">
+              <a:solidFill>
+                <a:srgbClr val="000000"/>
+              </a:solidFill>
+              <a:latin typeface="맑은 고딕"/>
+              <a:ea typeface="맑은 고딕"/>
+              <a:cs typeface="맑은 고딕"/>
+            </a:endParaRPr>
+          </a:p>
+          <a:p>
+            <a:pPr>
+              <a:defRPr lang="ko-KR" altLang="en-US"/>
+            </a:pPr>
+            <a:endParaRPr xmlns:mc="http://schemas.openxmlformats.org/markup-compatibility/2006" xmlns:hp="http://schemas.haansoft.com/office/presentation/8.0" lang="ko-KR" altLang="en-US" sz="700" b="0" i="0" u="none" kern="1200" baseline="0" mc:Ignorable="hp" hp:hslEmbossed="0">
+              <a:solidFill>
+                <a:srgbClr val="000000"/>
+              </a:solidFill>
+              <a:latin typeface="맑은 고딕"/>
+              <a:ea typeface="맑은 고딕"/>
+              <a:cs typeface="맑은 고딕"/>
+            </a:endParaRPr>
+          </a:p>
+          <a:p>
+            <a:pPr>
+              <a:defRPr lang="ko-KR" altLang="en-US"/>
+            </a:pPr>
+            <a:r>
+              <a:rPr xmlns:mc="http://schemas.openxmlformats.org/markup-compatibility/2006" xmlns:hp="http://schemas.haansoft.com/office/presentation/8.0" lang="ko-KR" altLang="en-US" sz="700" b="0" i="0" u="none" kern="1200" baseline="0" mc:Ignorable="hp" hp:hslEmbossed="0">
+                <a:solidFill>
+                  <a:srgbClr val="000000"/>
+                </a:solidFill>
+                <a:latin typeface="맑은 고딕"/>
+                <a:ea typeface="맑은 고딕"/>
+                <a:cs typeface="맑은 고딕"/>
+              </a:rPr>
+              <a:t>        private void checkBox4_CheckedChanged(object sender, EventArgs e)</a:t>
+            </a:r>
+            <a:endParaRPr xmlns:mc="http://schemas.openxmlformats.org/markup-compatibility/2006" xmlns:hp="http://schemas.haansoft.com/office/presentation/8.0" lang="ko-KR" altLang="en-US" sz="700" b="0" i="0" u="none" kern="1200" baseline="0" mc:Ignorable="hp" hp:hslEmbossed="0">
+              <a:solidFill>
+                <a:srgbClr val="000000"/>
+              </a:solidFill>
+              <a:latin typeface="맑은 고딕"/>
+              <a:ea typeface="맑은 고딕"/>
+              <a:cs typeface="맑은 고딕"/>
+            </a:endParaRPr>
+          </a:p>
+          <a:p>
+            <a:pPr>
+              <a:defRPr lang="ko-KR" altLang="en-US"/>
+            </a:pPr>
+            <a:r>
+              <a:rPr xmlns:mc="http://schemas.openxmlformats.org/markup-compatibility/2006" xmlns:hp="http://schemas.haansoft.com/office/presentation/8.0" lang="ko-KR" altLang="en-US" sz="700" b="0" i="0" u="none" kern="1200" baseline="0" mc:Ignorable="hp" hp:hslEmbossed="0">
+                <a:solidFill>
+                  <a:srgbClr val="000000"/>
+                </a:solidFill>
+                <a:latin typeface="맑은 고딕"/>
+                <a:ea typeface="맑은 고딕"/>
+                <a:cs typeface="맑은 고딕"/>
+              </a:rPr>
+              <a:t>        {</a:t>
+            </a:r>
+            <a:endParaRPr xmlns:mc="http://schemas.openxmlformats.org/markup-compatibility/2006" xmlns:hp="http://schemas.haansoft.com/office/presentation/8.0" lang="ko-KR" altLang="en-US" sz="700" b="0" i="0" u="none" kern="1200" baseline="0" mc:Ignorable="hp" hp:hslEmbossed="0">
+              <a:solidFill>
+                <a:srgbClr val="000000"/>
+              </a:solidFill>
+              <a:latin typeface="맑은 고딕"/>
+              <a:ea typeface="맑은 고딕"/>
+              <a:cs typeface="맑은 고딕"/>
+            </a:endParaRPr>
+          </a:p>
+          <a:p>
+            <a:pPr>
+              <a:defRPr lang="ko-KR" altLang="en-US"/>
+            </a:pPr>
+            <a:r>
+              <a:rPr xmlns:mc="http://schemas.openxmlformats.org/markup-compatibility/2006" xmlns:hp="http://schemas.haansoft.com/office/presentation/8.0" lang="ko-KR" altLang="en-US" sz="700" b="0" i="0" u="none" kern="1200" baseline="0" mc:Ignorable="hp" hp:hslEmbossed="0">
+                <a:solidFill>
+                  <a:srgbClr val="000000"/>
+                </a:solidFill>
+                <a:latin typeface="맑은 고딕"/>
+                <a:ea typeface="맑은 고딕"/>
+                <a:cs typeface="맑은 고딕"/>
+              </a:rPr>
+              <a:t>            UpdateLabel(checkBox4.Text, checkBox4.Checked);</a:t>
+            </a:r>
+            <a:endParaRPr xmlns:mc="http://schemas.openxmlformats.org/markup-compatibility/2006" xmlns:hp="http://schemas.haansoft.com/office/presentation/8.0" lang="ko-KR" altLang="en-US" sz="700" b="0" i="0" u="none" kern="1200" baseline="0" mc:Ignorable="hp" hp:hslEmbossed="0">
+              <a:solidFill>
+                <a:srgbClr val="000000"/>
+              </a:solidFill>
+              <a:latin typeface="맑은 고딕"/>
+              <a:ea typeface="맑은 고딕"/>
+              <a:cs typeface="맑은 고딕"/>
+            </a:endParaRPr>
+          </a:p>
+          <a:p>
+            <a:pPr>
+              <a:defRPr lang="ko-KR" altLang="en-US"/>
+            </a:pPr>
+            <a:r>
+              <a:rPr xmlns:mc="http://schemas.openxmlformats.org/markup-compatibility/2006" xmlns:hp="http://schemas.haansoft.com/office/presentation/8.0" lang="ko-KR" altLang="en-US" sz="700" b="0" i="0" u="none" kern="1200" baseline="0" mc:Ignorable="hp" hp:hslEmbossed="0">
+                <a:solidFill>
+                  <a:srgbClr val="000000"/>
+                </a:solidFill>
+                <a:latin typeface="맑은 고딕"/>
+                <a:ea typeface="맑은 고딕"/>
+                <a:cs typeface="맑은 고딕"/>
+              </a:rPr>
+              <a:t>        }</a:t>
+            </a:r>
+            <a:endParaRPr xmlns:mc="http://schemas.openxmlformats.org/markup-compatibility/2006" xmlns:hp="http://schemas.haansoft.com/office/presentation/8.0" lang="ko-KR" altLang="en-US" sz="700" b="0" i="0" u="none" kern="1200" baseline="0" mc:Ignorable="hp" hp:hslEmbossed="0">
+              <a:solidFill>
+                <a:srgbClr val="000000"/>
+              </a:solidFill>
+              <a:latin typeface="맑은 고딕"/>
+              <a:ea typeface="맑은 고딕"/>
+              <a:cs typeface="맑은 고딕"/>
+            </a:endParaRPr>
+          </a:p>
+          <a:p>
+            <a:pPr>
+              <a:defRPr lang="ko-KR" altLang="en-US"/>
+            </a:pPr>
+            <a:endParaRPr xmlns:mc="http://schemas.openxmlformats.org/markup-compatibility/2006" xmlns:hp="http://schemas.haansoft.com/office/presentation/8.0" lang="ko-KR" altLang="en-US" sz="700" b="0" i="0" u="none" kern="1200" baseline="0" mc:Ignorable="hp" hp:hslEmbossed="0">
+              <a:solidFill>
+                <a:srgbClr val="000000"/>
+              </a:solidFill>
+              <a:latin typeface="맑은 고딕"/>
+              <a:ea typeface="맑은 고딕"/>
+              <a:cs typeface="맑은 고딕"/>
+            </a:endParaRPr>
+          </a:p>
+          <a:p>
+            <a:pPr>
+              <a:defRPr lang="ko-KR" altLang="en-US"/>
+            </a:pPr>
+            <a:r>
+              <a:rPr xmlns:mc="http://schemas.openxmlformats.org/markup-compatibility/2006" xmlns:hp="http://schemas.haansoft.com/office/presentation/8.0" lang="ko-KR" altLang="en-US" sz="700" b="0" i="0" u="none" kern="1200" baseline="0" mc:Ignorable="hp" hp:hslEmbossed="0">
+                <a:solidFill>
+                  <a:srgbClr val="000000"/>
+                </a:solidFill>
+                <a:latin typeface="맑은 고딕"/>
+                <a:ea typeface="맑은 고딕"/>
+                <a:cs typeface="맑은 고딕"/>
+              </a:rPr>
+              <a:t>        </a:t>
+            </a:r>
+            <a:endParaRPr xmlns:mc="http://schemas.openxmlformats.org/markup-compatibility/2006" xmlns:hp="http://schemas.haansoft.com/office/presentation/8.0" lang="ko-KR" altLang="en-US" sz="700" b="0" i="0" u="none" kern="1200" baseline="0" mc:Ignorable="hp" hp:hslEmbossed="0">
+              <a:solidFill>
+                <a:srgbClr val="000000"/>
+              </a:solidFill>
+              <a:latin typeface="맑은 고딕"/>
+              <a:ea typeface="맑은 고딕"/>
+              <a:cs typeface="맑은 고딕"/>
+            </a:endParaRPr>
+          </a:p>
+          <a:p>
+            <a:pPr>
+              <a:defRPr lang="ko-KR" altLang="en-US"/>
+            </a:pPr>
+            <a:r>
+              <a:rPr xmlns:mc="http://schemas.openxmlformats.org/markup-compatibility/2006" xmlns:hp="http://schemas.haansoft.com/office/presentation/8.0" lang="ko-KR" altLang="en-US" sz="700" b="0" i="0" u="none" kern="1200" baseline="0" mc:Ignorable="hp" hp:hslEmbossed="0">
+                <a:solidFill>
+                  <a:srgbClr val="000000"/>
+                </a:solidFill>
+                <a:latin typeface="맑은 고딕"/>
+                <a:ea typeface="맑은 고딕"/>
+                <a:cs typeface="맑은 고딕"/>
+              </a:rPr>
+              <a:t>    }</a:t>
+            </a:r>
+            <a:endParaRPr xmlns:mc="http://schemas.openxmlformats.org/markup-compatibility/2006" xmlns:hp="http://schemas.haansoft.com/office/presentation/8.0" lang="ko-KR" altLang="en-US" sz="700" b="0" i="0" u="none" kern="1200" baseline="0" mc:Ignorable="hp" hp:hslEmbossed="0">
+              <a:solidFill>
+                <a:srgbClr val="000000"/>
+              </a:solidFill>
+              <a:latin typeface="맑은 고딕"/>
+              <a:ea typeface="맑은 고딕"/>
+              <a:cs typeface="맑은 고딕"/>
+            </a:endParaRPr>
+          </a:p>
+          <a:p>
+            <a:pPr>
+              <a:defRPr lang="ko-KR" altLang="en-US"/>
+            </a:pPr>
+            <a:r>
+              <a:rPr xmlns:mc="http://schemas.openxmlformats.org/markup-compatibility/2006" xmlns:hp="http://schemas.haansoft.com/office/presentation/8.0" lang="ko-KR" altLang="en-US" sz="700" b="0" i="0" u="none" kern="1200" baseline="0" mc:Ignorable="hp" hp:hslEmbossed="0">
+                <a:solidFill>
+                  <a:srgbClr val="000000"/>
+                </a:solidFill>
+                <a:latin typeface="맑은 고딕"/>
+                <a:ea typeface="맑은 고딕"/>
+                <a:cs typeface="맑은 고딕"/>
+              </a:rPr>
+              <a:t>}</a:t>
+            </a:r>
+            <a:endParaRPr xmlns:mc="http://schemas.openxmlformats.org/markup-compatibility/2006" xmlns:hp="http://schemas.haansoft.com/office/presentation/8.0" lang="ko-KR" altLang="en-US" sz="700" b="0" i="0" u="none" kern="1200" baseline="0" mc:Ignorable="hp" hp:hslEmbossed="0">
+              <a:solidFill>
+                <a:srgbClr val="000000"/>
+              </a:solidFill>
+              <a:latin typeface="맑은 고딕"/>
+              <a:ea typeface="맑은 고딕"/>
+              <a:cs typeface="맑은 고딕"/>
+            </a:endParaRPr>
+          </a:p>
+          <a:p>
+            <a:pPr>
+              <a:defRPr lang="ko-KR" altLang="en-US"/>
+            </a:pPr>
+            <a:endParaRPr lang="ko-KR" altLang="en-US" sz="700"/>
+          </a:p>
+        </p:txBody>
+      </p:sp>
+    </p:spTree>
+  </p:cSld>
+  <p:clrMapOvr>
+    <a:masterClrMapping/>
+  </p:clrMapOvr>
+  <mc:AlternateContent xmlns:mc="http://schemas.openxmlformats.org/markup-compatibility/2006">
+    <mc:Choice xmlns:p14="http://schemas.microsoft.com/office/powerpoint/2010/main" Requires="p14">
+      <p:transition xmlns:mc="http://schemas.openxmlformats.org/markup-compatibility/2006" xmlns:p14="http://schemas.microsoft.com/office/powerpoint/2010/main" mc:Ignorable="p14" p14:dur="500"/>
+    </mc:Choice>
+    <mc:Fallback>
+      <p:transition/>
+    </mc:Fallback>
+  </mc:AlternateContent>
+</p:sld>
+</file>
+
+<file path=ppt/slides/slide7.xml><?xml version="1.0" encoding="utf-8"?>
+<p:sld xmlns:r="http://schemas.openxmlformats.org/officeDocument/2006/relationships" xmlns:c="http://schemas.openxmlformats.org/drawingml/2006/chart" xmlns:a="http://schemas.openxmlformats.org/drawingml/2006/main" xmlns:dgm="http://schemas.openxmlformats.org/drawingml/2006/diagram" xmlns:dsp="http://schemas.microsoft.com/office/drawing/2008/diagram" xmlns:p="http://schemas.openxmlformats.org/presentationml/2006/main">
+  <p:cSld>
+    <p:spTree>
+      <p:nvGrpSpPr>
+        <p:cNvPr id="1" name=""/>
+        <p:cNvGrpSpPr/>
+        <p:nvPr/>
+      </p:nvGrpSpPr>
+      <p:grpSpPr>
+        <a:xfrm>
+          <a:off x="0" y="0"/>
+          <a:ext cx="0" cy="0"/>
+          <a:chOff x="0" y="0"/>
+          <a:chExt cx="0" cy="0"/>
+        </a:xfrm>
+      </p:grpSpPr>
+      <p:pic>
+        <p:nvPicPr>
+          <p:cNvPr id="2" name=""/>
+          <p:cNvPicPr>
+            <a:picLocks noChangeAspect="1"/>
+          </p:cNvPicPr>
+          <p:nvPr/>
+        </p:nvPicPr>
+        <p:blipFill rotWithShape="1">
+          <a:blip r:embed="rId2"/>
+          <a:stretch>
+            <a:fillRect/>
+          </a:stretch>
+        </p:blipFill>
+        <p:spPr>
+          <a:xfrm>
+            <a:off x="1323308" y="980733"/>
+            <a:ext cx="3561951" cy="2783716"/>
+          </a:xfrm>
+          <a:prstGeom prst="rect">
+            <a:avLst/>
+          </a:prstGeom>
+        </p:spPr>
+      </p:pic>
+      <p:sp>
+        <p:nvSpPr>
+          <p:cNvPr id="3" name=""/>
+          <p:cNvSpPr txBox="1"/>
+          <p:nvPr/>
+        </p:nvSpPr>
+        <p:spPr>
+          <a:xfrm>
+            <a:off x="5853978" y="291942"/>
+            <a:ext cx="5688156" cy="6274116"/>
+          </a:xfrm>
+          <a:prstGeom prst="rect">
+            <a:avLst/>
+          </a:prstGeom>
+        </p:spPr>
+        <p:txBody>
+          <a:bodyPr wrap="square">
+            <a:spAutoFit/>
+          </a:bodyPr>
+          <a:p>
+            <a:pPr>
+              <a:defRPr lang="ko-KR" altLang="en-US"/>
+            </a:pPr>
+            <a:r>
+              <a:rPr lang="ko-KR" altLang="en-US" sz="900"/>
+              <a:t>using System;</a:t>
+            </a:r>
+            <a:endParaRPr lang="ko-KR" altLang="en-US" sz="900"/>
+          </a:p>
+          <a:p>
+            <a:pPr>
+              <a:defRPr lang="ko-KR" altLang="en-US"/>
+            </a:pPr>
+            <a:r>
+              <a:rPr lang="ko-KR" altLang="en-US" sz="900"/>
+              <a:t>using System.Collections.Generic;</a:t>
+            </a:r>
+            <a:endParaRPr lang="ko-KR" altLang="en-US" sz="900"/>
+          </a:p>
+          <a:p>
+            <a:pPr>
+              <a:defRPr lang="ko-KR" altLang="en-US"/>
+            </a:pPr>
+            <a:r>
+              <a:rPr lang="ko-KR" altLang="en-US" sz="900"/>
+              <a:t>using System.ComponentModel;</a:t>
+            </a:r>
+            <a:endParaRPr lang="ko-KR" altLang="en-US" sz="900"/>
+          </a:p>
+          <a:p>
+            <a:pPr>
+              <a:defRPr lang="ko-KR" altLang="en-US"/>
+            </a:pPr>
+            <a:r>
+              <a:rPr lang="ko-KR" altLang="en-US" sz="900"/>
+              <a:t>using System.Data;</a:t>
+            </a:r>
+            <a:endParaRPr lang="ko-KR" altLang="en-US" sz="900"/>
+          </a:p>
+          <a:p>
+            <a:pPr>
+              <a:defRPr lang="ko-KR" altLang="en-US"/>
+            </a:pPr>
+            <a:r>
+              <a:rPr lang="ko-KR" altLang="en-US" sz="900"/>
+              <a:t>using System.Drawing;</a:t>
+            </a:r>
+            <a:endParaRPr lang="ko-KR" altLang="en-US" sz="900"/>
+          </a:p>
+          <a:p>
+            <a:pPr>
+              <a:defRPr lang="ko-KR" altLang="en-US"/>
+            </a:pPr>
+            <a:r>
+              <a:rPr lang="ko-KR" altLang="en-US" sz="900"/>
+              <a:t>using System.Linq;</a:t>
+            </a:r>
+            <a:endParaRPr lang="ko-KR" altLang="en-US" sz="900"/>
+          </a:p>
+          <a:p>
+            <a:pPr>
+              <a:defRPr lang="ko-KR" altLang="en-US"/>
+            </a:pPr>
+            <a:r>
+              <a:rPr lang="ko-KR" altLang="en-US" sz="900"/>
+              <a:t>using System.Text;</a:t>
+            </a:r>
+            <a:endParaRPr lang="ko-KR" altLang="en-US" sz="900"/>
+          </a:p>
+          <a:p>
+            <a:pPr>
+              <a:defRPr lang="ko-KR" altLang="en-US"/>
+            </a:pPr>
+            <a:r>
+              <a:rPr lang="ko-KR" altLang="en-US" sz="900"/>
+              <a:t>using System.Threading.Tasks;</a:t>
+            </a:r>
+            <a:endParaRPr lang="ko-KR" altLang="en-US" sz="900"/>
+          </a:p>
+          <a:p>
+            <a:pPr>
+              <a:defRPr lang="ko-KR" altLang="en-US"/>
+            </a:pPr>
+            <a:r>
+              <a:rPr lang="ko-KR" altLang="en-US" sz="900"/>
+              <a:t>using System.Windows.Forms;</a:t>
+            </a:r>
+            <a:endParaRPr lang="ko-KR" altLang="en-US" sz="900"/>
+          </a:p>
+          <a:p>
+            <a:pPr>
+              <a:defRPr lang="ko-KR" altLang="en-US"/>
+            </a:pPr>
+            <a:endParaRPr lang="ko-KR" altLang="en-US" sz="900"/>
+          </a:p>
+          <a:p>
+            <a:pPr>
+              <a:defRPr lang="ko-KR" altLang="en-US"/>
+            </a:pPr>
+            <a:r>
+              <a:rPr lang="ko-KR" altLang="en-US" sz="900"/>
+              <a:t>namespace HelloForm</a:t>
+            </a:r>
+            <a:endParaRPr lang="ko-KR" altLang="en-US" sz="900"/>
+          </a:p>
+          <a:p>
+            <a:pPr>
+              <a:defRPr lang="ko-KR" altLang="en-US"/>
+            </a:pPr>
+            <a:r>
+              <a:rPr lang="ko-KR" altLang="en-US" sz="900"/>
+              <a:t>{</a:t>
+            </a:r>
+            <a:endParaRPr lang="ko-KR" altLang="en-US" sz="900"/>
+          </a:p>
+          <a:p>
+            <a:pPr>
+              <a:defRPr lang="ko-KR" altLang="en-US"/>
+            </a:pPr>
+            <a:r>
+              <a:rPr lang="ko-KR" altLang="en-US" sz="900"/>
+              <a:t>    public partial class Form1 : Form</a:t>
+            </a:r>
+            <a:endParaRPr lang="ko-KR" altLang="en-US" sz="900"/>
+          </a:p>
+          <a:p>
+            <a:pPr>
+              <a:defRPr lang="ko-KR" altLang="en-US"/>
+            </a:pPr>
+            <a:r>
+              <a:rPr lang="ko-KR" altLang="en-US" sz="900"/>
+              <a:t>    {</a:t>
+            </a:r>
+            <a:endParaRPr lang="ko-KR" altLang="en-US" sz="900"/>
+          </a:p>
+          <a:p>
+            <a:pPr>
+              <a:defRPr lang="ko-KR" altLang="en-US"/>
+            </a:pPr>
+            <a:r>
+              <a:rPr lang="ko-KR" altLang="en-US" sz="900"/>
+              <a:t>        public Form1()</a:t>
+            </a:r>
+            <a:endParaRPr lang="ko-KR" altLang="en-US" sz="900"/>
+          </a:p>
+          <a:p>
+            <a:pPr>
+              <a:defRPr lang="ko-KR" altLang="en-US"/>
+            </a:pPr>
+            <a:r>
+              <a:rPr lang="ko-KR" altLang="en-US" sz="900"/>
+              <a:t>        {</a:t>
+            </a:r>
+            <a:endParaRPr lang="ko-KR" altLang="en-US" sz="900"/>
+          </a:p>
+          <a:p>
+            <a:pPr>
+              <a:defRPr lang="ko-KR" altLang="en-US"/>
+            </a:pPr>
+            <a:r>
+              <a:rPr lang="ko-KR" altLang="en-US" sz="900"/>
+              <a:t>            InitializeComponent();</a:t>
+            </a:r>
+            <a:endParaRPr lang="ko-KR" altLang="en-US" sz="900"/>
+          </a:p>
+          <a:p>
+            <a:pPr>
+              <a:defRPr lang="ko-KR" altLang="en-US"/>
+            </a:pPr>
+            <a:r>
+              <a:rPr lang="ko-KR" altLang="en-US" sz="900"/>
+              <a:t>        }</a:t>
+            </a:r>
+            <a:endParaRPr lang="ko-KR" altLang="en-US" sz="900"/>
+          </a:p>
+          <a:p>
+            <a:pPr>
+              <a:defRPr lang="ko-KR" altLang="en-US"/>
+            </a:pPr>
+            <a:endParaRPr lang="ko-KR" altLang="en-US" sz="900"/>
+          </a:p>
+          <a:p>
+            <a:pPr>
+              <a:defRPr lang="ko-KR" altLang="en-US"/>
+            </a:pPr>
+            <a:r>
+              <a:rPr lang="ko-KR" altLang="en-US" sz="900"/>
+              <a:t>        </a:t>
+            </a:r>
+            <a:endParaRPr lang="ko-KR" altLang="en-US" sz="900"/>
+          </a:p>
+          <a:p>
+            <a:pPr>
+              <a:defRPr lang="ko-KR" altLang="en-US"/>
+            </a:pPr>
+            <a:r>
+              <a:rPr lang="ko-KR" altLang="en-US" sz="900"/>
+              <a:t>        private void radioButton1_CheckedChanged(object sender, EventArgs e)</a:t>
+            </a:r>
+            <a:endParaRPr lang="ko-KR" altLang="en-US" sz="900"/>
+          </a:p>
+          <a:p>
+            <a:pPr>
+              <a:defRPr lang="ko-KR" altLang="en-US"/>
+            </a:pPr>
+            <a:r>
+              <a:rPr lang="ko-KR" altLang="en-US" sz="900"/>
+              <a:t>        {</a:t>
+            </a:r>
+            <a:endParaRPr lang="ko-KR" altLang="en-US" sz="900"/>
+          </a:p>
+          <a:p>
+            <a:pPr>
+              <a:defRPr lang="ko-KR" altLang="en-US"/>
+            </a:pPr>
+            <a:r>
+              <a:rPr lang="ko-KR" altLang="en-US" sz="900"/>
+              <a:t>            label1.Text = radioButton1.Text;</a:t>
+            </a:r>
+            <a:endParaRPr lang="ko-KR" altLang="en-US" sz="900"/>
+          </a:p>
+          <a:p>
+            <a:pPr>
+              <a:defRPr lang="ko-KR" altLang="en-US"/>
+            </a:pPr>
+            <a:endParaRPr lang="ko-KR" altLang="en-US" sz="900"/>
+          </a:p>
+          <a:p>
+            <a:pPr>
+              <a:defRPr lang="ko-KR" altLang="en-US"/>
+            </a:pPr>
+            <a:r>
+              <a:rPr lang="ko-KR" altLang="en-US" sz="900"/>
+              <a:t>        }</a:t>
+            </a:r>
+            <a:endParaRPr lang="ko-KR" altLang="en-US" sz="900"/>
+          </a:p>
+          <a:p>
+            <a:pPr>
+              <a:defRPr lang="ko-KR" altLang="en-US"/>
+            </a:pPr>
+            <a:endParaRPr lang="ko-KR" altLang="en-US" sz="900"/>
+          </a:p>
+          <a:p>
+            <a:pPr>
+              <a:defRPr lang="ko-KR" altLang="en-US"/>
+            </a:pPr>
+            <a:r>
+              <a:rPr lang="ko-KR" altLang="en-US" sz="900"/>
+              <a:t>        private void radioButton2_CheckedChanged(object sender, EventArgs e)</a:t>
+            </a:r>
+            <a:endParaRPr lang="ko-KR" altLang="en-US" sz="900"/>
+          </a:p>
+          <a:p>
+            <a:pPr>
+              <a:defRPr lang="ko-KR" altLang="en-US"/>
+            </a:pPr>
+            <a:r>
+              <a:rPr lang="ko-KR" altLang="en-US" sz="900"/>
+              <a:t>        {</a:t>
+            </a:r>
+            <a:endParaRPr lang="ko-KR" altLang="en-US" sz="900"/>
+          </a:p>
+          <a:p>
+            <a:pPr>
+              <a:defRPr lang="ko-KR" altLang="en-US"/>
+            </a:pPr>
+            <a:r>
+              <a:rPr lang="ko-KR" altLang="en-US" sz="900"/>
+              <a:t>            label1.Text = radioButton2.Text;</a:t>
+            </a:r>
+            <a:endParaRPr lang="ko-KR" altLang="en-US" sz="900"/>
+          </a:p>
+          <a:p>
+            <a:pPr>
+              <a:defRPr lang="ko-KR" altLang="en-US"/>
+            </a:pPr>
+            <a:r>
+              <a:rPr lang="ko-KR" altLang="en-US" sz="900"/>
+              <a:t>        }</a:t>
+            </a:r>
+            <a:endParaRPr lang="ko-KR" altLang="en-US" sz="900"/>
+          </a:p>
+          <a:p>
+            <a:pPr>
+              <a:defRPr lang="ko-KR" altLang="en-US"/>
+            </a:pPr>
+            <a:endParaRPr lang="ko-KR" altLang="en-US" sz="900"/>
+          </a:p>
+          <a:p>
+            <a:pPr>
+              <a:defRPr lang="ko-KR" altLang="en-US"/>
+            </a:pPr>
+            <a:r>
+              <a:rPr lang="ko-KR" altLang="en-US" sz="900"/>
+              <a:t>        private void radioButton3_CheckedChanged(object sender, EventArgs e)</a:t>
+            </a:r>
+            <a:endParaRPr lang="ko-KR" altLang="en-US" sz="900"/>
+          </a:p>
+          <a:p>
+            <a:pPr>
+              <a:defRPr lang="ko-KR" altLang="en-US"/>
+            </a:pPr>
+            <a:r>
+              <a:rPr lang="ko-KR" altLang="en-US" sz="900"/>
+              <a:t>        {</a:t>
+            </a:r>
+            <a:endParaRPr lang="ko-KR" altLang="en-US" sz="900"/>
+          </a:p>
+          <a:p>
+            <a:pPr>
+              <a:defRPr lang="ko-KR" altLang="en-US"/>
+            </a:pPr>
+            <a:r>
+              <a:rPr lang="ko-KR" altLang="en-US" sz="900"/>
+              <a:t>            label1.Text = radioButton3.Text;</a:t>
+            </a:r>
+            <a:endParaRPr lang="ko-KR" altLang="en-US" sz="900"/>
+          </a:p>
+          <a:p>
+            <a:pPr>
+              <a:defRPr lang="ko-KR" altLang="en-US"/>
+            </a:pPr>
+            <a:endParaRPr lang="ko-KR" altLang="en-US" sz="900"/>
+          </a:p>
+          <a:p>
+            <a:pPr>
+              <a:defRPr lang="ko-KR" altLang="en-US"/>
+            </a:pPr>
+            <a:r>
+              <a:rPr lang="ko-KR" altLang="en-US" sz="900"/>
+              <a:t>        }</a:t>
+            </a:r>
+            <a:endParaRPr lang="ko-KR" altLang="en-US" sz="900"/>
+          </a:p>
+          <a:p>
+            <a:pPr>
+              <a:defRPr lang="ko-KR" altLang="en-US"/>
+            </a:pPr>
+            <a:endParaRPr lang="ko-KR" altLang="en-US" sz="900"/>
+          </a:p>
+          <a:p>
+            <a:pPr>
+              <a:defRPr lang="ko-KR" altLang="en-US"/>
+            </a:pPr>
+            <a:r>
+              <a:rPr lang="ko-KR" altLang="en-US" sz="900"/>
+              <a:t>        private void radioButton4_CheckedChanged(object sender, EventArgs e)</a:t>
+            </a:r>
+            <a:endParaRPr lang="ko-KR" altLang="en-US" sz="900"/>
+          </a:p>
+          <a:p>
+            <a:pPr>
+              <a:defRPr lang="ko-KR" altLang="en-US"/>
+            </a:pPr>
+            <a:r>
+              <a:rPr lang="ko-KR" altLang="en-US" sz="900"/>
+              <a:t>        {</a:t>
+            </a:r>
+            <a:endParaRPr lang="ko-KR" altLang="en-US" sz="900"/>
+          </a:p>
+          <a:p>
+            <a:pPr>
+              <a:defRPr lang="ko-KR" altLang="en-US"/>
+            </a:pPr>
+            <a:r>
+              <a:rPr lang="ko-KR" altLang="en-US" sz="900"/>
+              <a:t>            label1.Text = radioButton4.Text;</a:t>
+            </a:r>
+            <a:endParaRPr lang="ko-KR" altLang="en-US" sz="900"/>
+          </a:p>
+          <a:p>
+            <a:pPr>
+              <a:defRPr lang="ko-KR" altLang="en-US"/>
+            </a:pPr>
+            <a:endParaRPr lang="ko-KR" altLang="en-US" sz="900"/>
+          </a:p>
+          <a:p>
+            <a:pPr>
+              <a:defRPr lang="ko-KR" altLang="en-US"/>
+            </a:pPr>
+            <a:r>
+              <a:rPr lang="ko-KR" altLang="en-US" sz="900"/>
+              <a:t>        }</a:t>
+            </a:r>
+            <a:endParaRPr lang="ko-KR" altLang="en-US" sz="900"/>
+          </a:p>
+          <a:p>
+            <a:pPr>
+              <a:defRPr lang="ko-KR" altLang="en-US"/>
+            </a:pPr>
+            <a:r>
+              <a:rPr lang="ko-KR" altLang="en-US" sz="900"/>
+              <a:t>    }</a:t>
+            </a:r>
+            <a:endParaRPr lang="ko-KR" altLang="en-US" sz="900"/>
+          </a:p>
+          <a:p>
+            <a:pPr>
+              <a:defRPr lang="ko-KR" altLang="en-US"/>
+            </a:pPr>
+            <a:r>
+              <a:rPr lang="ko-KR" altLang="en-US" sz="900"/>
+              <a:t>}</a:t>
+            </a:r>
+            <a:endParaRPr lang="ko-KR" altLang="en-US" sz="900"/>
+          </a:p>
+          <a:p>
+            <a:pPr>
+              <a:defRPr lang="ko-KR" altLang="en-US"/>
+            </a:pPr>
+            <a:endParaRPr lang="ko-KR" altLang="en-US" sz="900"/>
+          </a:p>
+        </p:txBody>
+      </p:sp>
+    </p:spTree>
+  </p:cSld>
+  <p:clrMapOvr>
+    <a:masterClrMapping/>
+  </p:clrMapOvr>
+  <mc:AlternateContent xmlns:mc="http://schemas.openxmlformats.org/markup-compatibility/2006">
+    <mc:Choice xmlns:p14="http://schemas.microsoft.com/office/powerpoint/2010/main" Requires="p14">
+      <p:transition xmlns:mc="http://schemas.openxmlformats.org/markup-compatibility/2006" xmlns:p14="http://schemas.microsoft.com/office/powerpoint/2010/main" mc:Ignorable="p14" p14:dur="500"/>
+    </mc:Choice>
+    <mc:Fallback>
+      <p:transition/>
+    </mc:Fallback>
+  </mc:AlternateContent>
+</p:sld>
+</file>
+
+<file path=ppt/slides/slide8.xml><?xml version="1.0" encoding="utf-8"?>
+<p:sld xmlns:r="http://schemas.openxmlformats.org/officeDocument/2006/relationships" xmlns:c="http://schemas.openxmlformats.org/drawingml/2006/chart" xmlns:a="http://schemas.openxmlformats.org/drawingml/2006/main" xmlns:dgm="http://schemas.openxmlformats.org/drawingml/2006/diagram" xmlns:dsp="http://schemas.microsoft.com/office/drawing/2008/diagram" xmlns:p="http://schemas.openxmlformats.org/presentationml/2006/main">
+  <p:cSld>
+    <p:spTree>
+      <p:nvGrpSpPr>
+        <p:cNvPr id="1" name=""/>
+        <p:cNvGrpSpPr/>
+        <p:nvPr/>
+      </p:nvGrpSpPr>
+      <p:grpSpPr>
+        <a:xfrm>
+          <a:off x="0" y="0"/>
+          <a:ext cx="0" cy="0"/>
+          <a:chOff x="0" y="0"/>
+          <a:chExt cx="0" cy="0"/>
+        </a:xfrm>
+      </p:grpSpPr>
+      <p:pic>
+        <p:nvPicPr>
+          <p:cNvPr id="2" name=""/>
+          <p:cNvPicPr>
+            <a:picLocks noChangeAspect="1"/>
+          </p:cNvPicPr>
+          <p:nvPr/>
+        </p:nvPicPr>
+        <p:blipFill rotWithShape="1">
+          <a:blip r:embed="rId2"/>
+          <a:stretch>
+            <a:fillRect/>
+          </a:stretch>
+        </p:blipFill>
+        <p:spPr>
+          <a:xfrm>
+            <a:off x="942256" y="966443"/>
+            <a:ext cx="4185510" cy="2587157"/>
+          </a:xfrm>
+          <a:prstGeom prst="rect">
+            <a:avLst/>
+          </a:prstGeom>
+        </p:spPr>
+      </p:pic>
+      <p:sp>
+        <p:nvSpPr>
+          <p:cNvPr id="3" name=""/>
+          <p:cNvSpPr txBox="1"/>
+          <p:nvPr/>
+        </p:nvSpPr>
+        <p:spPr>
+          <a:xfrm>
+            <a:off x="5243947" y="139931"/>
+            <a:ext cx="6527222" cy="6344689"/>
+          </a:xfrm>
+          <a:prstGeom prst="rect">
+            <a:avLst/>
+          </a:prstGeom>
+        </p:spPr>
+        <p:txBody>
+          <a:bodyPr wrap="square">
+            <a:spAutoFit/>
+          </a:bodyPr>
+          <a:p>
+            <a:pPr>
+              <a:defRPr lang="ko-KR" altLang="en-US"/>
+            </a:pPr>
+            <a:r>
+              <a:rPr lang="ko-KR" altLang="en-US" sz="1000"/>
+              <a:t>using System;</a:t>
+            </a:r>
+            <a:endParaRPr lang="ko-KR" altLang="en-US" sz="1000"/>
+          </a:p>
+          <a:p>
+            <a:pPr>
+              <a:defRPr lang="ko-KR" altLang="en-US"/>
+            </a:pPr>
+            <a:r>
+              <a:rPr lang="ko-KR" altLang="en-US" sz="1000"/>
+              <a:t>using System.Collections.Generic;</a:t>
+            </a:r>
+            <a:endParaRPr lang="ko-KR" altLang="en-US" sz="1000"/>
+          </a:p>
+          <a:p>
+            <a:pPr>
+              <a:defRPr lang="ko-KR" altLang="en-US"/>
+            </a:pPr>
+            <a:r>
+              <a:rPr lang="ko-KR" altLang="en-US" sz="1000"/>
+              <a:t>using System.ComponentModel;</a:t>
+            </a:r>
+            <a:endParaRPr lang="ko-KR" altLang="en-US" sz="1000"/>
+          </a:p>
+          <a:p>
+            <a:pPr>
+              <a:defRPr lang="ko-KR" altLang="en-US"/>
+            </a:pPr>
+            <a:r>
+              <a:rPr lang="ko-KR" altLang="en-US" sz="1000"/>
+              <a:t>using System.Data;</a:t>
+            </a:r>
+            <a:endParaRPr lang="ko-KR" altLang="en-US" sz="1000"/>
+          </a:p>
+          <a:p>
+            <a:pPr>
+              <a:defRPr lang="ko-KR" altLang="en-US"/>
+            </a:pPr>
+            <a:r>
+              <a:rPr lang="ko-KR" altLang="en-US" sz="1000"/>
+              <a:t>using System.Drawing;</a:t>
+            </a:r>
+            <a:endParaRPr lang="ko-KR" altLang="en-US" sz="1000"/>
+          </a:p>
+          <a:p>
+            <a:pPr>
+              <a:defRPr lang="ko-KR" altLang="en-US"/>
+            </a:pPr>
+            <a:r>
+              <a:rPr lang="ko-KR" altLang="en-US" sz="1000"/>
+              <a:t>using System.Linq;</a:t>
+            </a:r>
+            <a:endParaRPr lang="ko-KR" altLang="en-US" sz="1000"/>
+          </a:p>
+          <a:p>
+            <a:pPr>
+              <a:defRPr lang="ko-KR" altLang="en-US"/>
+            </a:pPr>
+            <a:r>
+              <a:rPr lang="ko-KR" altLang="en-US" sz="1000"/>
+              <a:t>using System.Text;</a:t>
+            </a:r>
+            <a:endParaRPr lang="ko-KR" altLang="en-US" sz="1000"/>
+          </a:p>
+          <a:p>
+            <a:pPr>
+              <a:defRPr lang="ko-KR" altLang="en-US"/>
+            </a:pPr>
+            <a:r>
+              <a:rPr lang="ko-KR" altLang="en-US" sz="1000"/>
+              <a:t>using System.Threading.Tasks;</a:t>
+            </a:r>
+            <a:endParaRPr lang="ko-KR" altLang="en-US" sz="1000"/>
+          </a:p>
+          <a:p>
+            <a:pPr>
+              <a:defRPr lang="ko-KR" altLang="en-US"/>
+            </a:pPr>
+            <a:r>
+              <a:rPr lang="ko-KR" altLang="en-US" sz="1000"/>
+              <a:t>using System.Windows.Forms;</a:t>
+            </a:r>
+            <a:endParaRPr lang="ko-KR" altLang="en-US" sz="1000"/>
+          </a:p>
+          <a:p>
+            <a:pPr>
+              <a:defRPr lang="ko-KR" altLang="en-US"/>
+            </a:pPr>
+            <a:r>
+              <a:rPr lang="ko-KR" altLang="en-US" sz="1000"/>
+              <a:t>using System.Diagnostics;</a:t>
+            </a:r>
+            <a:endParaRPr lang="ko-KR" altLang="en-US" sz="1000"/>
+          </a:p>
+          <a:p>
+            <a:pPr>
+              <a:defRPr lang="ko-KR" altLang="en-US"/>
+            </a:pPr>
+            <a:endParaRPr lang="ko-KR" altLang="en-US" sz="1000"/>
+          </a:p>
+          <a:p>
+            <a:pPr>
+              <a:defRPr lang="ko-KR" altLang="en-US"/>
+            </a:pPr>
+            <a:endParaRPr lang="ko-KR" altLang="en-US" sz="1000"/>
+          </a:p>
+          <a:p>
+            <a:pPr>
+              <a:defRPr lang="ko-KR" altLang="en-US"/>
+            </a:pPr>
+            <a:r>
+              <a:rPr lang="ko-KR" altLang="en-US" sz="1000"/>
+              <a:t>namespace HelloForm</a:t>
+            </a:r>
+            <a:endParaRPr lang="ko-KR" altLang="en-US" sz="1000"/>
+          </a:p>
+          <a:p>
+            <a:pPr>
+              <a:defRPr lang="ko-KR" altLang="en-US"/>
+            </a:pPr>
+            <a:r>
+              <a:rPr lang="ko-KR" altLang="en-US" sz="1000"/>
+              <a:t>{</a:t>
+            </a:r>
+            <a:endParaRPr lang="ko-KR" altLang="en-US" sz="1000"/>
+          </a:p>
+          <a:p>
+            <a:pPr>
+              <a:defRPr lang="ko-KR" altLang="en-US"/>
+            </a:pPr>
+            <a:r>
+              <a:rPr lang="ko-KR" altLang="en-US" sz="1000"/>
+              <a:t>    public partial class Form1 : Form</a:t>
+            </a:r>
+            <a:endParaRPr lang="ko-KR" altLang="en-US" sz="1000"/>
+          </a:p>
+          <a:p>
+            <a:pPr>
+              <a:defRPr lang="ko-KR" altLang="en-US"/>
+            </a:pPr>
+            <a:r>
+              <a:rPr lang="ko-KR" altLang="en-US" sz="1000"/>
+              <a:t>    {</a:t>
+            </a:r>
+            <a:endParaRPr lang="ko-KR" altLang="en-US" sz="1000"/>
+          </a:p>
+          <a:p>
+            <a:pPr>
+              <a:defRPr lang="ko-KR" altLang="en-US"/>
+            </a:pPr>
+            <a:r>
+              <a:rPr lang="ko-KR" altLang="en-US" sz="1000"/>
+              <a:t>        public Form1()</a:t>
+            </a:r>
+            <a:endParaRPr lang="ko-KR" altLang="en-US" sz="1000"/>
+          </a:p>
+          <a:p>
+            <a:pPr>
+              <a:defRPr lang="ko-KR" altLang="en-US"/>
+            </a:pPr>
+            <a:r>
+              <a:rPr lang="ko-KR" altLang="en-US" sz="1000"/>
+              <a:t>        {</a:t>
+            </a:r>
+            <a:endParaRPr lang="ko-KR" altLang="en-US" sz="1000"/>
+          </a:p>
+          <a:p>
+            <a:pPr>
+              <a:defRPr lang="ko-KR" altLang="en-US"/>
+            </a:pPr>
+            <a:r>
+              <a:rPr lang="ko-KR" altLang="en-US" sz="1000"/>
+              <a:t>            InitializeComponent();</a:t>
+            </a:r>
+            <a:endParaRPr lang="ko-KR" altLang="en-US" sz="1000"/>
+          </a:p>
+          <a:p>
+            <a:pPr>
+              <a:defRPr lang="ko-KR" altLang="en-US"/>
+            </a:pPr>
+            <a:r>
+              <a:rPr lang="ko-KR" altLang="en-US" sz="1000"/>
+              <a:t>        }</a:t>
+            </a:r>
+            <a:endParaRPr lang="ko-KR" altLang="en-US" sz="1000"/>
+          </a:p>
+          <a:p>
+            <a:pPr>
+              <a:defRPr lang="ko-KR" altLang="en-US"/>
+            </a:pPr>
+            <a:endParaRPr lang="ko-KR" altLang="en-US" sz="1000"/>
+          </a:p>
+          <a:p>
+            <a:pPr>
+              <a:defRPr lang="ko-KR" altLang="en-US"/>
+            </a:pPr>
+            <a:r>
+              <a:rPr lang="ko-KR" altLang="en-US" sz="1000"/>
+              <a:t>        </a:t>
+            </a:r>
+            <a:endParaRPr lang="ko-KR" altLang="en-US" sz="1000"/>
+          </a:p>
+          <a:p>
+            <a:pPr>
+              <a:defRPr lang="ko-KR" altLang="en-US"/>
+            </a:pPr>
+            <a:r>
+              <a:rPr lang="ko-KR" altLang="en-US" sz="1000"/>
+              <a:t>        </a:t>
+            </a:r>
+            <a:endParaRPr lang="ko-KR" altLang="en-US" sz="1000"/>
+          </a:p>
+          <a:p>
+            <a:pPr>
+              <a:defRPr lang="ko-KR" altLang="en-US"/>
+            </a:pPr>
+            <a:endParaRPr lang="ko-KR" altLang="en-US" sz="1000"/>
+          </a:p>
+          <a:p>
+            <a:pPr>
+              <a:defRPr lang="ko-KR" altLang="en-US"/>
+            </a:pPr>
+            <a:r>
+              <a:rPr lang="ko-KR" altLang="en-US" sz="1000"/>
+              <a:t>        private void linkLabel1_LinkClicked(object sender, LinkLabelLinkClickedEventArgs e)</a:t>
+            </a:r>
+            <a:endParaRPr lang="ko-KR" altLang="en-US" sz="1000"/>
+          </a:p>
+          <a:p>
+            <a:pPr>
+              <a:defRPr lang="ko-KR" altLang="en-US"/>
+            </a:pPr>
+            <a:r>
+              <a:rPr lang="ko-KR" altLang="en-US" sz="1000"/>
+              <a:t>        {</a:t>
+            </a:r>
+            <a:endParaRPr lang="ko-KR" altLang="en-US" sz="1000"/>
+          </a:p>
+          <a:p>
+            <a:pPr>
+              <a:defRPr lang="ko-KR" altLang="en-US"/>
+            </a:pPr>
+            <a:r>
+              <a:rPr lang="ko-KR" altLang="en-US" sz="1000"/>
+              <a:t>            Process.Start(linkLabel1.Text);</a:t>
+            </a:r>
+            <a:endParaRPr lang="ko-KR" altLang="en-US" sz="1000"/>
+          </a:p>
+          <a:p>
+            <a:pPr>
+              <a:defRPr lang="ko-KR" altLang="en-US"/>
+            </a:pPr>
+            <a:r>
+              <a:rPr lang="ko-KR" altLang="en-US" sz="1000"/>
+              <a:t>        }</a:t>
+            </a:r>
+            <a:endParaRPr lang="ko-KR" altLang="en-US" sz="1000"/>
+          </a:p>
+          <a:p>
+            <a:pPr>
+              <a:defRPr lang="ko-KR" altLang="en-US"/>
+            </a:pPr>
+            <a:endParaRPr lang="ko-KR" altLang="en-US" sz="1000"/>
+          </a:p>
+          <a:p>
+            <a:pPr>
+              <a:defRPr lang="ko-KR" altLang="en-US"/>
+            </a:pPr>
+            <a:r>
+              <a:rPr lang="ko-KR" altLang="en-US" sz="1000"/>
+              <a:t>        private void linkLabel2_LinkClicked(object sender, LinkLabelLinkClickedEventArgs e)</a:t>
+            </a:r>
+            <a:endParaRPr lang="ko-KR" altLang="en-US" sz="1000"/>
+          </a:p>
+          <a:p>
+            <a:pPr>
+              <a:defRPr lang="ko-KR" altLang="en-US"/>
+            </a:pPr>
+            <a:r>
+              <a:rPr lang="ko-KR" altLang="en-US" sz="1000"/>
+              <a:t>        {</a:t>
+            </a:r>
+            <a:endParaRPr lang="ko-KR" altLang="en-US" sz="1000"/>
+          </a:p>
+          <a:p>
+            <a:pPr>
+              <a:defRPr lang="ko-KR" altLang="en-US"/>
+            </a:pPr>
+            <a:r>
+              <a:rPr lang="ko-KR" altLang="en-US" sz="1000"/>
+              <a:t>            Process.Start(linkLabel1.Text);</a:t>
+            </a:r>
+            <a:endParaRPr lang="ko-KR" altLang="en-US" sz="1000"/>
+          </a:p>
+          <a:p>
+            <a:pPr>
+              <a:defRPr lang="ko-KR" altLang="en-US"/>
+            </a:pPr>
+            <a:r>
+              <a:rPr lang="ko-KR" altLang="en-US" sz="1000"/>
+              <a:t>        }</a:t>
+            </a:r>
+            <a:endParaRPr lang="ko-KR" altLang="en-US" sz="1000"/>
+          </a:p>
+          <a:p>
+            <a:pPr>
+              <a:defRPr lang="ko-KR" altLang="en-US"/>
+            </a:pPr>
+            <a:endParaRPr lang="ko-KR" altLang="en-US" sz="1000"/>
+          </a:p>
+          <a:p>
+            <a:pPr>
+              <a:defRPr lang="ko-KR" altLang="en-US"/>
+            </a:pPr>
+            <a:r>
+              <a:rPr lang="ko-KR" altLang="en-US" sz="1000"/>
+              <a:t>        private void Form1_Load(object sender, EventArgs e)</a:t>
+            </a:r>
+            <a:endParaRPr lang="ko-KR" altLang="en-US" sz="1000"/>
+          </a:p>
+          <a:p>
+            <a:pPr>
+              <a:defRPr lang="ko-KR" altLang="en-US"/>
+            </a:pPr>
+            <a:r>
+              <a:rPr lang="ko-KR" altLang="en-US" sz="1000"/>
+              <a:t>        {</a:t>
+            </a:r>
+            <a:endParaRPr lang="ko-KR" altLang="en-US" sz="1000"/>
+          </a:p>
+          <a:p>
+            <a:pPr>
+              <a:defRPr lang="ko-KR" altLang="en-US"/>
+            </a:pPr>
+            <a:r>
+              <a:rPr lang="ko-KR" altLang="en-US" sz="1000"/>
+              <a:t>            Process.Start("Notepad.exe", linkLabel3.Text);</a:t>
+            </a:r>
+            <a:endParaRPr lang="ko-KR" altLang="en-US" sz="1000"/>
+          </a:p>
+          <a:p>
+            <a:pPr>
+              <a:defRPr lang="ko-KR" altLang="en-US"/>
+            </a:pPr>
+            <a:r>
+              <a:rPr lang="ko-KR" altLang="en-US" sz="1000"/>
+              <a:t>        }</a:t>
+            </a:r>
+            <a:endParaRPr lang="ko-KR" altLang="en-US" sz="1000"/>
+          </a:p>
+          <a:p>
+            <a:pPr>
+              <a:defRPr lang="ko-KR" altLang="en-US"/>
+            </a:pPr>
+            <a:r>
+              <a:rPr lang="ko-KR" altLang="en-US" sz="1000"/>
+              <a:t>    }</a:t>
+            </a:r>
+            <a:endParaRPr lang="ko-KR" altLang="en-US" sz="1000"/>
+          </a:p>
+          <a:p>
+            <a:pPr>
+              <a:defRPr lang="ko-KR" altLang="en-US"/>
+            </a:pPr>
+            <a:r>
+              <a:rPr lang="ko-KR" altLang="en-US" sz="1000"/>
+              <a:t>}</a:t>
+            </a:r>
+            <a:endParaRPr lang="ko-KR" altLang="en-US" sz="1000"/>
+          </a:p>
+          <a:p>
+            <a:pPr>
+              <a:defRPr lang="ko-KR" altLang="en-US"/>
+            </a:pPr>
+            <a:endParaRPr lang="ko-KR" altLang="en-US" sz="1000"/>
+          </a:p>
+        </p:txBody>
+      </p:sp>
+    </p:spTree>
+  </p:cSld>
+  <p:clrMapOvr>
+    <a:masterClrMapping/>
+  </p:clrMapOvr>
+  <mc:AlternateContent xmlns:mc="http://schemas.openxmlformats.org/markup-compatibility/2006">
+    <mc:Choice xmlns:p14="http://schemas.microsoft.com/office/powerpoint/2010/main" Requires="p14">
+      <p:transition xmlns:mc="http://schemas.openxmlformats.org/markup-compatibility/2006" xmlns:p14="http://schemas.microsoft.com/office/powerpoint/2010/main" mc:Ignorable="p14" p14:dur="500"/>
+    </mc:Choice>
+    <mc:Fallback>
+      <p:transition/>
+    </mc:Fallback>
+  </mc:AlternateContent>
+</p:sld>
+</file>
+
+<file path=ppt/slides/slide9.xml><?xml version="1.0" encoding="utf-8"?>
+<p:sld xmlns:r="http://schemas.openxmlformats.org/officeDocument/2006/relationships" xmlns:c="http://schemas.openxmlformats.org/drawingml/2006/chart" xmlns:a="http://schemas.openxmlformats.org/drawingml/2006/main" xmlns:dgm="http://schemas.openxmlformats.org/drawingml/2006/diagram" xmlns:dsp="http://schemas.microsoft.com/office/drawing/2008/diagram" xmlns:p="http://schemas.openxmlformats.org/presentationml/2006/main">
+  <p:cSld>
+    <p:spTree>
+      <p:nvGrpSpPr>
+        <p:cNvPr id="1" name=""/>
+        <p:cNvGrpSpPr/>
+        <p:nvPr/>
+      </p:nvGrpSpPr>
+      <p:grpSpPr>
+        <a:xfrm>
+          <a:off x="0" y="0"/>
+          <a:ext cx="0" cy="0"/>
+          <a:chOff x="0" y="0"/>
+          <a:chExt cx="0" cy="0"/>
+        </a:xfrm>
+      </p:grpSpPr>
+      <p:pic>
+        <p:nvPicPr>
+          <p:cNvPr id="2" name=""/>
+          <p:cNvPicPr>
+            <a:picLocks noChangeAspect="1"/>
+          </p:cNvPicPr>
+          <p:nvPr/>
+        </p:nvPicPr>
+        <p:blipFill rotWithShape="1">
+          <a:blip r:embed="rId2"/>
+          <a:stretch>
+            <a:fillRect/>
+          </a:stretch>
+        </p:blipFill>
+        <p:spPr>
+          <a:xfrm>
+            <a:off x="1366177" y="904523"/>
+            <a:ext cx="3337668" cy="2524477"/>
+          </a:xfrm>
+          <a:prstGeom prst="rect">
+            <a:avLst/>
+          </a:prstGeom>
+        </p:spPr>
+      </p:pic>
+      <p:sp>
+        <p:nvSpPr>
+          <p:cNvPr id="3" name=""/>
+          <p:cNvSpPr txBox="1"/>
+          <p:nvPr/>
+        </p:nvSpPr>
+        <p:spPr>
+          <a:xfrm>
+            <a:off x="5366473" y="199159"/>
+            <a:ext cx="6238876" cy="6283642"/>
+          </a:xfrm>
+          <a:prstGeom prst="rect">
+            <a:avLst/>
+          </a:prstGeom>
+        </p:spPr>
+        <p:txBody>
+          <a:bodyPr wrap="square">
+            <a:spAutoFit/>
+          </a:bodyPr>
+          <a:p>
+            <a:pPr>
+              <a:defRPr lang="ko-KR" altLang="en-US"/>
+            </a:pPr>
+            <a:r>
+              <a:rPr lang="ko-KR" altLang="en-US" sz="1400"/>
+              <a:t>using System;</a:t>
+            </a:r>
+            <a:endParaRPr lang="ko-KR" altLang="en-US" sz="1400"/>
+          </a:p>
+          <a:p>
+            <a:pPr>
+              <a:defRPr lang="ko-KR" altLang="en-US"/>
+            </a:pPr>
+            <a:r>
+              <a:rPr lang="ko-KR" altLang="en-US" sz="1400"/>
+              <a:t>using System.Collections.Generic;</a:t>
+            </a:r>
+            <a:endParaRPr lang="ko-KR" altLang="en-US" sz="1400"/>
+          </a:p>
+          <a:p>
+            <a:pPr>
+              <a:defRPr lang="ko-KR" altLang="en-US"/>
+            </a:pPr>
+            <a:r>
+              <a:rPr lang="ko-KR" altLang="en-US" sz="1400"/>
+              <a:t>using System.ComponentModel;</a:t>
+            </a:r>
+            <a:endParaRPr lang="ko-KR" altLang="en-US" sz="1400"/>
+          </a:p>
+          <a:p>
+            <a:pPr>
+              <a:defRPr lang="ko-KR" altLang="en-US"/>
+            </a:pPr>
+            <a:r>
+              <a:rPr lang="ko-KR" altLang="en-US" sz="1400"/>
+              <a:t>using System.Data;</a:t>
+            </a:r>
+            <a:endParaRPr lang="ko-KR" altLang="en-US" sz="1400"/>
+          </a:p>
+          <a:p>
+            <a:pPr>
+              <a:defRPr lang="ko-KR" altLang="en-US"/>
+            </a:pPr>
+            <a:r>
+              <a:rPr lang="ko-KR" altLang="en-US" sz="1400"/>
+              <a:t>using System.Drawing;</a:t>
+            </a:r>
+            <a:endParaRPr lang="ko-KR" altLang="en-US" sz="1400"/>
+          </a:p>
+          <a:p>
+            <a:pPr>
+              <a:defRPr lang="ko-KR" altLang="en-US"/>
+            </a:pPr>
+            <a:r>
+              <a:rPr lang="ko-KR" altLang="en-US" sz="1400"/>
+              <a:t>using System.Linq;</a:t>
+            </a:r>
+            <a:endParaRPr lang="ko-KR" altLang="en-US" sz="1400"/>
+          </a:p>
+          <a:p>
+            <a:pPr>
+              <a:defRPr lang="ko-KR" altLang="en-US"/>
+            </a:pPr>
+            <a:r>
+              <a:rPr lang="ko-KR" altLang="en-US" sz="1400"/>
+              <a:t>using System.Text;</a:t>
+            </a:r>
+            <a:endParaRPr lang="ko-KR" altLang="en-US" sz="1400"/>
+          </a:p>
+          <a:p>
+            <a:pPr>
+              <a:defRPr lang="ko-KR" altLang="en-US"/>
+            </a:pPr>
+            <a:r>
+              <a:rPr lang="ko-KR" altLang="en-US" sz="1400"/>
+              <a:t>using System.Threading.Tasks;</a:t>
+            </a:r>
+            <a:endParaRPr lang="ko-KR" altLang="en-US" sz="1400"/>
+          </a:p>
+          <a:p>
+            <a:pPr>
+              <a:defRPr lang="ko-KR" altLang="en-US"/>
+            </a:pPr>
+            <a:r>
+              <a:rPr lang="ko-KR" altLang="en-US" sz="1400"/>
+              <a:t>using System.Windows.Forms;</a:t>
+            </a:r>
+            <a:endParaRPr lang="ko-KR" altLang="en-US" sz="1400"/>
+          </a:p>
+          <a:p>
+            <a:pPr>
+              <a:defRPr lang="ko-KR" altLang="en-US"/>
+            </a:pPr>
+            <a:r>
+              <a:rPr lang="ko-KR" altLang="en-US" sz="1400"/>
+              <a:t>using System.Diagnostics;</a:t>
+            </a:r>
+            <a:endParaRPr lang="ko-KR" altLang="en-US" sz="1400"/>
+          </a:p>
+          <a:p>
+            <a:pPr>
+              <a:defRPr lang="ko-KR" altLang="en-US"/>
+            </a:pPr>
+            <a:endParaRPr lang="ko-KR" altLang="en-US" sz="1400"/>
+          </a:p>
+          <a:p>
+            <a:pPr>
+              <a:defRPr lang="ko-KR" altLang="en-US"/>
+            </a:pPr>
+            <a:endParaRPr lang="ko-KR" altLang="en-US" sz="1400"/>
+          </a:p>
+          <a:p>
+            <a:pPr>
+              <a:defRPr lang="ko-KR" altLang="en-US"/>
+            </a:pPr>
+            <a:r>
+              <a:rPr lang="ko-KR" altLang="en-US" sz="1400"/>
+              <a:t>namespace HelloForm</a:t>
+            </a:r>
+            <a:endParaRPr lang="ko-KR" altLang="en-US" sz="1400"/>
+          </a:p>
+          <a:p>
+            <a:pPr>
+              <a:defRPr lang="ko-KR" altLang="en-US"/>
+            </a:pPr>
+            <a:r>
+              <a:rPr lang="ko-KR" altLang="en-US" sz="1400"/>
+              <a:t>{</a:t>
+            </a:r>
+            <a:endParaRPr lang="ko-KR" altLang="en-US" sz="1400"/>
+          </a:p>
+          <a:p>
+            <a:pPr>
+              <a:defRPr lang="ko-KR" altLang="en-US"/>
+            </a:pPr>
+            <a:r>
+              <a:rPr lang="ko-KR" altLang="en-US" sz="1400"/>
+              <a:t>    public partial class Form1 : Form</a:t>
+            </a:r>
+            <a:endParaRPr lang="ko-KR" altLang="en-US" sz="1400"/>
+          </a:p>
+          <a:p>
+            <a:pPr>
+              <a:defRPr lang="ko-KR" altLang="en-US"/>
+            </a:pPr>
+            <a:r>
+              <a:rPr lang="ko-KR" altLang="en-US" sz="1400"/>
+              <a:t>    {</a:t>
+            </a:r>
+            <a:endParaRPr lang="ko-KR" altLang="en-US" sz="1400"/>
+          </a:p>
+          <a:p>
+            <a:pPr>
+              <a:defRPr lang="ko-KR" altLang="en-US"/>
+            </a:pPr>
+            <a:r>
+              <a:rPr lang="ko-KR" altLang="en-US" sz="1400"/>
+              <a:t>        public Form1()</a:t>
+            </a:r>
+            <a:endParaRPr lang="ko-KR" altLang="en-US" sz="1400"/>
+          </a:p>
+          <a:p>
+            <a:pPr>
+              <a:defRPr lang="ko-KR" altLang="en-US"/>
+            </a:pPr>
+            <a:r>
+              <a:rPr lang="ko-KR" altLang="en-US" sz="1400"/>
+              <a:t>        {</a:t>
+            </a:r>
+            <a:endParaRPr lang="ko-KR" altLang="en-US" sz="1400"/>
+          </a:p>
+          <a:p>
+            <a:pPr>
+              <a:defRPr lang="ko-KR" altLang="en-US"/>
+            </a:pPr>
+            <a:r>
+              <a:rPr lang="ko-KR" altLang="en-US" sz="1400"/>
+              <a:t>            InitializeComponent();</a:t>
+            </a:r>
+            <a:endParaRPr lang="ko-KR" altLang="en-US" sz="1400"/>
+          </a:p>
+          <a:p>
+            <a:pPr>
+              <a:defRPr lang="ko-KR" altLang="en-US"/>
+            </a:pPr>
+            <a:endParaRPr lang="ko-KR" altLang="en-US" sz="1400"/>
+          </a:p>
+          <a:p>
+            <a:pPr>
+              <a:defRPr lang="ko-KR" altLang="en-US"/>
+            </a:pPr>
+            <a:r>
+              <a:rPr lang="ko-KR" altLang="en-US" sz="1400"/>
+              <a:t>        }</a:t>
+            </a:r>
+            <a:endParaRPr lang="ko-KR" altLang="en-US" sz="1400"/>
+          </a:p>
+          <a:p>
+            <a:pPr>
+              <a:defRPr lang="ko-KR" altLang="en-US"/>
+            </a:pPr>
+            <a:r>
+              <a:rPr lang="ko-KR" altLang="en-US" sz="1400"/>
+              <a:t>        private void button1_Click(object sender, EventArgs e)</a:t>
+            </a:r>
+            <a:endParaRPr lang="ko-KR" altLang="en-US" sz="1400"/>
+          </a:p>
+          <a:p>
+            <a:pPr>
+              <a:defRPr lang="ko-KR" altLang="en-US"/>
+            </a:pPr>
+            <a:r>
+              <a:rPr lang="ko-KR" altLang="en-US" sz="1400"/>
+              <a:t>        {</a:t>
+            </a:r>
+            <a:endParaRPr lang="ko-KR" altLang="en-US" sz="1400"/>
+          </a:p>
+          <a:p>
+            <a:pPr>
+              <a:defRPr lang="ko-KR" altLang="en-US"/>
+            </a:pPr>
+            <a:r>
+              <a:rPr lang="ko-KR" altLang="en-US" sz="1400"/>
+              <a:t>            textBox3.Text = "Name : " + textBox1.Text +</a:t>
+            </a:r>
+            <a:endParaRPr lang="ko-KR" altLang="en-US" sz="1400"/>
+          </a:p>
+          <a:p>
+            <a:pPr>
+              <a:defRPr lang="ko-KR" altLang="en-US"/>
+            </a:pPr>
+            <a:r>
+              <a:rPr lang="ko-KR" altLang="en-US" sz="1400"/>
+              <a:t>"\r\nPassword : " + textBox2.Text;</a:t>
+            </a:r>
+            <a:endParaRPr lang="ko-KR" altLang="en-US" sz="1400"/>
+          </a:p>
+          <a:p>
+            <a:pPr>
+              <a:defRPr lang="ko-KR" altLang="en-US"/>
+            </a:pPr>
+            <a:r>
+              <a:rPr lang="ko-KR" altLang="en-US" sz="1400"/>
+              <a:t>        }</a:t>
+            </a:r>
+            <a:endParaRPr lang="ko-KR" altLang="en-US" sz="1400"/>
+          </a:p>
+          <a:p>
+            <a:pPr>
+              <a:defRPr lang="ko-KR" altLang="en-US"/>
+            </a:pPr>
+            <a:r>
+              <a:rPr lang="ko-KR" altLang="en-US" sz="1400"/>
+              <a:t>    }</a:t>
+            </a:r>
+            <a:endParaRPr lang="ko-KR" altLang="en-US" sz="1400"/>
+          </a:p>
+          <a:p>
+            <a:pPr>
+              <a:defRPr lang="ko-KR" altLang="en-US"/>
+            </a:pPr>
+            <a:r>
+              <a:rPr lang="ko-KR" altLang="en-US" sz="1400"/>
+              <a:t>}</a:t>
+            </a:r>
+            <a:endParaRPr lang="ko-KR" altLang="en-US" sz="1400"/>
+          </a:p>
+          <a:p>
+            <a:pPr>
+              <a:defRPr lang="ko-KR" altLang="en-US"/>
+            </a:pPr>
+            <a:endParaRPr lang="ko-KR" altLang="en-US" sz="1400"/>
+          </a:p>
+        </p:txBody>
+      </p:sp>
+    </p:spTree>
+  </p:cSld>
+  <p:clrMapOvr>
+    <a:masterClrMapping/>
+  </p:clrMapOvr>
+  <mc:AlternateContent xmlns:mc="http://schemas.openxmlformats.org/markup-compatibility/2006">
+    <mc:Choice xmlns:p14="http://schemas.microsoft.com/office/powerpoint/2010/main" Requires="p14">
+      <p:transition xmlns:mc="http://schemas.openxmlformats.org/markup-compatibility/2006" xmlns:p14="http://schemas.microsoft.com/office/powerpoint/2010/main" mc:Ignorable="p14" p14:dur="500"/>
+    </mc:Choice>
+    <mc:Fallback>
+      <p:transition/>
+    </mc:Fallback>
+  </mc:AlternateContent>
+</p:sld>
+</file>
+
 <file path=ppt/theme/theme1.xml><?xml version="1.0" encoding="utf-8"?>
-<a:theme xmlns:a="http://schemas.openxmlformats.org/drawingml/2006/main" name="Office 테마">
+<a:theme xmlns:r="http://schemas.openxmlformats.org/officeDocument/2006/relationships" xmlns:c="http://schemas.openxmlformats.org/drawingml/2006/chart" xmlns:dgm="http://schemas.openxmlformats.org/drawingml/2006/diagram" xmlns:dsp="http://schemas.microsoft.com/office/drawing/2008/diagram" xmlns:a="http://schemas.openxmlformats.org/drawingml/2006/main" xmlns:pic="http://schemas.openxmlformats.org/drawingml/2006/picture" xmlns:wp="http://schemas.openxmlformats.org/drawingml/2006/wordprocessingDrawing" xmlns:xdr="http://schemas.openxmlformats.org/drawingml/2006/spreadsheetDrawing" name="Office 테마">
   <a:themeElements>
     <a:clrScheme name="Office">
       <a:dk1>
         <a:sysClr val="windowText" lastClr="000000"/>
       </a:dk1>
       <a:lt1>
-        <a:sysClr val="window" lastClr="FFFFFF"/>
+        <a:sysClr val="window" lastClr="ffffff"/>
       </a:lt1>
       <a:dk2>
-        <a:srgbClr val="44546A"/>
+        <a:srgbClr val="44546a"/>
       </a:dk2>
       <a:lt2>
-        <a:srgbClr val="E7E6E6"/>
+        <a:srgbClr val="e7e6e6"/>
       </a:lt2>
       <a:accent1>
-        <a:srgbClr val="4472C4"/>
+        <a:srgbClr val="4472c4"/>
       </a:accent1>
       <a:accent2>
-        <a:srgbClr val="ED7D31"/>
+        <a:srgbClr val="ed7d31"/>
       </a:accent2>
       <a:accent3>
-        <a:srgbClr val="A5A5A5"/>
+        <a:srgbClr val="a5a5a5"/>
       </a:accent3>
       <a:accent4>
-        <a:srgbClr val="FFC000"/>
+        <a:srgbClr val="ffc000"/>
       </a:accent4>
       <a:accent5>
-        <a:srgbClr val="5B9BD5"/>
+        <a:srgbClr val="5b9bd5"/>
       </a:accent5>
       <a:accent6>
-        <a:srgbClr val="70AD47"/>
+        <a:srgbClr val="70ad47"/>
       </a:accent6>
       <a:hlink>
-        <a:srgbClr val="0563C1"/>
+        <a:srgbClr val="0563c1"/>
       </a:hlink>
       <a:folHlink>
-        <a:srgbClr val="954F72"/>
+        <a:srgbClr val="954f72"/>
       </a:folHlink>
     </a:clrScheme>
     <a:fontScheme name="Office">
       <a:majorFont>
-        <a:latin typeface="맑은 고딕" panose="020F0302020204030204"/>
+        <a:latin typeface="맑은 고딕" panose="20"/>
         <a:ea typeface=""/>
         <a:cs typeface=""/>
         <a:font script="Jpan" typeface="游ゴシック Light"/>
@@ -9954,7 +17053,7 @@
         <a:font script="Tfng" typeface="Ebrima"/>
       </a:majorFont>
       <a:minorFont>
-        <a:latin typeface="맑은 고딕" panose="020F0502020204030204"/>
+        <a:latin typeface="맑은 고딕" panose="20"/>
         <a:ea typeface=""/>
         <a:cs typeface=""/>
         <a:font script="Jpan" typeface="游ゴシック"/>
@@ -10070,21 +17169,21 @@
             <a:schemeClr val="phClr"/>
           </a:solidFill>
           <a:prstDash val="solid"/>
-          <a:miter lim="800000"/>
+          <a:miter/>
         </a:ln>
         <a:ln w="12700" cap="flat" cmpd="sng" algn="ctr">
           <a:solidFill>
             <a:schemeClr val="phClr"/>
           </a:solidFill>
           <a:prstDash val="solid"/>
-          <a:miter lim="800000"/>
+          <a:miter/>
         </a:ln>
         <a:ln w="19050" cap="flat" cmpd="sng" algn="ctr">
           <a:solidFill>
             <a:schemeClr val="phClr"/>
           </a:solidFill>
           <a:prstDash val="solid"/>
-          <a:miter lim="800000"/>
+          <a:miter/>
         </a:ln>
       </a:lnStyleLst>
       <a:effectStyleLst>
@@ -10144,12 +17243,5 @@
       </a:bgFillStyleLst>
     </a:fmtScheme>
   </a:themeElements>
-  <a:objectDefaults/>
-  <a:extraClrSchemeLst/>
-  <a:extLst>
-    <a:ext uri="{05A4C25C-085E-4340-85A3-A5531E510DB2}">
-      <thm15:themeFamily xmlns:thm15="http://schemas.microsoft.com/office/thememl/2012/main" name="Office Theme" id="{62F939B6-93AF-4DB8-9C6B-D6C7DFDC589F}" vid="{4A3C46E8-61CC-4603-A589-7422A47A8E4A}"/>
-    </a:ext>
-  </a:extLst>
 </a:theme>
 </file>